--- a/Lecture Slides/2DCentroidDiagrams_diagrams.pptx
+++ b/Lecture Slides/2DCentroidDiagrams_diagrams.pptx
@@ -15,6 +15,12 @@
     <p:sldId id="263" r:id="rId9"/>
     <p:sldId id="264" r:id="rId10"/>
     <p:sldId id="273" r:id="rId11"/>
+    <p:sldId id="275" r:id="rId12"/>
+    <p:sldId id="277" r:id="rId13"/>
+    <p:sldId id="276" r:id="rId14"/>
+    <p:sldId id="278" r:id="rId15"/>
+    <p:sldId id="279" r:id="rId16"/>
+    <p:sldId id="274" r:id="rId17"/>
   </p:sldIdLst>
   <p:sldSz cx="9144000" cy="6858000" type="screen4x3"/>
   <p:notesSz cx="6858000" cy="9144000"/>
@@ -894,7 +900,7 @@
           <a:p>
             <a:fld id="{EEC40B93-9382-47DD-88EF-EE995B444767}" type="datetimeFigureOut">
               <a:rPr lang="en-US" smtClean="0"/>
-              <a:t>5/18/2020</a:t>
+              <a:t>10/5/21</a:t>
             </a:fld>
             <a:endParaRPr lang="en-US"/>
           </a:p>
@@ -1062,7 +1068,7 @@
           <a:p>
             <a:fld id="{EEC40B93-9382-47DD-88EF-EE995B444767}" type="datetimeFigureOut">
               <a:rPr lang="en-US" smtClean="0"/>
-              <a:t>5/18/2020</a:t>
+              <a:t>10/5/21</a:t>
             </a:fld>
             <a:endParaRPr lang="en-US"/>
           </a:p>
@@ -1240,7 +1246,7 @@
           <a:p>
             <a:fld id="{EEC40B93-9382-47DD-88EF-EE995B444767}" type="datetimeFigureOut">
               <a:rPr lang="en-US" smtClean="0"/>
-              <a:t>5/18/2020</a:t>
+              <a:t>10/5/21</a:t>
             </a:fld>
             <a:endParaRPr lang="en-US"/>
           </a:p>
@@ -1408,7 +1414,7 @@
           <a:p>
             <a:fld id="{EEC40B93-9382-47DD-88EF-EE995B444767}" type="datetimeFigureOut">
               <a:rPr lang="en-US" smtClean="0"/>
-              <a:t>5/18/2020</a:t>
+              <a:t>10/5/21</a:t>
             </a:fld>
             <a:endParaRPr lang="en-US"/>
           </a:p>
@@ -1653,7 +1659,7 @@
           <a:p>
             <a:fld id="{EEC40B93-9382-47DD-88EF-EE995B444767}" type="datetimeFigureOut">
               <a:rPr lang="en-US" smtClean="0"/>
-              <a:t>5/18/2020</a:t>
+              <a:t>10/5/21</a:t>
             </a:fld>
             <a:endParaRPr lang="en-US"/>
           </a:p>
@@ -1938,7 +1944,7 @@
           <a:p>
             <a:fld id="{EEC40B93-9382-47DD-88EF-EE995B444767}" type="datetimeFigureOut">
               <a:rPr lang="en-US" smtClean="0"/>
-              <a:t>5/18/2020</a:t>
+              <a:t>10/5/21</a:t>
             </a:fld>
             <a:endParaRPr lang="en-US"/>
           </a:p>
@@ -2357,7 +2363,7 @@
           <a:p>
             <a:fld id="{EEC40B93-9382-47DD-88EF-EE995B444767}" type="datetimeFigureOut">
               <a:rPr lang="en-US" smtClean="0"/>
-              <a:t>5/18/2020</a:t>
+              <a:t>10/5/21</a:t>
             </a:fld>
             <a:endParaRPr lang="en-US"/>
           </a:p>
@@ -2474,7 +2480,7 @@
           <a:p>
             <a:fld id="{EEC40B93-9382-47DD-88EF-EE995B444767}" type="datetimeFigureOut">
               <a:rPr lang="en-US" smtClean="0"/>
-              <a:t>5/18/2020</a:t>
+              <a:t>10/5/21</a:t>
             </a:fld>
             <a:endParaRPr lang="en-US"/>
           </a:p>
@@ -2569,7 +2575,7 @@
           <a:p>
             <a:fld id="{EEC40B93-9382-47DD-88EF-EE995B444767}" type="datetimeFigureOut">
               <a:rPr lang="en-US" smtClean="0"/>
-              <a:t>5/18/2020</a:t>
+              <a:t>10/5/21</a:t>
             </a:fld>
             <a:endParaRPr lang="en-US"/>
           </a:p>
@@ -2844,7 +2850,7 @@
           <a:p>
             <a:fld id="{EEC40B93-9382-47DD-88EF-EE995B444767}" type="datetimeFigureOut">
               <a:rPr lang="en-US" smtClean="0"/>
-              <a:t>5/18/2020</a:t>
+              <a:t>10/5/21</a:t>
             </a:fld>
             <a:endParaRPr lang="en-US"/>
           </a:p>
@@ -3096,7 +3102,7 @@
           <a:p>
             <a:fld id="{EEC40B93-9382-47DD-88EF-EE995B444767}" type="datetimeFigureOut">
               <a:rPr lang="en-US" smtClean="0"/>
-              <a:t>5/18/2020</a:t>
+              <a:t>10/5/21</a:t>
             </a:fld>
             <a:endParaRPr lang="en-US"/>
           </a:p>
@@ -3307,7 +3313,7 @@
           <a:p>
             <a:fld id="{EEC40B93-9382-47DD-88EF-EE995B444767}" type="datetimeFigureOut">
               <a:rPr lang="en-US" smtClean="0"/>
-              <a:t>5/18/2020</a:t>
+              <a:t>10/5/21</a:t>
             </a:fld>
             <a:endParaRPr lang="en-US"/>
           </a:p>
@@ -4125,6 +4131,5555 @@
 </p:sld>
 </file>
 
+<file path=ppt/slides/slide11.xml><?xml version="1.0" encoding="utf-8"?>
+<p:sld xmlns:a="http://schemas.openxmlformats.org/drawingml/2006/main" xmlns:r="http://schemas.openxmlformats.org/officeDocument/2006/relationships" xmlns:p="http://schemas.openxmlformats.org/presentationml/2006/main">
+  <p:cSld>
+    <p:spTree>
+      <p:nvGrpSpPr>
+        <p:cNvPr id="1" name=""/>
+        <p:cNvGrpSpPr/>
+        <p:nvPr/>
+      </p:nvGrpSpPr>
+      <p:grpSpPr>
+        <a:xfrm>
+          <a:off x="0" y="0"/>
+          <a:ext cx="0" cy="0"/>
+          <a:chOff x="0" y="0"/>
+          <a:chExt cx="0" cy="0"/>
+        </a:xfrm>
+      </p:grpSpPr>
+      <p:sp>
+        <p:nvSpPr>
+          <p:cNvPr id="2" name="Pie 1"/>
+          <p:cNvSpPr/>
+          <p:nvPr/>
+        </p:nvSpPr>
+        <p:spPr>
+          <a:xfrm>
+            <a:off x="1676400" y="1752600"/>
+            <a:ext cx="3657600" cy="3657600"/>
+          </a:xfrm>
+          <a:prstGeom prst="pie">
+            <a:avLst>
+              <a:gd name="adj1" fmla="val 18481656"/>
+              <a:gd name="adj2" fmla="val 3130161"/>
+            </a:avLst>
+          </a:prstGeom>
+        </p:spPr>
+        <p:style>
+          <a:lnRef idx="1">
+            <a:schemeClr val="dk1"/>
+          </a:lnRef>
+          <a:fillRef idx="2">
+            <a:schemeClr val="dk1"/>
+          </a:fillRef>
+          <a:effectRef idx="1">
+            <a:schemeClr val="dk1"/>
+          </a:effectRef>
+          <a:fontRef idx="minor">
+            <a:schemeClr val="dk1"/>
+          </a:fontRef>
+        </p:style>
+        <p:txBody>
+          <a:bodyPr rtlCol="0" anchor="ctr"/>
+          <a:lstStyle/>
+          <a:p>
+            <a:pPr algn="ctr"/>
+            <a:endParaRPr lang="en-US">
+              <a:solidFill>
+                <a:schemeClr val="tx1"/>
+              </a:solidFill>
+            </a:endParaRPr>
+          </a:p>
+        </p:txBody>
+      </p:sp>
+      <p:cxnSp>
+        <p:nvCxnSpPr>
+          <p:cNvPr id="3" name="Straight Arrow Connector 2"/>
+          <p:cNvCxnSpPr/>
+          <p:nvPr/>
+        </p:nvCxnSpPr>
+        <p:spPr>
+          <a:xfrm flipV="1">
+            <a:off x="3495233" y="1072726"/>
+            <a:ext cx="0" cy="2514600"/>
+          </a:xfrm>
+          <a:prstGeom prst="straightConnector1">
+            <a:avLst/>
+          </a:prstGeom>
+          <a:ln>
+            <a:tailEnd type="arrow"/>
+          </a:ln>
+        </p:spPr>
+        <p:style>
+          <a:lnRef idx="3">
+            <a:schemeClr val="dk1"/>
+          </a:lnRef>
+          <a:fillRef idx="0">
+            <a:schemeClr val="dk1"/>
+          </a:fillRef>
+          <a:effectRef idx="2">
+            <a:schemeClr val="dk1"/>
+          </a:effectRef>
+          <a:fontRef idx="minor">
+            <a:schemeClr val="tx1"/>
+          </a:fontRef>
+        </p:style>
+      </p:cxnSp>
+      <p:cxnSp>
+        <p:nvCxnSpPr>
+          <p:cNvPr id="4" name="Straight Arrow Connector 3"/>
+          <p:cNvCxnSpPr/>
+          <p:nvPr/>
+        </p:nvCxnSpPr>
+        <p:spPr>
+          <a:xfrm>
+            <a:off x="3502160" y="3587326"/>
+            <a:ext cx="2888673" cy="0"/>
+          </a:xfrm>
+          <a:prstGeom prst="straightConnector1">
+            <a:avLst/>
+          </a:prstGeom>
+          <a:ln>
+            <a:tailEnd type="arrow"/>
+          </a:ln>
+        </p:spPr>
+        <p:style>
+          <a:lnRef idx="3">
+            <a:schemeClr val="dk1"/>
+          </a:lnRef>
+          <a:fillRef idx="0">
+            <a:schemeClr val="dk1"/>
+          </a:fillRef>
+          <a:effectRef idx="2">
+            <a:schemeClr val="dk1"/>
+          </a:effectRef>
+          <a:fontRef idx="minor">
+            <a:schemeClr val="tx1"/>
+          </a:fontRef>
+        </p:style>
+      </p:cxnSp>
+      <p:sp>
+        <p:nvSpPr>
+          <p:cNvPr id="5" name="TextBox 4"/>
+          <p:cNvSpPr txBox="1"/>
+          <p:nvPr/>
+        </p:nvSpPr>
+        <p:spPr>
+          <a:xfrm>
+            <a:off x="6390833" y="3410588"/>
+            <a:ext cx="365806" cy="369332"/>
+          </a:xfrm>
+          <a:prstGeom prst="rect">
+            <a:avLst/>
+          </a:prstGeom>
+          <a:noFill/>
+        </p:spPr>
+        <p:txBody>
+          <a:bodyPr wrap="none" rtlCol="0">
+            <a:spAutoFit/>
+          </a:bodyPr>
+          <a:lstStyle/>
+          <a:p>
+            <a:r>
+              <a:rPr lang="en-US" b="1" dirty="0"/>
+              <a:t>X’</a:t>
+            </a:r>
+          </a:p>
+        </p:txBody>
+      </p:sp>
+      <p:sp>
+        <p:nvSpPr>
+          <p:cNvPr id="6" name="TextBox 5"/>
+          <p:cNvSpPr txBox="1"/>
+          <p:nvPr/>
+        </p:nvSpPr>
+        <p:spPr>
+          <a:xfrm>
+            <a:off x="3349245" y="623454"/>
+            <a:ext cx="366447" cy="369332"/>
+          </a:xfrm>
+          <a:prstGeom prst="rect">
+            <a:avLst/>
+          </a:prstGeom>
+          <a:noFill/>
+        </p:spPr>
+        <p:txBody>
+          <a:bodyPr wrap="none" rtlCol="0">
+            <a:spAutoFit/>
+          </a:bodyPr>
+          <a:lstStyle/>
+          <a:p>
+            <a:r>
+              <a:rPr lang="en-US" b="1" dirty="0"/>
+              <a:t>Y’</a:t>
+            </a:r>
+          </a:p>
+        </p:txBody>
+      </p:sp>
+      <p:sp>
+        <p:nvSpPr>
+          <p:cNvPr id="7" name="Oval 6"/>
+          <p:cNvSpPr/>
+          <p:nvPr/>
+        </p:nvSpPr>
+        <p:spPr>
+          <a:xfrm>
+            <a:off x="4506880" y="3475446"/>
+            <a:ext cx="182880" cy="182880"/>
+          </a:xfrm>
+          <a:prstGeom prst="ellipse">
+            <a:avLst/>
+          </a:prstGeom>
+        </p:spPr>
+        <p:style>
+          <a:lnRef idx="2">
+            <a:schemeClr val="dk1">
+              <a:shade val="50000"/>
+            </a:schemeClr>
+          </a:lnRef>
+          <a:fillRef idx="1">
+            <a:schemeClr val="dk1"/>
+          </a:fillRef>
+          <a:effectRef idx="0">
+            <a:schemeClr val="dk1"/>
+          </a:effectRef>
+          <a:fontRef idx="minor">
+            <a:schemeClr val="lt1"/>
+          </a:fontRef>
+        </p:style>
+        <p:txBody>
+          <a:bodyPr rtlCol="0" anchor="ctr"/>
+          <a:lstStyle/>
+          <a:p>
+            <a:pPr algn="ctr"/>
+            <a:endParaRPr lang="en-US"/>
+          </a:p>
+        </p:txBody>
+      </p:sp>
+      <mc:AlternateContent xmlns:mc="http://schemas.openxmlformats.org/markup-compatibility/2006">
+        <mc:Choice xmlns:a14="http://schemas.microsoft.com/office/drawing/2010/main" Requires="a14">
+          <p:sp>
+            <p:nvSpPr>
+              <p:cNvPr id="31" name="TextBox 30"/>
+              <p:cNvSpPr txBox="1"/>
+              <p:nvPr/>
+            </p:nvSpPr>
+            <p:spPr>
+              <a:xfrm>
+                <a:off x="3837576" y="2204337"/>
+                <a:ext cx="380232" cy="461665"/>
+              </a:xfrm>
+              <a:prstGeom prst="rect">
+                <a:avLst/>
+              </a:prstGeom>
+              <a:noFill/>
+            </p:spPr>
+            <p:txBody>
+              <a:bodyPr wrap="none" rtlCol="0">
+                <a:spAutoFit/>
+              </a:bodyPr>
+              <a:lstStyle/>
+              <a:p>
+                <a:pPr/>
+                <a14:m>
+                  <m:oMathPara xmlns:m="http://schemas.openxmlformats.org/officeDocument/2006/math">
+                    <m:oMathParaPr>
+                      <m:jc m:val="centerGroup"/>
+                    </m:oMathParaPr>
+                    <m:oMath xmlns:m="http://schemas.openxmlformats.org/officeDocument/2006/math">
+                      <m:r>
+                        <m:rPr>
+                          <m:sty m:val="p"/>
+                        </m:rPr>
+                        <a:rPr lang="en-US" sz="2400" b="0" i="0" smtClean="0">
+                          <a:solidFill>
+                            <a:schemeClr val="accent1"/>
+                          </a:solidFill>
+                          <a:latin typeface="Cambria Math"/>
+                        </a:rPr>
+                        <m:t>r</m:t>
+                      </m:r>
+                    </m:oMath>
+                  </m:oMathPara>
+                </a14:m>
+                <a:endParaRPr lang="en-US" sz="2400" dirty="0">
+                  <a:solidFill>
+                    <a:schemeClr val="accent1"/>
+                  </a:solidFill>
+                </a:endParaRPr>
+              </a:p>
+            </p:txBody>
+          </p:sp>
+        </mc:Choice>
+        <mc:Fallback>
+          <p:sp>
+            <p:nvSpPr>
+              <p:cNvPr id="31" name="TextBox 30"/>
+              <p:cNvSpPr txBox="1">
+                <a:spLocks noRot="1" noChangeAspect="1" noMove="1" noResize="1" noEditPoints="1" noAdjustHandles="1" noChangeArrowheads="1" noChangeShapeType="1" noTextEdit="1"/>
+              </p:cNvSpPr>
+              <p:nvPr/>
+            </p:nvSpPr>
+            <p:spPr>
+              <a:xfrm>
+                <a:off x="3837576" y="2204337"/>
+                <a:ext cx="380232" cy="461665"/>
+              </a:xfrm>
+              <a:prstGeom prst="rect">
+                <a:avLst/>
+              </a:prstGeom>
+              <a:blipFill>
+                <a:blip r:embed="rId2"/>
+                <a:stretch>
+                  <a:fillRect/>
+                </a:stretch>
+              </a:blipFill>
+            </p:spPr>
+            <p:txBody>
+              <a:bodyPr/>
+              <a:lstStyle/>
+              <a:p>
+                <a:r>
+                  <a:rPr lang="en-US">
+                    <a:noFill/>
+                  </a:rPr>
+                  <a:t> </a:t>
+                </a:r>
+              </a:p>
+            </p:txBody>
+          </p:sp>
+        </mc:Fallback>
+      </mc:AlternateContent>
+      <p:grpSp>
+        <p:nvGrpSpPr>
+          <p:cNvPr id="9" name="Group 8"/>
+          <p:cNvGrpSpPr/>
+          <p:nvPr/>
+        </p:nvGrpSpPr>
+        <p:grpSpPr>
+          <a:xfrm rot="16200000" flipV="1">
+            <a:off x="3145864" y="4052998"/>
+            <a:ext cx="1808748" cy="1096156"/>
+            <a:chOff x="3730335" y="4145973"/>
+            <a:chExt cx="1059026" cy="595121"/>
+          </a:xfrm>
+        </p:grpSpPr>
+        <p:cxnSp>
+          <p:nvCxnSpPr>
+            <p:cNvPr id="16" name="Straight Connector 15"/>
+            <p:cNvCxnSpPr>
+              <a:cxnSpLocks/>
+            </p:cNvCxnSpPr>
+            <p:nvPr/>
+          </p:nvCxnSpPr>
+          <p:spPr>
+            <a:xfrm rot="16200000" flipV="1">
+              <a:off x="4251502" y="4203235"/>
+              <a:ext cx="16693" cy="1059025"/>
+            </a:xfrm>
+            <a:prstGeom prst="line">
+              <a:avLst/>
+            </a:prstGeom>
+          </p:spPr>
+          <p:style>
+            <a:lnRef idx="1">
+              <a:schemeClr val="accent1"/>
+            </a:lnRef>
+            <a:fillRef idx="0">
+              <a:schemeClr val="accent1"/>
+            </a:fillRef>
+            <a:effectRef idx="0">
+              <a:schemeClr val="accent1"/>
+            </a:effectRef>
+            <a:fontRef idx="minor">
+              <a:schemeClr val="tx1"/>
+            </a:fontRef>
+          </p:style>
+        </p:cxnSp>
+        <p:cxnSp>
+          <p:nvCxnSpPr>
+            <p:cNvPr id="17" name="Straight Connector 16"/>
+            <p:cNvCxnSpPr/>
+            <p:nvPr/>
+          </p:nvCxnSpPr>
+          <p:spPr>
+            <a:xfrm flipH="1">
+              <a:off x="3730335" y="4145973"/>
+              <a:ext cx="994066" cy="0"/>
+            </a:xfrm>
+            <a:prstGeom prst="line">
+              <a:avLst/>
+            </a:prstGeom>
+          </p:spPr>
+          <p:style>
+            <a:lnRef idx="1">
+              <a:schemeClr val="accent1"/>
+            </a:lnRef>
+            <a:fillRef idx="0">
+              <a:schemeClr val="accent1"/>
+            </a:fillRef>
+            <a:effectRef idx="0">
+              <a:schemeClr val="accent1"/>
+            </a:effectRef>
+            <a:fontRef idx="minor">
+              <a:schemeClr val="tx1"/>
+            </a:fontRef>
+          </p:style>
+        </p:cxnSp>
+        <p:cxnSp>
+          <p:nvCxnSpPr>
+            <p:cNvPr id="23" name="Straight Connector 22"/>
+            <p:cNvCxnSpPr/>
+            <p:nvPr/>
+          </p:nvCxnSpPr>
+          <p:spPr>
+            <a:xfrm flipV="1">
+              <a:off x="3965863" y="4145973"/>
+              <a:ext cx="0" cy="578428"/>
+            </a:xfrm>
+            <a:prstGeom prst="line">
+              <a:avLst/>
+            </a:prstGeom>
+            <a:ln>
+              <a:headEnd type="stealth"/>
+              <a:tailEnd type="stealth"/>
+            </a:ln>
+          </p:spPr>
+          <p:style>
+            <a:lnRef idx="1">
+              <a:schemeClr val="accent1"/>
+            </a:lnRef>
+            <a:fillRef idx="0">
+              <a:schemeClr val="accent1"/>
+            </a:fillRef>
+            <a:effectRef idx="0">
+              <a:schemeClr val="accent1"/>
+            </a:effectRef>
+            <a:fontRef idx="minor">
+              <a:schemeClr val="tx1"/>
+            </a:fontRef>
+          </p:style>
+        </p:cxnSp>
+      </p:grpSp>
+      <mc:AlternateContent xmlns:mc="http://schemas.openxmlformats.org/markup-compatibility/2006">
+        <mc:Choice xmlns:a14="http://schemas.microsoft.com/office/drawing/2010/main" Requires="a14">
+          <p:sp>
+            <p:nvSpPr>
+              <p:cNvPr id="24" name="TextBox 23"/>
+              <p:cNvSpPr txBox="1"/>
+              <p:nvPr/>
+            </p:nvSpPr>
+            <p:spPr>
+              <a:xfrm>
+                <a:off x="3474786" y="5274142"/>
+                <a:ext cx="1173142" cy="789319"/>
+              </a:xfrm>
+              <a:prstGeom prst="rect">
+                <a:avLst/>
+              </a:prstGeom>
+              <a:solidFill>
+                <a:schemeClr val="bg1"/>
+              </a:solidFill>
+            </p:spPr>
+            <p:txBody>
+              <a:bodyPr wrap="none" rtlCol="0">
+                <a:spAutoFit/>
+              </a:bodyPr>
+              <a:lstStyle/>
+              <a:p>
+                <a:pPr/>
+                <a14:m>
+                  <m:oMathPara xmlns:m="http://schemas.openxmlformats.org/officeDocument/2006/math">
+                    <m:oMathParaPr>
+                      <m:jc m:val="centerGroup"/>
+                    </m:oMathParaPr>
+                    <m:oMath xmlns:m="http://schemas.openxmlformats.org/officeDocument/2006/math">
+                      <m:f>
+                        <m:fPr>
+                          <m:ctrlPr>
+                            <a:rPr lang="en-US" sz="2400" b="0" i="1" smtClean="0">
+                              <a:solidFill>
+                                <a:schemeClr val="accent1"/>
+                              </a:solidFill>
+                              <a:latin typeface="Cambria Math" panose="02040503050406030204" pitchFamily="18" charset="0"/>
+                            </a:rPr>
+                          </m:ctrlPr>
+                        </m:fPr>
+                        <m:num>
+                          <m:r>
+                            <a:rPr lang="en-CA" sz="2400" b="0" i="0" smtClean="0">
+                              <a:solidFill>
+                                <a:schemeClr val="accent1"/>
+                              </a:solidFill>
+                              <a:latin typeface="Cambria Math" panose="02040503050406030204" pitchFamily="18" charset="0"/>
+                            </a:rPr>
+                            <m:t>2</m:t>
+                          </m:r>
+                        </m:num>
+                        <m:den>
+                          <m:r>
+                            <a:rPr lang="en-US" sz="2400" b="0" i="0" smtClean="0">
+                              <a:solidFill>
+                                <a:schemeClr val="accent1"/>
+                              </a:solidFill>
+                              <a:latin typeface="Cambria Math"/>
+                            </a:rPr>
+                            <m:t>3</m:t>
+                          </m:r>
+                        </m:den>
+                      </m:f>
+                      <m:f>
+                        <m:fPr>
+                          <m:ctrlPr>
+                            <a:rPr lang="en-CA" sz="2400" b="0" i="1" smtClean="0">
+                              <a:solidFill>
+                                <a:schemeClr val="accent1"/>
+                              </a:solidFill>
+                              <a:latin typeface="Cambria Math" panose="02040503050406030204" pitchFamily="18" charset="0"/>
+                            </a:rPr>
+                          </m:ctrlPr>
+                        </m:fPr>
+                        <m:num>
+                          <m:r>
+                            <m:rPr>
+                              <m:sty m:val="p"/>
+                            </m:rPr>
+                            <a:rPr lang="en-US" sz="2400">
+                              <a:solidFill>
+                                <a:schemeClr val="accent1"/>
+                              </a:solidFill>
+                              <a:latin typeface="Cambria Math"/>
+                            </a:rPr>
+                            <m:t>r</m:t>
+                          </m:r>
+                          <m:r>
+                            <m:rPr>
+                              <m:sty m:val="p"/>
+                            </m:rPr>
+                            <a:rPr lang="en-CA" sz="2400">
+                              <a:solidFill>
+                                <a:schemeClr val="accent1"/>
+                              </a:solidFill>
+                              <a:latin typeface="Cambria Math" panose="02040503050406030204" pitchFamily="18" charset="0"/>
+                            </a:rPr>
+                            <m:t>sin</m:t>
+                          </m:r>
+                          <m:r>
+                            <a:rPr lang="en-CA" sz="2400" i="1">
+                              <a:solidFill>
+                                <a:schemeClr val="accent1"/>
+                              </a:solidFill>
+                              <a:latin typeface="Cambria Math" panose="02040503050406030204" pitchFamily="18" charset="0"/>
+                            </a:rPr>
+                            <m:t>𝜃</m:t>
+                          </m:r>
+                        </m:num>
+                        <m:den>
+                          <m:r>
+                            <a:rPr lang="en-CA" sz="2400" b="0" i="1" smtClean="0">
+                              <a:solidFill>
+                                <a:schemeClr val="accent1"/>
+                              </a:solidFill>
+                              <a:latin typeface="Cambria Math" panose="02040503050406030204" pitchFamily="18" charset="0"/>
+                            </a:rPr>
+                            <m:t>𝜃</m:t>
+                          </m:r>
+                        </m:den>
+                      </m:f>
+                    </m:oMath>
+                  </m:oMathPara>
+                </a14:m>
+                <a:endParaRPr lang="en-US" sz="2400" dirty="0">
+                  <a:solidFill>
+                    <a:schemeClr val="accent1"/>
+                  </a:solidFill>
+                </a:endParaRPr>
+              </a:p>
+            </p:txBody>
+          </p:sp>
+        </mc:Choice>
+        <mc:Fallback>
+          <p:sp>
+            <p:nvSpPr>
+              <p:cNvPr id="24" name="TextBox 23"/>
+              <p:cNvSpPr txBox="1">
+                <a:spLocks noRot="1" noChangeAspect="1" noMove="1" noResize="1" noEditPoints="1" noAdjustHandles="1" noChangeArrowheads="1" noChangeShapeType="1" noTextEdit="1"/>
+              </p:cNvSpPr>
+              <p:nvPr/>
+            </p:nvSpPr>
+            <p:spPr>
+              <a:xfrm>
+                <a:off x="3474786" y="5274142"/>
+                <a:ext cx="1173142" cy="789319"/>
+              </a:xfrm>
+              <a:prstGeom prst="rect">
+                <a:avLst/>
+              </a:prstGeom>
+              <a:blipFill>
+                <a:blip r:embed="rId3"/>
+                <a:stretch>
+                  <a:fillRect b="-4762"/>
+                </a:stretch>
+              </a:blipFill>
+            </p:spPr>
+            <p:txBody>
+              <a:bodyPr/>
+              <a:lstStyle/>
+              <a:p>
+                <a:r>
+                  <a:rPr lang="en-US">
+                    <a:noFill/>
+                  </a:rPr>
+                  <a:t> </a:t>
+                </a:r>
+              </a:p>
+            </p:txBody>
+          </p:sp>
+        </mc:Fallback>
+      </mc:AlternateContent>
+      <p:sp>
+        <p:nvSpPr>
+          <p:cNvPr id="26" name="TextBox 25">
+            <a:extLst>
+              <a:ext uri="{FF2B5EF4-FFF2-40B4-BE49-F238E27FC236}">
+                <a16:creationId xmlns:a16="http://schemas.microsoft.com/office/drawing/2014/main" id="{3F9A2EDF-43F0-4A58-AE98-F00A345BDD35}"/>
+              </a:ext>
+            </a:extLst>
+          </p:cNvPr>
+          <p:cNvSpPr txBox="1"/>
+          <p:nvPr/>
+        </p:nvSpPr>
+        <p:spPr>
+          <a:xfrm>
+            <a:off x="4601528" y="3657381"/>
+            <a:ext cx="308098" cy="369332"/>
+          </a:xfrm>
+          <a:prstGeom prst="rect">
+            <a:avLst/>
+          </a:prstGeom>
+          <a:noFill/>
+        </p:spPr>
+        <p:txBody>
+          <a:bodyPr wrap="none" rtlCol="0">
+            <a:spAutoFit/>
+          </a:bodyPr>
+          <a:lstStyle/>
+          <a:p>
+            <a:r>
+              <a:rPr lang="en-US" dirty="0"/>
+              <a:t>C</a:t>
+            </a:r>
+          </a:p>
+        </p:txBody>
+      </p:sp>
+      <p:sp>
+        <p:nvSpPr>
+          <p:cNvPr id="11" name="Arc 10">
+            <a:extLst>
+              <a:ext uri="{FF2B5EF4-FFF2-40B4-BE49-F238E27FC236}">
+                <a16:creationId xmlns:a16="http://schemas.microsoft.com/office/drawing/2014/main" id="{082E2B1E-885C-DD44-9AAA-2B425CFA038A}"/>
+              </a:ext>
+            </a:extLst>
+          </p:cNvPr>
+          <p:cNvSpPr/>
+          <p:nvPr/>
+        </p:nvSpPr>
+        <p:spPr>
+          <a:xfrm>
+            <a:off x="2981014" y="2922222"/>
+            <a:ext cx="1243720" cy="1311225"/>
+          </a:xfrm>
+          <a:prstGeom prst="arc">
+            <a:avLst>
+              <a:gd name="adj1" fmla="val 18035905"/>
+              <a:gd name="adj2" fmla="val 0"/>
+            </a:avLst>
+          </a:prstGeom>
+          <a:ln>
+            <a:headEnd type="stealth"/>
+            <a:tailEnd type="stealth"/>
+          </a:ln>
+        </p:spPr>
+        <p:style>
+          <a:lnRef idx="1">
+            <a:schemeClr val="accent1"/>
+          </a:lnRef>
+          <a:fillRef idx="0">
+            <a:schemeClr val="accent1"/>
+          </a:fillRef>
+          <a:effectRef idx="0">
+            <a:schemeClr val="accent1"/>
+          </a:effectRef>
+          <a:fontRef idx="minor">
+            <a:schemeClr val="tx1"/>
+          </a:fontRef>
+        </p:style>
+        <p:txBody>
+          <a:bodyPr rtlCol="0" anchor="ctr"/>
+          <a:lstStyle/>
+          <a:p>
+            <a:pPr algn="ctr"/>
+            <a:endParaRPr lang="en-US"/>
+          </a:p>
+        </p:txBody>
+      </p:sp>
+      <p:sp>
+        <p:nvSpPr>
+          <p:cNvPr id="33" name="Arc 32">
+            <a:extLst>
+              <a:ext uri="{FF2B5EF4-FFF2-40B4-BE49-F238E27FC236}">
+                <a16:creationId xmlns:a16="http://schemas.microsoft.com/office/drawing/2014/main" id="{2297C665-8305-094F-9B65-A0DEEB323C28}"/>
+              </a:ext>
+            </a:extLst>
+          </p:cNvPr>
+          <p:cNvSpPr/>
+          <p:nvPr/>
+        </p:nvSpPr>
+        <p:spPr>
+          <a:xfrm flipV="1">
+            <a:off x="2974088" y="2939641"/>
+            <a:ext cx="1243720" cy="1311225"/>
+          </a:xfrm>
+          <a:prstGeom prst="arc">
+            <a:avLst>
+              <a:gd name="adj1" fmla="val 18035905"/>
+              <a:gd name="adj2" fmla="val 0"/>
+            </a:avLst>
+          </a:prstGeom>
+          <a:ln>
+            <a:headEnd type="stealth"/>
+            <a:tailEnd type="stealth"/>
+          </a:ln>
+        </p:spPr>
+        <p:style>
+          <a:lnRef idx="1">
+            <a:schemeClr val="accent1"/>
+          </a:lnRef>
+          <a:fillRef idx="0">
+            <a:schemeClr val="accent1"/>
+          </a:fillRef>
+          <a:effectRef idx="0">
+            <a:schemeClr val="accent1"/>
+          </a:effectRef>
+          <a:fontRef idx="minor">
+            <a:schemeClr val="tx1"/>
+          </a:fontRef>
+        </p:style>
+        <p:txBody>
+          <a:bodyPr rtlCol="0" anchor="ctr"/>
+          <a:lstStyle/>
+          <a:p>
+            <a:pPr algn="ctr"/>
+            <a:endParaRPr lang="en-US"/>
+          </a:p>
+        </p:txBody>
+      </p:sp>
+      <mc:AlternateContent xmlns:mc="http://schemas.openxmlformats.org/markup-compatibility/2006">
+        <mc:Choice xmlns:a14="http://schemas.microsoft.com/office/drawing/2010/main" Requires="a14">
+          <p:sp>
+            <p:nvSpPr>
+              <p:cNvPr id="34" name="TextBox 33">
+                <a:extLst>
+                  <a:ext uri="{FF2B5EF4-FFF2-40B4-BE49-F238E27FC236}">
+                    <a16:creationId xmlns:a16="http://schemas.microsoft.com/office/drawing/2014/main" id="{3A05E3B9-6ED4-D64C-8700-7A92CEFEF1CA}"/>
+                  </a:ext>
+                </a:extLst>
+              </p:cNvPr>
+              <p:cNvSpPr txBox="1"/>
+              <p:nvPr/>
+            </p:nvSpPr>
+            <p:spPr>
+              <a:xfrm>
+                <a:off x="4147926" y="2964151"/>
+                <a:ext cx="421910" cy="461665"/>
+              </a:xfrm>
+              <a:prstGeom prst="rect">
+                <a:avLst/>
+              </a:prstGeom>
+              <a:noFill/>
+            </p:spPr>
+            <p:txBody>
+              <a:bodyPr wrap="none" rtlCol="0">
+                <a:spAutoFit/>
+              </a:bodyPr>
+              <a:lstStyle/>
+              <a:p>
+                <a:pPr/>
+                <a14:m>
+                  <m:oMathPara xmlns:m="http://schemas.openxmlformats.org/officeDocument/2006/math">
+                    <m:oMathParaPr>
+                      <m:jc m:val="centerGroup"/>
+                    </m:oMathParaPr>
+                    <m:oMath xmlns:m="http://schemas.openxmlformats.org/officeDocument/2006/math">
+                      <m:r>
+                        <m:rPr>
+                          <m:sty m:val="p"/>
+                        </m:rPr>
+                        <a:rPr lang="en-CA" sz="2400" b="0" i="1" smtClean="0">
+                          <a:solidFill>
+                            <a:schemeClr val="accent1"/>
+                          </a:solidFill>
+                          <a:latin typeface="Cambria Math" panose="02040503050406030204" pitchFamily="18" charset="0"/>
+                        </a:rPr>
+                        <m:t>θ</m:t>
+                      </m:r>
+                    </m:oMath>
+                  </m:oMathPara>
+                </a14:m>
+                <a:endParaRPr lang="en-CA" sz="2400" b="0" dirty="0">
+                  <a:solidFill>
+                    <a:schemeClr val="accent1"/>
+                  </a:solidFill>
+                </a:endParaRPr>
+              </a:p>
+            </p:txBody>
+          </p:sp>
+        </mc:Choice>
+        <mc:Fallback>
+          <p:sp>
+            <p:nvSpPr>
+              <p:cNvPr id="34" name="TextBox 33">
+                <a:extLst>
+                  <a:ext uri="{FF2B5EF4-FFF2-40B4-BE49-F238E27FC236}">
+                    <a16:creationId xmlns:a16="http://schemas.microsoft.com/office/drawing/2014/main" id="{3A05E3B9-6ED4-D64C-8700-7A92CEFEF1CA}"/>
+                  </a:ext>
+                </a:extLst>
+              </p:cNvPr>
+              <p:cNvSpPr txBox="1">
+                <a:spLocks noRot="1" noChangeAspect="1" noMove="1" noResize="1" noEditPoints="1" noAdjustHandles="1" noChangeArrowheads="1" noChangeShapeType="1" noTextEdit="1"/>
+              </p:cNvSpPr>
+              <p:nvPr/>
+            </p:nvSpPr>
+            <p:spPr>
+              <a:xfrm>
+                <a:off x="4147926" y="2964151"/>
+                <a:ext cx="421910" cy="461665"/>
+              </a:xfrm>
+              <a:prstGeom prst="rect">
+                <a:avLst/>
+              </a:prstGeom>
+              <a:blipFill>
+                <a:blip r:embed="rId4"/>
+                <a:stretch>
+                  <a:fillRect/>
+                </a:stretch>
+              </a:blipFill>
+            </p:spPr>
+            <p:txBody>
+              <a:bodyPr/>
+              <a:lstStyle/>
+              <a:p>
+                <a:r>
+                  <a:rPr lang="en-US">
+                    <a:noFill/>
+                  </a:rPr>
+                  <a:t> </a:t>
+                </a:r>
+              </a:p>
+            </p:txBody>
+          </p:sp>
+        </mc:Fallback>
+      </mc:AlternateContent>
+      <mc:AlternateContent xmlns:mc="http://schemas.openxmlformats.org/markup-compatibility/2006">
+        <mc:Choice xmlns:a14="http://schemas.microsoft.com/office/drawing/2010/main" Requires="a14">
+          <p:sp>
+            <p:nvSpPr>
+              <p:cNvPr id="35" name="TextBox 34">
+                <a:extLst>
+                  <a:ext uri="{FF2B5EF4-FFF2-40B4-BE49-F238E27FC236}">
+                    <a16:creationId xmlns:a16="http://schemas.microsoft.com/office/drawing/2014/main" id="{94DA406E-A932-3B47-8F8A-886ABFB4FC89}"/>
+                  </a:ext>
+                </a:extLst>
+              </p:cNvPr>
+              <p:cNvSpPr txBox="1"/>
+              <p:nvPr/>
+            </p:nvSpPr>
+            <p:spPr>
+              <a:xfrm>
+                <a:off x="4139576" y="3857064"/>
+                <a:ext cx="421910" cy="461665"/>
+              </a:xfrm>
+              <a:prstGeom prst="rect">
+                <a:avLst/>
+              </a:prstGeom>
+              <a:noFill/>
+            </p:spPr>
+            <p:txBody>
+              <a:bodyPr wrap="none" rtlCol="0">
+                <a:spAutoFit/>
+              </a:bodyPr>
+              <a:lstStyle/>
+              <a:p>
+                <a:pPr/>
+                <a14:m>
+                  <m:oMathPara xmlns:m="http://schemas.openxmlformats.org/officeDocument/2006/math">
+                    <m:oMathParaPr>
+                      <m:jc m:val="centerGroup"/>
+                    </m:oMathParaPr>
+                    <m:oMath xmlns:m="http://schemas.openxmlformats.org/officeDocument/2006/math">
+                      <m:r>
+                        <m:rPr>
+                          <m:sty m:val="p"/>
+                        </m:rPr>
+                        <a:rPr lang="en-CA" sz="2400" b="0" i="1" smtClean="0">
+                          <a:solidFill>
+                            <a:schemeClr val="accent1"/>
+                          </a:solidFill>
+                          <a:latin typeface="Cambria Math" panose="02040503050406030204" pitchFamily="18" charset="0"/>
+                        </a:rPr>
+                        <m:t>θ</m:t>
+                      </m:r>
+                    </m:oMath>
+                  </m:oMathPara>
+                </a14:m>
+                <a:endParaRPr lang="en-CA" sz="2400" b="0" dirty="0">
+                  <a:solidFill>
+                    <a:schemeClr val="accent1"/>
+                  </a:solidFill>
+                </a:endParaRPr>
+              </a:p>
+            </p:txBody>
+          </p:sp>
+        </mc:Choice>
+        <mc:Fallback>
+          <p:sp>
+            <p:nvSpPr>
+              <p:cNvPr id="35" name="TextBox 34">
+                <a:extLst>
+                  <a:ext uri="{FF2B5EF4-FFF2-40B4-BE49-F238E27FC236}">
+                    <a16:creationId xmlns:a16="http://schemas.microsoft.com/office/drawing/2014/main" id="{94DA406E-A932-3B47-8F8A-886ABFB4FC89}"/>
+                  </a:ext>
+                </a:extLst>
+              </p:cNvPr>
+              <p:cNvSpPr txBox="1">
+                <a:spLocks noRot="1" noChangeAspect="1" noMove="1" noResize="1" noEditPoints="1" noAdjustHandles="1" noChangeArrowheads="1" noChangeShapeType="1" noTextEdit="1"/>
+              </p:cNvSpPr>
+              <p:nvPr/>
+            </p:nvSpPr>
+            <p:spPr>
+              <a:xfrm>
+                <a:off x="4139576" y="3857064"/>
+                <a:ext cx="421910" cy="461665"/>
+              </a:xfrm>
+              <a:prstGeom prst="rect">
+                <a:avLst/>
+              </a:prstGeom>
+              <a:blipFill>
+                <a:blip r:embed="rId5"/>
+                <a:stretch>
+                  <a:fillRect/>
+                </a:stretch>
+              </a:blipFill>
+            </p:spPr>
+            <p:txBody>
+              <a:bodyPr/>
+              <a:lstStyle/>
+              <a:p>
+                <a:r>
+                  <a:rPr lang="en-US">
+                    <a:noFill/>
+                  </a:rPr>
+                  <a:t> </a:t>
+                </a:r>
+              </a:p>
+            </p:txBody>
+          </p:sp>
+        </mc:Fallback>
+      </mc:AlternateContent>
+      <p:cxnSp>
+        <p:nvCxnSpPr>
+          <p:cNvPr id="36" name="Straight Arrow Connector 35">
+            <a:extLst>
+              <a:ext uri="{FF2B5EF4-FFF2-40B4-BE49-F238E27FC236}">
+                <a16:creationId xmlns:a16="http://schemas.microsoft.com/office/drawing/2014/main" id="{F7B69A6B-749E-2345-9711-8C47C5E78D15}"/>
+              </a:ext>
+            </a:extLst>
+          </p:cNvPr>
+          <p:cNvCxnSpPr>
+            <a:cxnSpLocks/>
+          </p:cNvCxnSpPr>
+          <p:nvPr/>
+        </p:nvCxnSpPr>
+        <p:spPr>
+          <a:xfrm flipV="1">
+            <a:off x="4598316" y="2514600"/>
+            <a:ext cx="0" cy="1033722"/>
+          </a:xfrm>
+          <a:prstGeom prst="straightConnector1">
+            <a:avLst/>
+          </a:prstGeom>
+          <a:ln w="28575">
+            <a:tailEnd type="arrow"/>
+          </a:ln>
+        </p:spPr>
+        <p:style>
+          <a:lnRef idx="3">
+            <a:schemeClr val="dk1"/>
+          </a:lnRef>
+          <a:fillRef idx="0">
+            <a:schemeClr val="dk1"/>
+          </a:fillRef>
+          <a:effectRef idx="2">
+            <a:schemeClr val="dk1"/>
+          </a:effectRef>
+          <a:fontRef idx="minor">
+            <a:schemeClr val="tx1"/>
+          </a:fontRef>
+        </p:style>
+      </p:cxnSp>
+      <p:sp>
+        <p:nvSpPr>
+          <p:cNvPr id="37" name="TextBox 36">
+            <a:extLst>
+              <a:ext uri="{FF2B5EF4-FFF2-40B4-BE49-F238E27FC236}">
+                <a16:creationId xmlns:a16="http://schemas.microsoft.com/office/drawing/2014/main" id="{3A796E86-3241-A845-B59C-BAA8F3211E21}"/>
+              </a:ext>
+            </a:extLst>
+          </p:cNvPr>
+          <p:cNvSpPr txBox="1"/>
+          <p:nvPr/>
+        </p:nvSpPr>
+        <p:spPr>
+          <a:xfrm>
+            <a:off x="4626165" y="2634788"/>
+            <a:ext cx="304892" cy="369332"/>
+          </a:xfrm>
+          <a:prstGeom prst="rect">
+            <a:avLst/>
+          </a:prstGeom>
+          <a:noFill/>
+          <a:ln w="28575">
+            <a:noFill/>
+          </a:ln>
+        </p:spPr>
+        <p:txBody>
+          <a:bodyPr wrap="none" rtlCol="0">
+            <a:spAutoFit/>
+          </a:bodyPr>
+          <a:lstStyle/>
+          <a:p>
+            <a:r>
+              <a:rPr lang="en-US" b="1" dirty="0"/>
+              <a:t>Y</a:t>
+            </a:r>
+          </a:p>
+        </p:txBody>
+      </p:sp>
+    </p:spTree>
+    <p:extLst>
+      <p:ext uri="{BB962C8B-B14F-4D97-AF65-F5344CB8AC3E}">
+        <p14:creationId xmlns:p14="http://schemas.microsoft.com/office/powerpoint/2010/main" val="2998132253"/>
+      </p:ext>
+    </p:extLst>
+  </p:cSld>
+  <p:clrMapOvr>
+    <a:masterClrMapping/>
+  </p:clrMapOvr>
+</p:sld>
+</file>
+
+<file path=ppt/slides/slide12.xml><?xml version="1.0" encoding="utf-8"?>
+<p:sld xmlns:a="http://schemas.openxmlformats.org/drawingml/2006/main" xmlns:r="http://schemas.openxmlformats.org/officeDocument/2006/relationships" xmlns:p="http://schemas.openxmlformats.org/presentationml/2006/main">
+  <p:cSld>
+    <p:spTree>
+      <p:nvGrpSpPr>
+        <p:cNvPr id="1" name=""/>
+        <p:cNvGrpSpPr/>
+        <p:nvPr/>
+      </p:nvGrpSpPr>
+      <p:grpSpPr>
+        <a:xfrm>
+          <a:off x="0" y="0"/>
+          <a:ext cx="0" cy="0"/>
+          <a:chOff x="0" y="0"/>
+          <a:chExt cx="0" cy="0"/>
+        </a:xfrm>
+      </p:grpSpPr>
+      <p:sp>
+        <p:nvSpPr>
+          <p:cNvPr id="2" name="Pie 1"/>
+          <p:cNvSpPr/>
+          <p:nvPr/>
+        </p:nvSpPr>
+        <p:spPr>
+          <a:xfrm>
+            <a:off x="2365663" y="2729346"/>
+            <a:ext cx="3657600" cy="3657600"/>
+          </a:xfrm>
+          <a:prstGeom prst="pie">
+            <a:avLst>
+              <a:gd name="adj1" fmla="val 10800000"/>
+              <a:gd name="adj2" fmla="val 21599999"/>
+            </a:avLst>
+          </a:prstGeom>
+        </p:spPr>
+        <p:style>
+          <a:lnRef idx="1">
+            <a:schemeClr val="dk1"/>
+          </a:lnRef>
+          <a:fillRef idx="2">
+            <a:schemeClr val="dk1"/>
+          </a:fillRef>
+          <a:effectRef idx="1">
+            <a:schemeClr val="dk1"/>
+          </a:effectRef>
+          <a:fontRef idx="minor">
+            <a:schemeClr val="dk1"/>
+          </a:fontRef>
+        </p:style>
+        <p:txBody>
+          <a:bodyPr rtlCol="0" anchor="ctr"/>
+          <a:lstStyle/>
+          <a:p>
+            <a:pPr algn="ctr"/>
+            <a:endParaRPr lang="en-US">
+              <a:solidFill>
+                <a:schemeClr val="tx1"/>
+              </a:solidFill>
+            </a:endParaRPr>
+          </a:p>
+        </p:txBody>
+      </p:sp>
+      <p:sp>
+        <p:nvSpPr>
+          <p:cNvPr id="17" name="Pie 16">
+            <a:extLst>
+              <a:ext uri="{FF2B5EF4-FFF2-40B4-BE49-F238E27FC236}">
+                <a16:creationId xmlns:a16="http://schemas.microsoft.com/office/drawing/2014/main" id="{FC373375-02DF-BE48-B5BB-9BD83F768A30}"/>
+              </a:ext>
+            </a:extLst>
+          </p:cNvPr>
+          <p:cNvSpPr>
+            <a:spLocks noChangeAspect="1"/>
+          </p:cNvSpPr>
+          <p:nvPr/>
+        </p:nvSpPr>
+        <p:spPr>
+          <a:xfrm>
+            <a:off x="2426954" y="2794146"/>
+            <a:ext cx="3528000" cy="3528000"/>
+          </a:xfrm>
+          <a:prstGeom prst="pie">
+            <a:avLst>
+              <a:gd name="adj1" fmla="val 10800000"/>
+              <a:gd name="adj2" fmla="val 21599999"/>
+            </a:avLst>
+          </a:prstGeom>
+          <a:solidFill>
+            <a:schemeClr val="bg1"/>
+          </a:solidFill>
+        </p:spPr>
+        <p:style>
+          <a:lnRef idx="1">
+            <a:schemeClr val="dk1"/>
+          </a:lnRef>
+          <a:fillRef idx="2">
+            <a:schemeClr val="dk1"/>
+          </a:fillRef>
+          <a:effectRef idx="1">
+            <a:schemeClr val="dk1"/>
+          </a:effectRef>
+          <a:fontRef idx="minor">
+            <a:schemeClr val="dk1"/>
+          </a:fontRef>
+        </p:style>
+        <p:txBody>
+          <a:bodyPr rtlCol="0" anchor="ctr"/>
+          <a:lstStyle/>
+          <a:p>
+            <a:pPr algn="ctr"/>
+            <a:endParaRPr lang="en-US">
+              <a:solidFill>
+                <a:schemeClr val="tx1"/>
+              </a:solidFill>
+            </a:endParaRPr>
+          </a:p>
+        </p:txBody>
+      </p:sp>
+      <p:cxnSp>
+        <p:nvCxnSpPr>
+          <p:cNvPr id="3" name="Straight Arrow Connector 2"/>
+          <p:cNvCxnSpPr/>
+          <p:nvPr/>
+        </p:nvCxnSpPr>
+        <p:spPr>
+          <a:xfrm flipV="1">
+            <a:off x="4184496" y="2049472"/>
+            <a:ext cx="0" cy="2514600"/>
+          </a:xfrm>
+          <a:prstGeom prst="straightConnector1">
+            <a:avLst/>
+          </a:prstGeom>
+          <a:ln>
+            <a:tailEnd type="arrow"/>
+          </a:ln>
+        </p:spPr>
+        <p:style>
+          <a:lnRef idx="3">
+            <a:schemeClr val="dk1"/>
+          </a:lnRef>
+          <a:fillRef idx="0">
+            <a:schemeClr val="dk1"/>
+          </a:fillRef>
+          <a:effectRef idx="2">
+            <a:schemeClr val="dk1"/>
+          </a:effectRef>
+          <a:fontRef idx="minor">
+            <a:schemeClr val="tx1"/>
+          </a:fontRef>
+        </p:style>
+      </p:cxnSp>
+      <p:cxnSp>
+        <p:nvCxnSpPr>
+          <p:cNvPr id="4" name="Straight Arrow Connector 3"/>
+          <p:cNvCxnSpPr/>
+          <p:nvPr/>
+        </p:nvCxnSpPr>
+        <p:spPr>
+          <a:xfrm>
+            <a:off x="4191423" y="4564072"/>
+            <a:ext cx="2888673" cy="0"/>
+          </a:xfrm>
+          <a:prstGeom prst="straightConnector1">
+            <a:avLst/>
+          </a:prstGeom>
+          <a:ln>
+            <a:tailEnd type="arrow"/>
+          </a:ln>
+        </p:spPr>
+        <p:style>
+          <a:lnRef idx="3">
+            <a:schemeClr val="dk1"/>
+          </a:lnRef>
+          <a:fillRef idx="0">
+            <a:schemeClr val="dk1"/>
+          </a:fillRef>
+          <a:effectRef idx="2">
+            <a:schemeClr val="dk1"/>
+          </a:effectRef>
+          <a:fontRef idx="minor">
+            <a:schemeClr val="tx1"/>
+          </a:fontRef>
+        </p:style>
+      </p:cxnSp>
+      <p:sp>
+        <p:nvSpPr>
+          <p:cNvPr id="5" name="TextBox 4"/>
+          <p:cNvSpPr txBox="1"/>
+          <p:nvPr/>
+        </p:nvSpPr>
+        <p:spPr>
+          <a:xfrm>
+            <a:off x="7080096" y="4387334"/>
+            <a:ext cx="365806" cy="369332"/>
+          </a:xfrm>
+          <a:prstGeom prst="rect">
+            <a:avLst/>
+          </a:prstGeom>
+          <a:noFill/>
+        </p:spPr>
+        <p:txBody>
+          <a:bodyPr wrap="none" rtlCol="0">
+            <a:spAutoFit/>
+          </a:bodyPr>
+          <a:lstStyle/>
+          <a:p>
+            <a:r>
+              <a:rPr lang="en-US" b="1" dirty="0"/>
+              <a:t>X’</a:t>
+            </a:r>
+          </a:p>
+        </p:txBody>
+      </p:sp>
+      <p:sp>
+        <p:nvSpPr>
+          <p:cNvPr id="6" name="TextBox 5"/>
+          <p:cNvSpPr txBox="1"/>
+          <p:nvPr/>
+        </p:nvSpPr>
+        <p:spPr>
+          <a:xfrm>
+            <a:off x="4038508" y="1600200"/>
+            <a:ext cx="304892" cy="369332"/>
+          </a:xfrm>
+          <a:prstGeom prst="rect">
+            <a:avLst/>
+          </a:prstGeom>
+          <a:noFill/>
+        </p:spPr>
+        <p:txBody>
+          <a:bodyPr wrap="none" rtlCol="0">
+            <a:spAutoFit/>
+          </a:bodyPr>
+          <a:lstStyle/>
+          <a:p>
+            <a:r>
+              <a:rPr lang="en-US" b="1" dirty="0"/>
+              <a:t>Y</a:t>
+            </a:r>
+          </a:p>
+        </p:txBody>
+      </p:sp>
+      <p:sp>
+        <p:nvSpPr>
+          <p:cNvPr id="7" name="Oval 6"/>
+          <p:cNvSpPr/>
+          <p:nvPr/>
+        </p:nvSpPr>
+        <p:spPr>
+          <a:xfrm>
+            <a:off x="4098971" y="3339221"/>
+            <a:ext cx="182880" cy="182880"/>
+          </a:xfrm>
+          <a:prstGeom prst="ellipse">
+            <a:avLst/>
+          </a:prstGeom>
+        </p:spPr>
+        <p:style>
+          <a:lnRef idx="2">
+            <a:schemeClr val="dk1">
+              <a:shade val="50000"/>
+            </a:schemeClr>
+          </a:lnRef>
+          <a:fillRef idx="1">
+            <a:schemeClr val="dk1"/>
+          </a:fillRef>
+          <a:effectRef idx="0">
+            <a:schemeClr val="dk1"/>
+          </a:effectRef>
+          <a:fontRef idx="minor">
+            <a:schemeClr val="lt1"/>
+          </a:fontRef>
+        </p:style>
+        <p:txBody>
+          <a:bodyPr rtlCol="0" anchor="ctr"/>
+          <a:lstStyle/>
+          <a:p>
+            <a:pPr algn="ctr"/>
+            <a:endParaRPr lang="en-US"/>
+          </a:p>
+        </p:txBody>
+      </p:sp>
+      <p:cxnSp>
+        <p:nvCxnSpPr>
+          <p:cNvPr id="28" name="Straight Arrow Connector 27"/>
+          <p:cNvCxnSpPr/>
+          <p:nvPr/>
+        </p:nvCxnSpPr>
+        <p:spPr>
+          <a:xfrm flipV="1">
+            <a:off x="4232564" y="3275599"/>
+            <a:ext cx="1285009" cy="1254838"/>
+          </a:xfrm>
+          <a:prstGeom prst="straightConnector1">
+            <a:avLst/>
+          </a:prstGeom>
+          <a:ln>
+            <a:tailEnd type="arrow"/>
+          </a:ln>
+        </p:spPr>
+        <p:style>
+          <a:lnRef idx="1">
+            <a:schemeClr val="accent1"/>
+          </a:lnRef>
+          <a:fillRef idx="0">
+            <a:schemeClr val="accent1"/>
+          </a:fillRef>
+          <a:effectRef idx="0">
+            <a:schemeClr val="accent1"/>
+          </a:effectRef>
+          <a:fontRef idx="minor">
+            <a:schemeClr val="tx1"/>
+          </a:fontRef>
+        </p:style>
+      </p:cxnSp>
+      <mc:AlternateContent xmlns:mc="http://schemas.openxmlformats.org/markup-compatibility/2006" xmlns:a14="http://schemas.microsoft.com/office/drawing/2010/main">
+        <mc:Choice Requires="a14">
+          <p:sp>
+            <p:nvSpPr>
+              <p:cNvPr id="31" name="TextBox 30"/>
+              <p:cNvSpPr txBox="1"/>
+              <p:nvPr/>
+            </p:nvSpPr>
+            <p:spPr>
+              <a:xfrm>
+                <a:off x="4725168" y="3424535"/>
+                <a:ext cx="380232" cy="461665"/>
+              </a:xfrm>
+              <a:prstGeom prst="rect">
+                <a:avLst/>
+              </a:prstGeom>
+              <a:noFill/>
+            </p:spPr>
+            <p:txBody>
+              <a:bodyPr wrap="none" rtlCol="0">
+                <a:spAutoFit/>
+              </a:bodyPr>
+              <a:lstStyle/>
+              <a:p>
+                <a:pPr/>
+                <a14:m>
+                  <m:oMathPara xmlns:m="http://schemas.openxmlformats.org/officeDocument/2006/math">
+                    <m:oMathParaPr>
+                      <m:jc m:val="centerGroup"/>
+                    </m:oMathParaPr>
+                    <m:oMath xmlns:m="http://schemas.openxmlformats.org/officeDocument/2006/math">
+                      <m:r>
+                        <m:rPr>
+                          <m:sty m:val="p"/>
+                        </m:rPr>
+                        <a:rPr lang="en-US" sz="2400" b="0" i="0" smtClean="0">
+                          <a:solidFill>
+                            <a:schemeClr val="accent1"/>
+                          </a:solidFill>
+                          <a:latin typeface="Cambria Math"/>
+                        </a:rPr>
+                        <m:t>r</m:t>
+                      </m:r>
+                    </m:oMath>
+                  </m:oMathPara>
+                </a14:m>
+                <a:endParaRPr lang="en-US" sz="2400" dirty="0">
+                  <a:solidFill>
+                    <a:schemeClr val="accent1"/>
+                  </a:solidFill>
+                </a:endParaRPr>
+              </a:p>
+            </p:txBody>
+          </p:sp>
+        </mc:Choice>
+        <mc:Fallback xmlns="">
+          <p:sp>
+            <p:nvSpPr>
+              <p:cNvPr id="31" name="TextBox 30"/>
+              <p:cNvSpPr txBox="1">
+                <a:spLocks noRot="1" noChangeAspect="1" noMove="1" noResize="1" noEditPoints="1" noAdjustHandles="1" noChangeArrowheads="1" noChangeShapeType="1" noTextEdit="1"/>
+              </p:cNvSpPr>
+              <p:nvPr/>
+            </p:nvSpPr>
+            <p:spPr>
+              <a:xfrm>
+                <a:off x="4725168" y="3424535"/>
+                <a:ext cx="380232" cy="461665"/>
+              </a:xfrm>
+              <a:prstGeom prst="rect">
+                <a:avLst/>
+              </a:prstGeom>
+              <a:blipFill rotWithShape="1">
+                <a:blip r:embed="rId2"/>
+                <a:stretch>
+                  <a:fillRect/>
+                </a:stretch>
+              </a:blipFill>
+            </p:spPr>
+            <p:txBody>
+              <a:bodyPr/>
+              <a:lstStyle/>
+              <a:p>
+                <a:r>
+                  <a:rPr lang="en-US">
+                    <a:noFill/>
+                  </a:rPr>
+                  <a:t> </a:t>
+                </a:r>
+              </a:p>
+            </p:txBody>
+          </p:sp>
+        </mc:Fallback>
+      </mc:AlternateContent>
+      <p:cxnSp>
+        <p:nvCxnSpPr>
+          <p:cNvPr id="18" name="Straight Connector 17"/>
+          <p:cNvCxnSpPr/>
+          <p:nvPr/>
+        </p:nvCxnSpPr>
+        <p:spPr>
+          <a:xfrm flipH="1">
+            <a:off x="1721428" y="4571997"/>
+            <a:ext cx="502228" cy="3"/>
+          </a:xfrm>
+          <a:prstGeom prst="line">
+            <a:avLst/>
+          </a:prstGeom>
+        </p:spPr>
+        <p:style>
+          <a:lnRef idx="1">
+            <a:schemeClr val="accent1"/>
+          </a:lnRef>
+          <a:fillRef idx="0">
+            <a:schemeClr val="accent1"/>
+          </a:fillRef>
+          <a:effectRef idx="0">
+            <a:schemeClr val="accent1"/>
+          </a:effectRef>
+          <a:fontRef idx="minor">
+            <a:schemeClr val="tx1"/>
+          </a:fontRef>
+        </p:style>
+      </p:cxnSp>
+      <p:cxnSp>
+        <p:nvCxnSpPr>
+          <p:cNvPr id="19" name="Straight Connector 18"/>
+          <p:cNvCxnSpPr/>
+          <p:nvPr/>
+        </p:nvCxnSpPr>
+        <p:spPr>
+          <a:xfrm flipH="1">
+            <a:off x="1721428" y="3424535"/>
+            <a:ext cx="2256557" cy="0"/>
+          </a:xfrm>
+          <a:prstGeom prst="line">
+            <a:avLst/>
+          </a:prstGeom>
+        </p:spPr>
+        <p:style>
+          <a:lnRef idx="1">
+            <a:schemeClr val="accent1"/>
+          </a:lnRef>
+          <a:fillRef idx="0">
+            <a:schemeClr val="accent1"/>
+          </a:fillRef>
+          <a:effectRef idx="0">
+            <a:schemeClr val="accent1"/>
+          </a:effectRef>
+          <a:fontRef idx="minor">
+            <a:schemeClr val="tx1"/>
+          </a:fontRef>
+        </p:style>
+      </p:cxnSp>
+      <p:cxnSp>
+        <p:nvCxnSpPr>
+          <p:cNvPr id="20" name="Straight Connector 19"/>
+          <p:cNvCxnSpPr>
+            <a:cxnSpLocks/>
+          </p:cNvCxnSpPr>
+          <p:nvPr/>
+        </p:nvCxnSpPr>
+        <p:spPr>
+          <a:xfrm flipV="1">
+            <a:off x="1998519" y="3424535"/>
+            <a:ext cx="0" cy="1147466"/>
+          </a:xfrm>
+          <a:prstGeom prst="line">
+            <a:avLst/>
+          </a:prstGeom>
+          <a:ln>
+            <a:headEnd type="stealth"/>
+            <a:tailEnd type="stealth"/>
+          </a:ln>
+        </p:spPr>
+        <p:style>
+          <a:lnRef idx="1">
+            <a:schemeClr val="accent1"/>
+          </a:lnRef>
+          <a:fillRef idx="0">
+            <a:schemeClr val="accent1"/>
+          </a:fillRef>
+          <a:effectRef idx="0">
+            <a:schemeClr val="accent1"/>
+          </a:effectRef>
+          <a:fontRef idx="minor">
+            <a:schemeClr val="tx1"/>
+          </a:fontRef>
+        </p:style>
+      </p:cxnSp>
+      <mc:AlternateContent xmlns:mc="http://schemas.openxmlformats.org/markup-compatibility/2006">
+        <mc:Choice xmlns:a14="http://schemas.microsoft.com/office/drawing/2010/main" Requires="a14">
+          <p:sp>
+            <p:nvSpPr>
+              <p:cNvPr id="21" name="TextBox 20"/>
+              <p:cNvSpPr txBox="1"/>
+              <p:nvPr/>
+            </p:nvSpPr>
+            <p:spPr>
+              <a:xfrm>
+                <a:off x="1377364" y="3601157"/>
+                <a:ext cx="550151" cy="786177"/>
+              </a:xfrm>
+              <a:prstGeom prst="rect">
+                <a:avLst/>
+              </a:prstGeom>
+              <a:solidFill>
+                <a:schemeClr val="bg1"/>
+              </a:solidFill>
+            </p:spPr>
+            <p:txBody>
+              <a:bodyPr wrap="none" rtlCol="0">
+                <a:spAutoFit/>
+              </a:bodyPr>
+              <a:lstStyle/>
+              <a:p>
+                <a:pPr/>
+                <a14:m>
+                  <m:oMathPara xmlns:m="http://schemas.openxmlformats.org/officeDocument/2006/math">
+                    <m:oMathParaPr>
+                      <m:jc m:val="centerGroup"/>
+                    </m:oMathParaPr>
+                    <m:oMath xmlns:m="http://schemas.openxmlformats.org/officeDocument/2006/math">
+                      <m:f>
+                        <m:fPr>
+                          <m:ctrlPr>
+                            <a:rPr lang="en-US" sz="2400" b="0" i="1" smtClean="0">
+                              <a:solidFill>
+                                <a:schemeClr val="accent1"/>
+                              </a:solidFill>
+                              <a:latin typeface="Cambria Math" panose="02040503050406030204" pitchFamily="18" charset="0"/>
+                            </a:rPr>
+                          </m:ctrlPr>
+                        </m:fPr>
+                        <m:num>
+                          <m:r>
+                            <a:rPr lang="en-CA" sz="2400" b="0" i="0" smtClean="0">
+                              <a:solidFill>
+                                <a:schemeClr val="accent1"/>
+                              </a:solidFill>
+                              <a:latin typeface="Cambria Math" panose="02040503050406030204" pitchFamily="18" charset="0"/>
+                            </a:rPr>
+                            <m:t>2</m:t>
+                          </m:r>
+                          <m:r>
+                            <m:rPr>
+                              <m:sty m:val="p"/>
+                            </m:rPr>
+                            <a:rPr lang="en-CA" sz="2400" b="0" i="0" smtClean="0">
+                              <a:solidFill>
+                                <a:schemeClr val="accent1"/>
+                              </a:solidFill>
+                              <a:latin typeface="Cambria Math" panose="02040503050406030204" pitchFamily="18" charset="0"/>
+                            </a:rPr>
+                            <m:t>r</m:t>
+                          </m:r>
+                        </m:num>
+                        <m:den>
+                          <m:r>
+                            <m:rPr>
+                              <m:sty m:val="p"/>
+                            </m:rPr>
+                            <a:rPr lang="el-GR" sz="2400" b="0" i="1" smtClean="0">
+                              <a:solidFill>
+                                <a:schemeClr val="accent1"/>
+                              </a:solidFill>
+                              <a:latin typeface="Cambria Math"/>
+                              <a:ea typeface="Cambria Math"/>
+                            </a:rPr>
+                            <m:t>π</m:t>
+                          </m:r>
+                        </m:den>
+                      </m:f>
+                    </m:oMath>
+                  </m:oMathPara>
+                </a14:m>
+                <a:endParaRPr lang="en-US" sz="2400" dirty="0">
+                  <a:solidFill>
+                    <a:schemeClr val="accent1"/>
+                  </a:solidFill>
+                </a:endParaRPr>
+              </a:p>
+            </p:txBody>
+          </p:sp>
+        </mc:Choice>
+        <mc:Fallback>
+          <p:sp>
+            <p:nvSpPr>
+              <p:cNvPr id="21" name="TextBox 20"/>
+              <p:cNvSpPr txBox="1">
+                <a:spLocks noRot="1" noChangeAspect="1" noMove="1" noResize="1" noEditPoints="1" noAdjustHandles="1" noChangeArrowheads="1" noChangeShapeType="1" noTextEdit="1"/>
+              </p:cNvSpPr>
+              <p:nvPr/>
+            </p:nvSpPr>
+            <p:spPr>
+              <a:xfrm>
+                <a:off x="1377364" y="3601157"/>
+                <a:ext cx="550151" cy="786177"/>
+              </a:xfrm>
+              <a:prstGeom prst="rect">
+                <a:avLst/>
+              </a:prstGeom>
+              <a:blipFill>
+                <a:blip r:embed="rId3"/>
+                <a:stretch>
+                  <a:fillRect b="-3175"/>
+                </a:stretch>
+              </a:blipFill>
+            </p:spPr>
+            <p:txBody>
+              <a:bodyPr/>
+              <a:lstStyle/>
+              <a:p>
+                <a:r>
+                  <a:rPr lang="en-US">
+                    <a:noFill/>
+                  </a:rPr>
+                  <a:t> </a:t>
+                </a:r>
+              </a:p>
+            </p:txBody>
+          </p:sp>
+        </mc:Fallback>
+      </mc:AlternateContent>
+      <p:cxnSp>
+        <p:nvCxnSpPr>
+          <p:cNvPr id="15" name="Straight Arrow Connector 14"/>
+          <p:cNvCxnSpPr/>
+          <p:nvPr/>
+        </p:nvCxnSpPr>
+        <p:spPr>
+          <a:xfrm flipV="1">
+            <a:off x="4281851" y="3424535"/>
+            <a:ext cx="2133131" cy="0"/>
+          </a:xfrm>
+          <a:prstGeom prst="straightConnector1">
+            <a:avLst/>
+          </a:prstGeom>
+          <a:ln w="28575">
+            <a:tailEnd type="arrow"/>
+          </a:ln>
+        </p:spPr>
+        <p:style>
+          <a:lnRef idx="3">
+            <a:schemeClr val="dk1"/>
+          </a:lnRef>
+          <a:fillRef idx="0">
+            <a:schemeClr val="dk1"/>
+          </a:fillRef>
+          <a:effectRef idx="2">
+            <a:schemeClr val="dk1"/>
+          </a:effectRef>
+          <a:fontRef idx="minor">
+            <a:schemeClr val="tx1"/>
+          </a:fontRef>
+        </p:style>
+      </p:cxnSp>
+      <p:sp>
+        <p:nvSpPr>
+          <p:cNvPr id="16" name="TextBox 15"/>
+          <p:cNvSpPr txBox="1"/>
+          <p:nvPr/>
+        </p:nvSpPr>
+        <p:spPr>
+          <a:xfrm>
+            <a:off x="6414982" y="3239869"/>
+            <a:ext cx="311304" cy="369332"/>
+          </a:xfrm>
+          <a:prstGeom prst="rect">
+            <a:avLst/>
+          </a:prstGeom>
+          <a:noFill/>
+          <a:ln w="28575">
+            <a:noFill/>
+          </a:ln>
+        </p:spPr>
+        <p:txBody>
+          <a:bodyPr wrap="none" rtlCol="0">
+            <a:spAutoFit/>
+          </a:bodyPr>
+          <a:lstStyle/>
+          <a:p>
+            <a:r>
+              <a:rPr lang="en-US" b="1" dirty="0"/>
+              <a:t>X</a:t>
+            </a:r>
+          </a:p>
+        </p:txBody>
+      </p:sp>
+      <p:sp>
+        <p:nvSpPr>
+          <p:cNvPr id="23" name="TextBox 22">
+            <a:extLst>
+              <a:ext uri="{FF2B5EF4-FFF2-40B4-BE49-F238E27FC236}">
+                <a16:creationId xmlns:a16="http://schemas.microsoft.com/office/drawing/2014/main" id="{34ADE92C-BDDA-4988-83AA-3A7E1694D66B}"/>
+              </a:ext>
+            </a:extLst>
+          </p:cNvPr>
+          <p:cNvSpPr txBox="1"/>
+          <p:nvPr/>
+        </p:nvSpPr>
+        <p:spPr>
+          <a:xfrm>
+            <a:off x="3816552" y="3548041"/>
+            <a:ext cx="308098" cy="369332"/>
+          </a:xfrm>
+          <a:prstGeom prst="rect">
+            <a:avLst/>
+          </a:prstGeom>
+          <a:noFill/>
+        </p:spPr>
+        <p:txBody>
+          <a:bodyPr wrap="none" rtlCol="0">
+            <a:spAutoFit/>
+          </a:bodyPr>
+          <a:lstStyle/>
+          <a:p>
+            <a:r>
+              <a:rPr lang="en-US" dirty="0"/>
+              <a:t>C</a:t>
+            </a:r>
+          </a:p>
+        </p:txBody>
+      </p:sp>
+    </p:spTree>
+    <p:extLst>
+      <p:ext uri="{BB962C8B-B14F-4D97-AF65-F5344CB8AC3E}">
+        <p14:creationId xmlns:p14="http://schemas.microsoft.com/office/powerpoint/2010/main" val="3243416246"/>
+      </p:ext>
+    </p:extLst>
+  </p:cSld>
+  <p:clrMapOvr>
+    <a:masterClrMapping/>
+  </p:clrMapOvr>
+</p:sld>
+</file>
+
+<file path=ppt/slides/slide13.xml><?xml version="1.0" encoding="utf-8"?>
+<p:sld xmlns:a="http://schemas.openxmlformats.org/drawingml/2006/main" xmlns:r="http://schemas.openxmlformats.org/officeDocument/2006/relationships" xmlns:p="http://schemas.openxmlformats.org/presentationml/2006/main">
+  <p:cSld>
+    <p:spTree>
+      <p:nvGrpSpPr>
+        <p:cNvPr id="1" name=""/>
+        <p:cNvGrpSpPr/>
+        <p:nvPr/>
+      </p:nvGrpSpPr>
+      <p:grpSpPr>
+        <a:xfrm>
+          <a:off x="0" y="0"/>
+          <a:ext cx="0" cy="0"/>
+          <a:chOff x="0" y="0"/>
+          <a:chExt cx="0" cy="0"/>
+        </a:xfrm>
+      </p:grpSpPr>
+      <p:sp>
+        <p:nvSpPr>
+          <p:cNvPr id="2" name="Pie 1"/>
+          <p:cNvSpPr/>
+          <p:nvPr/>
+        </p:nvSpPr>
+        <p:spPr>
+          <a:xfrm>
+            <a:off x="2365663" y="2729346"/>
+            <a:ext cx="3657600" cy="3657600"/>
+          </a:xfrm>
+          <a:prstGeom prst="pie">
+            <a:avLst>
+              <a:gd name="adj1" fmla="val 16200000"/>
+              <a:gd name="adj2" fmla="val 21599999"/>
+            </a:avLst>
+          </a:prstGeom>
+        </p:spPr>
+        <p:style>
+          <a:lnRef idx="1">
+            <a:schemeClr val="dk1"/>
+          </a:lnRef>
+          <a:fillRef idx="2">
+            <a:schemeClr val="dk1"/>
+          </a:fillRef>
+          <a:effectRef idx="1">
+            <a:schemeClr val="dk1"/>
+          </a:effectRef>
+          <a:fontRef idx="minor">
+            <a:schemeClr val="dk1"/>
+          </a:fontRef>
+        </p:style>
+        <p:txBody>
+          <a:bodyPr rtlCol="0" anchor="ctr"/>
+          <a:lstStyle/>
+          <a:p>
+            <a:pPr algn="ctr"/>
+            <a:endParaRPr lang="en-US">
+              <a:solidFill>
+                <a:schemeClr val="tx1"/>
+              </a:solidFill>
+            </a:endParaRPr>
+          </a:p>
+        </p:txBody>
+      </p:sp>
+      <p:sp>
+        <p:nvSpPr>
+          <p:cNvPr id="25" name="Pie 24">
+            <a:extLst>
+              <a:ext uri="{FF2B5EF4-FFF2-40B4-BE49-F238E27FC236}">
+                <a16:creationId xmlns:a16="http://schemas.microsoft.com/office/drawing/2014/main" id="{EA2B7CC0-A6CE-E043-9C2A-95B82A84854A}"/>
+              </a:ext>
+            </a:extLst>
+          </p:cNvPr>
+          <p:cNvSpPr>
+            <a:spLocks noChangeAspect="1"/>
+          </p:cNvSpPr>
+          <p:nvPr/>
+        </p:nvSpPr>
+        <p:spPr>
+          <a:xfrm>
+            <a:off x="2438400" y="2794146"/>
+            <a:ext cx="3528000" cy="3528000"/>
+          </a:xfrm>
+          <a:prstGeom prst="pie">
+            <a:avLst>
+              <a:gd name="adj1" fmla="val 16200000"/>
+              <a:gd name="adj2" fmla="val 21599999"/>
+            </a:avLst>
+          </a:prstGeom>
+          <a:solidFill>
+            <a:schemeClr val="bg1"/>
+          </a:solidFill>
+        </p:spPr>
+        <p:style>
+          <a:lnRef idx="1">
+            <a:schemeClr val="dk1"/>
+          </a:lnRef>
+          <a:fillRef idx="2">
+            <a:schemeClr val="dk1"/>
+          </a:fillRef>
+          <a:effectRef idx="1">
+            <a:schemeClr val="dk1"/>
+          </a:effectRef>
+          <a:fontRef idx="minor">
+            <a:schemeClr val="dk1"/>
+          </a:fontRef>
+        </p:style>
+        <p:txBody>
+          <a:bodyPr rtlCol="0" anchor="ctr"/>
+          <a:lstStyle/>
+          <a:p>
+            <a:pPr algn="ctr"/>
+            <a:endParaRPr lang="en-US">
+              <a:solidFill>
+                <a:schemeClr val="tx1"/>
+              </a:solidFill>
+            </a:endParaRPr>
+          </a:p>
+        </p:txBody>
+      </p:sp>
+      <p:cxnSp>
+        <p:nvCxnSpPr>
+          <p:cNvPr id="3" name="Straight Arrow Connector 2"/>
+          <p:cNvCxnSpPr/>
+          <p:nvPr/>
+        </p:nvCxnSpPr>
+        <p:spPr>
+          <a:xfrm flipV="1">
+            <a:off x="4184496" y="2049472"/>
+            <a:ext cx="0" cy="2514600"/>
+          </a:xfrm>
+          <a:prstGeom prst="straightConnector1">
+            <a:avLst/>
+          </a:prstGeom>
+          <a:ln>
+            <a:tailEnd type="arrow"/>
+          </a:ln>
+        </p:spPr>
+        <p:style>
+          <a:lnRef idx="3">
+            <a:schemeClr val="dk1"/>
+          </a:lnRef>
+          <a:fillRef idx="0">
+            <a:schemeClr val="dk1"/>
+          </a:fillRef>
+          <a:effectRef idx="2">
+            <a:schemeClr val="dk1"/>
+          </a:effectRef>
+          <a:fontRef idx="minor">
+            <a:schemeClr val="tx1"/>
+          </a:fontRef>
+        </p:style>
+      </p:cxnSp>
+      <p:cxnSp>
+        <p:nvCxnSpPr>
+          <p:cNvPr id="4" name="Straight Arrow Connector 3"/>
+          <p:cNvCxnSpPr/>
+          <p:nvPr/>
+        </p:nvCxnSpPr>
+        <p:spPr>
+          <a:xfrm>
+            <a:off x="4191423" y="4564072"/>
+            <a:ext cx="2888673" cy="0"/>
+          </a:xfrm>
+          <a:prstGeom prst="straightConnector1">
+            <a:avLst/>
+          </a:prstGeom>
+          <a:ln>
+            <a:tailEnd type="arrow"/>
+          </a:ln>
+        </p:spPr>
+        <p:style>
+          <a:lnRef idx="3">
+            <a:schemeClr val="dk1"/>
+          </a:lnRef>
+          <a:fillRef idx="0">
+            <a:schemeClr val="dk1"/>
+          </a:fillRef>
+          <a:effectRef idx="2">
+            <a:schemeClr val="dk1"/>
+          </a:effectRef>
+          <a:fontRef idx="minor">
+            <a:schemeClr val="tx1"/>
+          </a:fontRef>
+        </p:style>
+      </p:cxnSp>
+      <p:sp>
+        <p:nvSpPr>
+          <p:cNvPr id="5" name="TextBox 4"/>
+          <p:cNvSpPr txBox="1"/>
+          <p:nvPr/>
+        </p:nvSpPr>
+        <p:spPr>
+          <a:xfrm>
+            <a:off x="7080096" y="4387334"/>
+            <a:ext cx="365806" cy="369332"/>
+          </a:xfrm>
+          <a:prstGeom prst="rect">
+            <a:avLst/>
+          </a:prstGeom>
+          <a:noFill/>
+        </p:spPr>
+        <p:txBody>
+          <a:bodyPr wrap="none" rtlCol="0">
+            <a:spAutoFit/>
+          </a:bodyPr>
+          <a:lstStyle/>
+          <a:p>
+            <a:r>
+              <a:rPr lang="en-US" b="1" dirty="0"/>
+              <a:t>X’</a:t>
+            </a:r>
+          </a:p>
+        </p:txBody>
+      </p:sp>
+      <p:sp>
+        <p:nvSpPr>
+          <p:cNvPr id="6" name="TextBox 5"/>
+          <p:cNvSpPr txBox="1"/>
+          <p:nvPr/>
+        </p:nvSpPr>
+        <p:spPr>
+          <a:xfrm>
+            <a:off x="4038508" y="1600200"/>
+            <a:ext cx="366447" cy="369332"/>
+          </a:xfrm>
+          <a:prstGeom prst="rect">
+            <a:avLst/>
+          </a:prstGeom>
+          <a:noFill/>
+        </p:spPr>
+        <p:txBody>
+          <a:bodyPr wrap="none" rtlCol="0">
+            <a:spAutoFit/>
+          </a:bodyPr>
+          <a:lstStyle/>
+          <a:p>
+            <a:r>
+              <a:rPr lang="en-US" b="1" dirty="0"/>
+              <a:t>Y’</a:t>
+            </a:r>
+          </a:p>
+        </p:txBody>
+      </p:sp>
+      <p:sp>
+        <p:nvSpPr>
+          <p:cNvPr id="7" name="Oval 6"/>
+          <p:cNvSpPr/>
+          <p:nvPr/>
+        </p:nvSpPr>
+        <p:spPr>
+          <a:xfrm>
+            <a:off x="5144546" y="3469324"/>
+            <a:ext cx="182880" cy="182880"/>
+          </a:xfrm>
+          <a:prstGeom prst="ellipse">
+            <a:avLst/>
+          </a:prstGeom>
+        </p:spPr>
+        <p:style>
+          <a:lnRef idx="2">
+            <a:schemeClr val="dk1">
+              <a:shade val="50000"/>
+            </a:schemeClr>
+          </a:lnRef>
+          <a:fillRef idx="1">
+            <a:schemeClr val="dk1"/>
+          </a:fillRef>
+          <a:effectRef idx="0">
+            <a:schemeClr val="dk1"/>
+          </a:effectRef>
+          <a:fontRef idx="minor">
+            <a:schemeClr val="lt1"/>
+          </a:fontRef>
+        </p:style>
+        <p:txBody>
+          <a:bodyPr rtlCol="0" anchor="ctr"/>
+          <a:lstStyle/>
+          <a:p>
+            <a:pPr algn="ctr"/>
+            <a:endParaRPr lang="en-US"/>
+          </a:p>
+        </p:txBody>
+      </p:sp>
+      <p:cxnSp>
+        <p:nvCxnSpPr>
+          <p:cNvPr id="28" name="Straight Arrow Connector 27"/>
+          <p:cNvCxnSpPr/>
+          <p:nvPr/>
+        </p:nvCxnSpPr>
+        <p:spPr>
+          <a:xfrm flipV="1">
+            <a:off x="4232564" y="3275599"/>
+            <a:ext cx="1285009" cy="1254838"/>
+          </a:xfrm>
+          <a:prstGeom prst="straightConnector1">
+            <a:avLst/>
+          </a:prstGeom>
+          <a:ln>
+            <a:tailEnd type="arrow"/>
+          </a:ln>
+        </p:spPr>
+        <p:style>
+          <a:lnRef idx="1">
+            <a:schemeClr val="accent1"/>
+          </a:lnRef>
+          <a:fillRef idx="0">
+            <a:schemeClr val="accent1"/>
+          </a:fillRef>
+          <a:effectRef idx="0">
+            <a:schemeClr val="accent1"/>
+          </a:effectRef>
+          <a:fontRef idx="minor">
+            <a:schemeClr val="tx1"/>
+          </a:fontRef>
+        </p:style>
+      </p:cxnSp>
+      <mc:AlternateContent xmlns:mc="http://schemas.openxmlformats.org/markup-compatibility/2006">
+        <mc:Choice xmlns:a14="http://schemas.microsoft.com/office/drawing/2010/main" Requires="a14">
+          <p:sp>
+            <p:nvSpPr>
+              <p:cNvPr id="31" name="TextBox 30"/>
+              <p:cNvSpPr txBox="1"/>
+              <p:nvPr/>
+            </p:nvSpPr>
+            <p:spPr>
+              <a:xfrm>
+                <a:off x="4573960" y="3598723"/>
+                <a:ext cx="380232" cy="461665"/>
+              </a:xfrm>
+              <a:prstGeom prst="rect">
+                <a:avLst/>
+              </a:prstGeom>
+              <a:noFill/>
+            </p:spPr>
+            <p:txBody>
+              <a:bodyPr wrap="none" rtlCol="0">
+                <a:spAutoFit/>
+              </a:bodyPr>
+              <a:lstStyle/>
+              <a:p>
+                <a:pPr/>
+                <a14:m>
+                  <m:oMathPara xmlns:m="http://schemas.openxmlformats.org/officeDocument/2006/math">
+                    <m:oMathParaPr>
+                      <m:jc m:val="centerGroup"/>
+                    </m:oMathParaPr>
+                    <m:oMath xmlns:m="http://schemas.openxmlformats.org/officeDocument/2006/math">
+                      <m:r>
+                        <m:rPr>
+                          <m:sty m:val="p"/>
+                        </m:rPr>
+                        <a:rPr lang="en-US" sz="2400" b="0" i="0" smtClean="0">
+                          <a:solidFill>
+                            <a:schemeClr val="accent1"/>
+                          </a:solidFill>
+                          <a:latin typeface="Cambria Math"/>
+                        </a:rPr>
+                        <m:t>r</m:t>
+                      </m:r>
+                    </m:oMath>
+                  </m:oMathPara>
+                </a14:m>
+                <a:endParaRPr lang="en-US" sz="2400" dirty="0">
+                  <a:solidFill>
+                    <a:schemeClr val="accent1"/>
+                  </a:solidFill>
+                </a:endParaRPr>
+              </a:p>
+            </p:txBody>
+          </p:sp>
+        </mc:Choice>
+        <mc:Fallback>
+          <p:sp>
+            <p:nvSpPr>
+              <p:cNvPr id="31" name="TextBox 30"/>
+              <p:cNvSpPr txBox="1">
+                <a:spLocks noRot="1" noChangeAspect="1" noMove="1" noResize="1" noEditPoints="1" noAdjustHandles="1" noChangeArrowheads="1" noChangeShapeType="1" noTextEdit="1"/>
+              </p:cNvSpPr>
+              <p:nvPr/>
+            </p:nvSpPr>
+            <p:spPr>
+              <a:xfrm>
+                <a:off x="4573960" y="3598723"/>
+                <a:ext cx="380232" cy="461665"/>
+              </a:xfrm>
+              <a:prstGeom prst="rect">
+                <a:avLst/>
+              </a:prstGeom>
+              <a:blipFill>
+                <a:blip r:embed="rId2"/>
+                <a:stretch>
+                  <a:fillRect/>
+                </a:stretch>
+              </a:blipFill>
+            </p:spPr>
+            <p:txBody>
+              <a:bodyPr/>
+              <a:lstStyle/>
+              <a:p>
+                <a:r>
+                  <a:rPr lang="en-US">
+                    <a:noFill/>
+                  </a:rPr>
+                  <a:t> </a:t>
+                </a:r>
+              </a:p>
+            </p:txBody>
+          </p:sp>
+        </mc:Fallback>
+      </mc:AlternateContent>
+      <p:cxnSp>
+        <p:nvCxnSpPr>
+          <p:cNvPr id="18" name="Straight Connector 17"/>
+          <p:cNvCxnSpPr/>
+          <p:nvPr/>
+        </p:nvCxnSpPr>
+        <p:spPr>
+          <a:xfrm flipH="1">
+            <a:off x="3536372" y="4571997"/>
+            <a:ext cx="502228" cy="3"/>
+          </a:xfrm>
+          <a:prstGeom prst="line">
+            <a:avLst/>
+          </a:prstGeom>
+        </p:spPr>
+        <p:style>
+          <a:lnRef idx="1">
+            <a:schemeClr val="accent1"/>
+          </a:lnRef>
+          <a:fillRef idx="0">
+            <a:schemeClr val="accent1"/>
+          </a:fillRef>
+          <a:effectRef idx="0">
+            <a:schemeClr val="accent1"/>
+          </a:effectRef>
+          <a:fontRef idx="minor">
+            <a:schemeClr val="tx1"/>
+          </a:fontRef>
+        </p:style>
+      </p:cxnSp>
+      <p:cxnSp>
+        <p:nvCxnSpPr>
+          <p:cNvPr id="19" name="Straight Connector 18"/>
+          <p:cNvCxnSpPr>
+            <a:cxnSpLocks/>
+          </p:cNvCxnSpPr>
+          <p:nvPr/>
+        </p:nvCxnSpPr>
+        <p:spPr>
+          <a:xfrm flipH="1">
+            <a:off x="3577934" y="3555755"/>
+            <a:ext cx="1461217" cy="0"/>
+          </a:xfrm>
+          <a:prstGeom prst="line">
+            <a:avLst/>
+          </a:prstGeom>
+        </p:spPr>
+        <p:style>
+          <a:lnRef idx="1">
+            <a:schemeClr val="accent1"/>
+          </a:lnRef>
+          <a:fillRef idx="0">
+            <a:schemeClr val="accent1"/>
+          </a:fillRef>
+          <a:effectRef idx="0">
+            <a:schemeClr val="accent1"/>
+          </a:effectRef>
+          <a:fontRef idx="minor">
+            <a:schemeClr val="tx1"/>
+          </a:fontRef>
+        </p:style>
+      </p:cxnSp>
+      <p:cxnSp>
+        <p:nvCxnSpPr>
+          <p:cNvPr id="20" name="Straight Connector 19"/>
+          <p:cNvCxnSpPr>
+            <a:cxnSpLocks/>
+          </p:cNvCxnSpPr>
+          <p:nvPr/>
+        </p:nvCxnSpPr>
+        <p:spPr>
+          <a:xfrm flipV="1">
+            <a:off x="3813463" y="3562718"/>
+            <a:ext cx="0" cy="1009283"/>
+          </a:xfrm>
+          <a:prstGeom prst="line">
+            <a:avLst/>
+          </a:prstGeom>
+          <a:ln>
+            <a:headEnd type="stealth"/>
+            <a:tailEnd type="stealth"/>
+          </a:ln>
+        </p:spPr>
+        <p:style>
+          <a:lnRef idx="1">
+            <a:schemeClr val="accent1"/>
+          </a:lnRef>
+          <a:fillRef idx="0">
+            <a:schemeClr val="accent1"/>
+          </a:fillRef>
+          <a:effectRef idx="0">
+            <a:schemeClr val="accent1"/>
+          </a:effectRef>
+          <a:fontRef idx="minor">
+            <a:schemeClr val="tx1"/>
+          </a:fontRef>
+        </p:style>
+      </p:cxnSp>
+      <p:grpSp>
+        <p:nvGrpSpPr>
+          <p:cNvPr id="9" name="Group 8"/>
+          <p:cNvGrpSpPr/>
+          <p:nvPr/>
+        </p:nvGrpSpPr>
+        <p:grpSpPr>
+          <a:xfrm rot="16200000" flipV="1">
+            <a:off x="4031652" y="3943861"/>
+            <a:ext cx="1407475" cy="1026437"/>
+            <a:chOff x="3688772" y="4145973"/>
+            <a:chExt cx="1407475" cy="578428"/>
+          </a:xfrm>
+        </p:grpSpPr>
+        <p:cxnSp>
+          <p:nvCxnSpPr>
+            <p:cNvPr id="16" name="Straight Connector 15"/>
+            <p:cNvCxnSpPr/>
+            <p:nvPr/>
+          </p:nvCxnSpPr>
+          <p:spPr>
+            <a:xfrm flipH="1">
+              <a:off x="3688772" y="4724397"/>
+              <a:ext cx="502228" cy="3"/>
+            </a:xfrm>
+            <a:prstGeom prst="line">
+              <a:avLst/>
+            </a:prstGeom>
+          </p:spPr>
+          <p:style>
+            <a:lnRef idx="1">
+              <a:schemeClr val="accent1"/>
+            </a:lnRef>
+            <a:fillRef idx="0">
+              <a:schemeClr val="accent1"/>
+            </a:fillRef>
+            <a:effectRef idx="0">
+              <a:schemeClr val="accent1"/>
+            </a:effectRef>
+            <a:fontRef idx="minor">
+              <a:schemeClr val="tx1"/>
+            </a:fontRef>
+          </p:style>
+        </p:cxnSp>
+        <p:cxnSp>
+          <p:nvCxnSpPr>
+            <p:cNvPr id="17" name="Straight Connector 16"/>
+            <p:cNvCxnSpPr>
+              <a:cxnSpLocks/>
+            </p:cNvCxnSpPr>
+            <p:nvPr/>
+          </p:nvCxnSpPr>
+          <p:spPr>
+            <a:xfrm rot="16200000" flipV="1">
+              <a:off x="4405591" y="3470717"/>
+              <a:ext cx="15400" cy="1365912"/>
+            </a:xfrm>
+            <a:prstGeom prst="line">
+              <a:avLst/>
+            </a:prstGeom>
+          </p:spPr>
+          <p:style>
+            <a:lnRef idx="1">
+              <a:schemeClr val="accent1"/>
+            </a:lnRef>
+            <a:fillRef idx="0">
+              <a:schemeClr val="accent1"/>
+            </a:fillRef>
+            <a:effectRef idx="0">
+              <a:schemeClr val="accent1"/>
+            </a:effectRef>
+            <a:fontRef idx="minor">
+              <a:schemeClr val="tx1"/>
+            </a:fontRef>
+          </p:style>
+        </p:cxnSp>
+        <p:cxnSp>
+          <p:nvCxnSpPr>
+            <p:cNvPr id="23" name="Straight Connector 22"/>
+            <p:cNvCxnSpPr/>
+            <p:nvPr/>
+          </p:nvCxnSpPr>
+          <p:spPr>
+            <a:xfrm flipV="1">
+              <a:off x="3965863" y="4145973"/>
+              <a:ext cx="0" cy="578428"/>
+            </a:xfrm>
+            <a:prstGeom prst="line">
+              <a:avLst/>
+            </a:prstGeom>
+            <a:ln>
+              <a:headEnd type="stealth"/>
+              <a:tailEnd type="stealth"/>
+            </a:ln>
+          </p:spPr>
+          <p:style>
+            <a:lnRef idx="1">
+              <a:schemeClr val="accent1"/>
+            </a:lnRef>
+            <a:fillRef idx="0">
+              <a:schemeClr val="accent1"/>
+            </a:fillRef>
+            <a:effectRef idx="0">
+              <a:schemeClr val="accent1"/>
+            </a:effectRef>
+            <a:fontRef idx="minor">
+              <a:schemeClr val="tx1"/>
+            </a:fontRef>
+          </p:style>
+        </p:cxnSp>
+      </p:grpSp>
+      <mc:AlternateContent xmlns:mc="http://schemas.openxmlformats.org/markup-compatibility/2006">
+        <mc:Choice xmlns:a14="http://schemas.microsoft.com/office/drawing/2010/main" Requires="a14">
+          <p:sp>
+            <p:nvSpPr>
+              <p:cNvPr id="24" name="TextBox 23"/>
+              <p:cNvSpPr txBox="1"/>
+              <p:nvPr/>
+            </p:nvSpPr>
+            <p:spPr>
+              <a:xfrm>
+                <a:off x="4489000" y="4909702"/>
+                <a:ext cx="550151" cy="786177"/>
+              </a:xfrm>
+              <a:prstGeom prst="rect">
+                <a:avLst/>
+              </a:prstGeom>
+              <a:solidFill>
+                <a:schemeClr val="bg1"/>
+              </a:solidFill>
+            </p:spPr>
+            <p:txBody>
+              <a:bodyPr wrap="none" rtlCol="0">
+                <a:spAutoFit/>
+              </a:bodyPr>
+              <a:lstStyle/>
+              <a:p>
+                <a:pPr/>
+                <a14:m>
+                  <m:oMathPara xmlns:m="http://schemas.openxmlformats.org/officeDocument/2006/math">
+                    <m:oMathParaPr>
+                      <m:jc m:val="centerGroup"/>
+                    </m:oMathParaPr>
+                    <m:oMath xmlns:m="http://schemas.openxmlformats.org/officeDocument/2006/math">
+                      <m:f>
+                        <m:fPr>
+                          <m:ctrlPr>
+                            <a:rPr lang="en-US" sz="2400" b="0" i="1" smtClean="0">
+                              <a:solidFill>
+                                <a:schemeClr val="accent1"/>
+                              </a:solidFill>
+                              <a:latin typeface="Cambria Math" panose="02040503050406030204" pitchFamily="18" charset="0"/>
+                            </a:rPr>
+                          </m:ctrlPr>
+                        </m:fPr>
+                        <m:num>
+                          <m:r>
+                            <a:rPr lang="en-CA" sz="2400" b="0" i="0" smtClean="0">
+                              <a:solidFill>
+                                <a:schemeClr val="accent1"/>
+                              </a:solidFill>
+                              <a:latin typeface="Cambria Math" panose="02040503050406030204" pitchFamily="18" charset="0"/>
+                            </a:rPr>
+                            <m:t>2</m:t>
+                          </m:r>
+                          <m:r>
+                            <m:rPr>
+                              <m:sty m:val="p"/>
+                            </m:rPr>
+                            <a:rPr lang="en-CA" sz="2400" b="0" i="0" smtClean="0">
+                              <a:solidFill>
+                                <a:schemeClr val="accent1"/>
+                              </a:solidFill>
+                              <a:latin typeface="Cambria Math" panose="02040503050406030204" pitchFamily="18" charset="0"/>
+                            </a:rPr>
+                            <m:t>r</m:t>
+                          </m:r>
+                        </m:num>
+                        <m:den>
+                          <m:r>
+                            <m:rPr>
+                              <m:sty m:val="p"/>
+                            </m:rPr>
+                            <a:rPr lang="el-GR" sz="2400" b="0" i="1" smtClean="0">
+                              <a:solidFill>
+                                <a:schemeClr val="accent1"/>
+                              </a:solidFill>
+                              <a:latin typeface="Cambria Math"/>
+                              <a:ea typeface="Cambria Math"/>
+                            </a:rPr>
+                            <m:t>π</m:t>
+                          </m:r>
+                        </m:den>
+                      </m:f>
+                    </m:oMath>
+                  </m:oMathPara>
+                </a14:m>
+                <a:endParaRPr lang="en-US" sz="2400" dirty="0">
+                  <a:solidFill>
+                    <a:schemeClr val="accent1"/>
+                  </a:solidFill>
+                </a:endParaRPr>
+              </a:p>
+            </p:txBody>
+          </p:sp>
+        </mc:Choice>
+        <mc:Fallback>
+          <p:sp>
+            <p:nvSpPr>
+              <p:cNvPr id="24" name="TextBox 23"/>
+              <p:cNvSpPr txBox="1">
+                <a:spLocks noRot="1" noChangeAspect="1" noMove="1" noResize="1" noEditPoints="1" noAdjustHandles="1" noChangeArrowheads="1" noChangeShapeType="1" noTextEdit="1"/>
+              </p:cNvSpPr>
+              <p:nvPr/>
+            </p:nvSpPr>
+            <p:spPr>
+              <a:xfrm>
+                <a:off x="4489000" y="4909702"/>
+                <a:ext cx="550151" cy="786177"/>
+              </a:xfrm>
+              <a:prstGeom prst="rect">
+                <a:avLst/>
+              </a:prstGeom>
+              <a:blipFill>
+                <a:blip r:embed="rId3"/>
+                <a:stretch>
+                  <a:fillRect b="-1587"/>
+                </a:stretch>
+              </a:blipFill>
+            </p:spPr>
+            <p:txBody>
+              <a:bodyPr/>
+              <a:lstStyle/>
+              <a:p>
+                <a:r>
+                  <a:rPr lang="en-US">
+                    <a:noFill/>
+                  </a:rPr>
+                  <a:t> </a:t>
+                </a:r>
+              </a:p>
+            </p:txBody>
+          </p:sp>
+        </mc:Fallback>
+      </mc:AlternateContent>
+      <p:cxnSp>
+        <p:nvCxnSpPr>
+          <p:cNvPr id="27" name="Straight Arrow Connector 26"/>
+          <p:cNvCxnSpPr/>
+          <p:nvPr/>
+        </p:nvCxnSpPr>
+        <p:spPr>
+          <a:xfrm flipV="1">
+            <a:off x="5224768" y="3562718"/>
+            <a:ext cx="1387667" cy="2370"/>
+          </a:xfrm>
+          <a:prstGeom prst="straightConnector1">
+            <a:avLst/>
+          </a:prstGeom>
+          <a:ln w="28575">
+            <a:tailEnd type="arrow"/>
+          </a:ln>
+        </p:spPr>
+        <p:style>
+          <a:lnRef idx="3">
+            <a:schemeClr val="dk1"/>
+          </a:lnRef>
+          <a:fillRef idx="0">
+            <a:schemeClr val="dk1"/>
+          </a:fillRef>
+          <a:effectRef idx="2">
+            <a:schemeClr val="dk1"/>
+          </a:effectRef>
+          <a:fontRef idx="minor">
+            <a:schemeClr val="tx1"/>
+          </a:fontRef>
+        </p:style>
+      </p:cxnSp>
+      <p:sp>
+        <p:nvSpPr>
+          <p:cNvPr id="29" name="TextBox 28"/>
+          <p:cNvSpPr txBox="1"/>
+          <p:nvPr/>
+        </p:nvSpPr>
+        <p:spPr>
+          <a:xfrm>
+            <a:off x="6703829" y="3384010"/>
+            <a:ext cx="311304" cy="369332"/>
+          </a:xfrm>
+          <a:prstGeom prst="rect">
+            <a:avLst/>
+          </a:prstGeom>
+          <a:noFill/>
+          <a:ln w="28575">
+            <a:noFill/>
+          </a:ln>
+        </p:spPr>
+        <p:txBody>
+          <a:bodyPr wrap="none" rtlCol="0">
+            <a:spAutoFit/>
+          </a:bodyPr>
+          <a:lstStyle/>
+          <a:p>
+            <a:r>
+              <a:rPr lang="en-US" b="1" dirty="0"/>
+              <a:t>X</a:t>
+            </a:r>
+          </a:p>
+        </p:txBody>
+      </p:sp>
+      <p:cxnSp>
+        <p:nvCxnSpPr>
+          <p:cNvPr id="30" name="Straight Arrow Connector 29"/>
+          <p:cNvCxnSpPr/>
+          <p:nvPr/>
+        </p:nvCxnSpPr>
+        <p:spPr>
+          <a:xfrm flipV="1">
+            <a:off x="5223429" y="2162256"/>
+            <a:ext cx="0" cy="1400462"/>
+          </a:xfrm>
+          <a:prstGeom prst="straightConnector1">
+            <a:avLst/>
+          </a:prstGeom>
+          <a:ln w="28575">
+            <a:tailEnd type="arrow"/>
+          </a:ln>
+        </p:spPr>
+        <p:style>
+          <a:lnRef idx="3">
+            <a:schemeClr val="dk1"/>
+          </a:lnRef>
+          <a:fillRef idx="0">
+            <a:schemeClr val="dk1"/>
+          </a:fillRef>
+          <a:effectRef idx="2">
+            <a:schemeClr val="dk1"/>
+          </a:effectRef>
+          <a:fontRef idx="minor">
+            <a:schemeClr val="tx1"/>
+          </a:fontRef>
+        </p:style>
+      </p:cxnSp>
+      <p:sp>
+        <p:nvSpPr>
+          <p:cNvPr id="32" name="TextBox 31"/>
+          <p:cNvSpPr txBox="1"/>
+          <p:nvPr/>
+        </p:nvSpPr>
+        <p:spPr>
+          <a:xfrm>
+            <a:off x="4943719" y="1907997"/>
+            <a:ext cx="304892" cy="369332"/>
+          </a:xfrm>
+          <a:prstGeom prst="rect">
+            <a:avLst/>
+          </a:prstGeom>
+          <a:noFill/>
+          <a:ln w="28575">
+            <a:noFill/>
+          </a:ln>
+        </p:spPr>
+        <p:txBody>
+          <a:bodyPr wrap="none" rtlCol="0">
+            <a:spAutoFit/>
+          </a:bodyPr>
+          <a:lstStyle/>
+          <a:p>
+            <a:r>
+              <a:rPr lang="en-US" b="1" dirty="0"/>
+              <a:t>Y</a:t>
+            </a:r>
+          </a:p>
+        </p:txBody>
+      </p:sp>
+      <p:sp>
+        <p:nvSpPr>
+          <p:cNvPr id="26" name="TextBox 25">
+            <a:extLst>
+              <a:ext uri="{FF2B5EF4-FFF2-40B4-BE49-F238E27FC236}">
+                <a16:creationId xmlns:a16="http://schemas.microsoft.com/office/drawing/2014/main" id="{3F9A2EDF-43F0-4A58-AE98-F00A345BDD35}"/>
+              </a:ext>
+            </a:extLst>
+          </p:cNvPr>
+          <p:cNvSpPr txBox="1"/>
+          <p:nvPr/>
+        </p:nvSpPr>
+        <p:spPr>
+          <a:xfrm>
+            <a:off x="4913183" y="3085601"/>
+            <a:ext cx="308098" cy="369332"/>
+          </a:xfrm>
+          <a:prstGeom prst="rect">
+            <a:avLst/>
+          </a:prstGeom>
+          <a:noFill/>
+        </p:spPr>
+        <p:txBody>
+          <a:bodyPr wrap="none" rtlCol="0">
+            <a:spAutoFit/>
+          </a:bodyPr>
+          <a:lstStyle/>
+          <a:p>
+            <a:r>
+              <a:rPr lang="en-US" dirty="0"/>
+              <a:t>C</a:t>
+            </a:r>
+          </a:p>
+        </p:txBody>
+      </p:sp>
+      <mc:AlternateContent xmlns:mc="http://schemas.openxmlformats.org/markup-compatibility/2006">
+        <mc:Choice xmlns:a14="http://schemas.microsoft.com/office/drawing/2010/main" Requires="a14">
+          <p:sp>
+            <p:nvSpPr>
+              <p:cNvPr id="33" name="TextBox 32">
+                <a:extLst>
+                  <a:ext uri="{FF2B5EF4-FFF2-40B4-BE49-F238E27FC236}">
+                    <a16:creationId xmlns:a16="http://schemas.microsoft.com/office/drawing/2014/main" id="{73400DE7-4B5F-AC44-B690-1654977856A2}"/>
+                  </a:ext>
+                </a:extLst>
+              </p:cNvPr>
+              <p:cNvSpPr txBox="1"/>
+              <p:nvPr/>
+            </p:nvSpPr>
+            <p:spPr>
+              <a:xfrm>
+                <a:off x="3089560" y="3744260"/>
+                <a:ext cx="550151" cy="786177"/>
+              </a:xfrm>
+              <a:prstGeom prst="rect">
+                <a:avLst/>
+              </a:prstGeom>
+              <a:solidFill>
+                <a:schemeClr val="bg1"/>
+              </a:solidFill>
+            </p:spPr>
+            <p:txBody>
+              <a:bodyPr wrap="none" rtlCol="0">
+                <a:spAutoFit/>
+              </a:bodyPr>
+              <a:lstStyle/>
+              <a:p>
+                <a:pPr/>
+                <a14:m>
+                  <m:oMathPara xmlns:m="http://schemas.openxmlformats.org/officeDocument/2006/math">
+                    <m:oMathParaPr>
+                      <m:jc m:val="centerGroup"/>
+                    </m:oMathParaPr>
+                    <m:oMath xmlns:m="http://schemas.openxmlformats.org/officeDocument/2006/math">
+                      <m:f>
+                        <m:fPr>
+                          <m:ctrlPr>
+                            <a:rPr lang="en-US" sz="2400" b="0" i="1" smtClean="0">
+                              <a:solidFill>
+                                <a:schemeClr val="accent1"/>
+                              </a:solidFill>
+                              <a:latin typeface="Cambria Math" panose="02040503050406030204" pitchFamily="18" charset="0"/>
+                            </a:rPr>
+                          </m:ctrlPr>
+                        </m:fPr>
+                        <m:num>
+                          <m:r>
+                            <a:rPr lang="en-CA" sz="2400" b="0" i="0" smtClean="0">
+                              <a:solidFill>
+                                <a:schemeClr val="accent1"/>
+                              </a:solidFill>
+                              <a:latin typeface="Cambria Math" panose="02040503050406030204" pitchFamily="18" charset="0"/>
+                            </a:rPr>
+                            <m:t>2</m:t>
+                          </m:r>
+                          <m:r>
+                            <m:rPr>
+                              <m:sty m:val="p"/>
+                            </m:rPr>
+                            <a:rPr lang="en-CA" sz="2400" b="0" i="0" smtClean="0">
+                              <a:solidFill>
+                                <a:schemeClr val="accent1"/>
+                              </a:solidFill>
+                              <a:latin typeface="Cambria Math" panose="02040503050406030204" pitchFamily="18" charset="0"/>
+                            </a:rPr>
+                            <m:t>r</m:t>
+                          </m:r>
+                        </m:num>
+                        <m:den>
+                          <m:r>
+                            <m:rPr>
+                              <m:sty m:val="p"/>
+                            </m:rPr>
+                            <a:rPr lang="el-GR" sz="2400" b="0" i="1" smtClean="0">
+                              <a:solidFill>
+                                <a:schemeClr val="accent1"/>
+                              </a:solidFill>
+                              <a:latin typeface="Cambria Math"/>
+                              <a:ea typeface="Cambria Math"/>
+                            </a:rPr>
+                            <m:t>π</m:t>
+                          </m:r>
+                        </m:den>
+                      </m:f>
+                    </m:oMath>
+                  </m:oMathPara>
+                </a14:m>
+                <a:endParaRPr lang="en-US" sz="2400" dirty="0">
+                  <a:solidFill>
+                    <a:schemeClr val="accent1"/>
+                  </a:solidFill>
+                </a:endParaRPr>
+              </a:p>
+            </p:txBody>
+          </p:sp>
+        </mc:Choice>
+        <mc:Fallback>
+          <p:sp>
+            <p:nvSpPr>
+              <p:cNvPr id="33" name="TextBox 32">
+                <a:extLst>
+                  <a:ext uri="{FF2B5EF4-FFF2-40B4-BE49-F238E27FC236}">
+                    <a16:creationId xmlns:a16="http://schemas.microsoft.com/office/drawing/2014/main" id="{73400DE7-4B5F-AC44-B690-1654977856A2}"/>
+                  </a:ext>
+                </a:extLst>
+              </p:cNvPr>
+              <p:cNvSpPr txBox="1">
+                <a:spLocks noRot="1" noChangeAspect="1" noMove="1" noResize="1" noEditPoints="1" noAdjustHandles="1" noChangeArrowheads="1" noChangeShapeType="1" noTextEdit="1"/>
+              </p:cNvSpPr>
+              <p:nvPr/>
+            </p:nvSpPr>
+            <p:spPr>
+              <a:xfrm>
+                <a:off x="3089560" y="3744260"/>
+                <a:ext cx="550151" cy="786177"/>
+              </a:xfrm>
+              <a:prstGeom prst="rect">
+                <a:avLst/>
+              </a:prstGeom>
+              <a:blipFill>
+                <a:blip r:embed="rId4"/>
+                <a:stretch>
+                  <a:fillRect b="-3175"/>
+                </a:stretch>
+              </a:blipFill>
+            </p:spPr>
+            <p:txBody>
+              <a:bodyPr/>
+              <a:lstStyle/>
+              <a:p>
+                <a:r>
+                  <a:rPr lang="en-US">
+                    <a:noFill/>
+                  </a:rPr>
+                  <a:t> </a:t>
+                </a:r>
+              </a:p>
+            </p:txBody>
+          </p:sp>
+        </mc:Fallback>
+      </mc:AlternateContent>
+    </p:spTree>
+    <p:extLst>
+      <p:ext uri="{BB962C8B-B14F-4D97-AF65-F5344CB8AC3E}">
+        <p14:creationId xmlns:p14="http://schemas.microsoft.com/office/powerpoint/2010/main" val="1397455045"/>
+      </p:ext>
+    </p:extLst>
+  </p:cSld>
+  <p:clrMapOvr>
+    <a:masterClrMapping/>
+  </p:clrMapOvr>
+</p:sld>
+</file>
+
+<file path=ppt/slides/slide14.xml><?xml version="1.0" encoding="utf-8"?>
+<p:sld xmlns:a="http://schemas.openxmlformats.org/drawingml/2006/main" xmlns:r="http://schemas.openxmlformats.org/officeDocument/2006/relationships" xmlns:p="http://schemas.openxmlformats.org/presentationml/2006/main">
+  <p:cSld>
+    <p:spTree>
+      <p:nvGrpSpPr>
+        <p:cNvPr id="1" name=""/>
+        <p:cNvGrpSpPr/>
+        <p:nvPr/>
+      </p:nvGrpSpPr>
+      <p:grpSpPr>
+        <a:xfrm>
+          <a:off x="0" y="0"/>
+          <a:ext cx="0" cy="0"/>
+          <a:chOff x="0" y="0"/>
+          <a:chExt cx="0" cy="0"/>
+        </a:xfrm>
+      </p:grpSpPr>
+      <p:sp>
+        <p:nvSpPr>
+          <p:cNvPr id="2" name="Pie 1"/>
+          <p:cNvSpPr/>
+          <p:nvPr/>
+        </p:nvSpPr>
+        <p:spPr>
+          <a:xfrm>
+            <a:off x="1676400" y="1752600"/>
+            <a:ext cx="3657600" cy="3657600"/>
+          </a:xfrm>
+          <a:prstGeom prst="pie">
+            <a:avLst>
+              <a:gd name="adj1" fmla="val 18481656"/>
+              <a:gd name="adj2" fmla="val 3130161"/>
+            </a:avLst>
+          </a:prstGeom>
+        </p:spPr>
+        <p:style>
+          <a:lnRef idx="1">
+            <a:schemeClr val="dk1"/>
+          </a:lnRef>
+          <a:fillRef idx="2">
+            <a:schemeClr val="dk1"/>
+          </a:fillRef>
+          <a:effectRef idx="1">
+            <a:schemeClr val="dk1"/>
+          </a:effectRef>
+          <a:fontRef idx="minor">
+            <a:schemeClr val="dk1"/>
+          </a:fontRef>
+        </p:style>
+        <p:txBody>
+          <a:bodyPr rtlCol="0" anchor="ctr"/>
+          <a:lstStyle/>
+          <a:p>
+            <a:pPr algn="ctr"/>
+            <a:endParaRPr lang="en-US">
+              <a:solidFill>
+                <a:schemeClr val="tx1"/>
+              </a:solidFill>
+            </a:endParaRPr>
+          </a:p>
+        </p:txBody>
+      </p:sp>
+      <p:sp>
+        <p:nvSpPr>
+          <p:cNvPr id="21" name="Pie 20">
+            <a:extLst>
+              <a:ext uri="{FF2B5EF4-FFF2-40B4-BE49-F238E27FC236}">
+                <a16:creationId xmlns:a16="http://schemas.microsoft.com/office/drawing/2014/main" id="{6C2A1AC2-852D-6F47-960B-C27C83B2CC57}"/>
+              </a:ext>
+            </a:extLst>
+          </p:cNvPr>
+          <p:cNvSpPr>
+            <a:spLocks noChangeAspect="1"/>
+          </p:cNvSpPr>
+          <p:nvPr/>
+        </p:nvSpPr>
+        <p:spPr>
+          <a:xfrm>
+            <a:off x="1738160" y="1823326"/>
+            <a:ext cx="3528000" cy="3528000"/>
+          </a:xfrm>
+          <a:prstGeom prst="pie">
+            <a:avLst>
+              <a:gd name="adj1" fmla="val 18481656"/>
+              <a:gd name="adj2" fmla="val 3130161"/>
+            </a:avLst>
+          </a:prstGeom>
+          <a:solidFill>
+            <a:schemeClr val="bg1"/>
+          </a:solidFill>
+        </p:spPr>
+        <p:style>
+          <a:lnRef idx="1">
+            <a:schemeClr val="dk1"/>
+          </a:lnRef>
+          <a:fillRef idx="2">
+            <a:schemeClr val="dk1"/>
+          </a:fillRef>
+          <a:effectRef idx="1">
+            <a:schemeClr val="dk1"/>
+          </a:effectRef>
+          <a:fontRef idx="minor">
+            <a:schemeClr val="dk1"/>
+          </a:fontRef>
+        </p:style>
+        <p:txBody>
+          <a:bodyPr rtlCol="0" anchor="ctr"/>
+          <a:lstStyle/>
+          <a:p>
+            <a:pPr algn="ctr"/>
+            <a:endParaRPr lang="en-US">
+              <a:solidFill>
+                <a:schemeClr val="tx1"/>
+              </a:solidFill>
+            </a:endParaRPr>
+          </a:p>
+        </p:txBody>
+      </p:sp>
+      <p:cxnSp>
+        <p:nvCxnSpPr>
+          <p:cNvPr id="3" name="Straight Arrow Connector 2"/>
+          <p:cNvCxnSpPr/>
+          <p:nvPr/>
+        </p:nvCxnSpPr>
+        <p:spPr>
+          <a:xfrm flipV="1">
+            <a:off x="3495233" y="1072726"/>
+            <a:ext cx="0" cy="2514600"/>
+          </a:xfrm>
+          <a:prstGeom prst="straightConnector1">
+            <a:avLst/>
+          </a:prstGeom>
+          <a:ln>
+            <a:tailEnd type="arrow"/>
+          </a:ln>
+        </p:spPr>
+        <p:style>
+          <a:lnRef idx="3">
+            <a:schemeClr val="dk1"/>
+          </a:lnRef>
+          <a:fillRef idx="0">
+            <a:schemeClr val="dk1"/>
+          </a:fillRef>
+          <a:effectRef idx="2">
+            <a:schemeClr val="dk1"/>
+          </a:effectRef>
+          <a:fontRef idx="minor">
+            <a:schemeClr val="tx1"/>
+          </a:fontRef>
+        </p:style>
+      </p:cxnSp>
+      <p:cxnSp>
+        <p:nvCxnSpPr>
+          <p:cNvPr id="4" name="Straight Arrow Connector 3"/>
+          <p:cNvCxnSpPr/>
+          <p:nvPr/>
+        </p:nvCxnSpPr>
+        <p:spPr>
+          <a:xfrm>
+            <a:off x="3502160" y="3587326"/>
+            <a:ext cx="2888673" cy="0"/>
+          </a:xfrm>
+          <a:prstGeom prst="straightConnector1">
+            <a:avLst/>
+          </a:prstGeom>
+          <a:ln>
+            <a:tailEnd type="arrow"/>
+          </a:ln>
+        </p:spPr>
+        <p:style>
+          <a:lnRef idx="3">
+            <a:schemeClr val="dk1"/>
+          </a:lnRef>
+          <a:fillRef idx="0">
+            <a:schemeClr val="dk1"/>
+          </a:fillRef>
+          <a:effectRef idx="2">
+            <a:schemeClr val="dk1"/>
+          </a:effectRef>
+          <a:fontRef idx="minor">
+            <a:schemeClr val="tx1"/>
+          </a:fontRef>
+        </p:style>
+      </p:cxnSp>
+      <p:sp>
+        <p:nvSpPr>
+          <p:cNvPr id="5" name="TextBox 4"/>
+          <p:cNvSpPr txBox="1"/>
+          <p:nvPr/>
+        </p:nvSpPr>
+        <p:spPr>
+          <a:xfrm>
+            <a:off x="6390833" y="3410588"/>
+            <a:ext cx="365806" cy="369332"/>
+          </a:xfrm>
+          <a:prstGeom prst="rect">
+            <a:avLst/>
+          </a:prstGeom>
+          <a:noFill/>
+        </p:spPr>
+        <p:txBody>
+          <a:bodyPr wrap="none" rtlCol="0">
+            <a:spAutoFit/>
+          </a:bodyPr>
+          <a:lstStyle/>
+          <a:p>
+            <a:r>
+              <a:rPr lang="en-US" b="1" dirty="0"/>
+              <a:t>X’</a:t>
+            </a:r>
+          </a:p>
+        </p:txBody>
+      </p:sp>
+      <p:sp>
+        <p:nvSpPr>
+          <p:cNvPr id="6" name="TextBox 5"/>
+          <p:cNvSpPr txBox="1"/>
+          <p:nvPr/>
+        </p:nvSpPr>
+        <p:spPr>
+          <a:xfrm>
+            <a:off x="3349245" y="623454"/>
+            <a:ext cx="366447" cy="369332"/>
+          </a:xfrm>
+          <a:prstGeom prst="rect">
+            <a:avLst/>
+          </a:prstGeom>
+          <a:noFill/>
+        </p:spPr>
+        <p:txBody>
+          <a:bodyPr wrap="none" rtlCol="0">
+            <a:spAutoFit/>
+          </a:bodyPr>
+          <a:lstStyle/>
+          <a:p>
+            <a:r>
+              <a:rPr lang="en-US" b="1" dirty="0"/>
+              <a:t>Y’</a:t>
+            </a:r>
+          </a:p>
+        </p:txBody>
+      </p:sp>
+      <p:sp>
+        <p:nvSpPr>
+          <p:cNvPr id="7" name="Oval 6"/>
+          <p:cNvSpPr/>
+          <p:nvPr/>
+        </p:nvSpPr>
+        <p:spPr>
+          <a:xfrm>
+            <a:off x="4811471" y="3471505"/>
+            <a:ext cx="182880" cy="182880"/>
+          </a:xfrm>
+          <a:prstGeom prst="ellipse">
+            <a:avLst/>
+          </a:prstGeom>
+        </p:spPr>
+        <p:style>
+          <a:lnRef idx="2">
+            <a:schemeClr val="dk1">
+              <a:shade val="50000"/>
+            </a:schemeClr>
+          </a:lnRef>
+          <a:fillRef idx="1">
+            <a:schemeClr val="dk1"/>
+          </a:fillRef>
+          <a:effectRef idx="0">
+            <a:schemeClr val="dk1"/>
+          </a:effectRef>
+          <a:fontRef idx="minor">
+            <a:schemeClr val="lt1"/>
+          </a:fontRef>
+        </p:style>
+        <p:txBody>
+          <a:bodyPr rtlCol="0" anchor="ctr"/>
+          <a:lstStyle/>
+          <a:p>
+            <a:pPr algn="ctr"/>
+            <a:endParaRPr lang="en-US"/>
+          </a:p>
+        </p:txBody>
+      </p:sp>
+      <mc:AlternateContent xmlns:mc="http://schemas.openxmlformats.org/markup-compatibility/2006">
+        <mc:Choice xmlns:a14="http://schemas.microsoft.com/office/drawing/2010/main" Requires="a14">
+          <p:sp>
+            <p:nvSpPr>
+              <p:cNvPr id="31" name="TextBox 30"/>
+              <p:cNvSpPr txBox="1"/>
+              <p:nvPr/>
+            </p:nvSpPr>
+            <p:spPr>
+              <a:xfrm>
+                <a:off x="3837576" y="2204337"/>
+                <a:ext cx="380232" cy="461665"/>
+              </a:xfrm>
+              <a:prstGeom prst="rect">
+                <a:avLst/>
+              </a:prstGeom>
+              <a:noFill/>
+            </p:spPr>
+            <p:txBody>
+              <a:bodyPr wrap="none" rtlCol="0">
+                <a:spAutoFit/>
+              </a:bodyPr>
+              <a:lstStyle/>
+              <a:p>
+                <a:pPr/>
+                <a14:m>
+                  <m:oMathPara xmlns:m="http://schemas.openxmlformats.org/officeDocument/2006/math">
+                    <m:oMathParaPr>
+                      <m:jc m:val="centerGroup"/>
+                    </m:oMathParaPr>
+                    <m:oMath xmlns:m="http://schemas.openxmlformats.org/officeDocument/2006/math">
+                      <m:r>
+                        <m:rPr>
+                          <m:sty m:val="p"/>
+                        </m:rPr>
+                        <a:rPr lang="en-US" sz="2400" b="0" i="0" smtClean="0">
+                          <a:solidFill>
+                            <a:schemeClr val="accent1"/>
+                          </a:solidFill>
+                          <a:latin typeface="Cambria Math"/>
+                        </a:rPr>
+                        <m:t>r</m:t>
+                      </m:r>
+                    </m:oMath>
+                  </m:oMathPara>
+                </a14:m>
+                <a:endParaRPr lang="en-US" sz="2400" dirty="0">
+                  <a:solidFill>
+                    <a:schemeClr val="accent1"/>
+                  </a:solidFill>
+                </a:endParaRPr>
+              </a:p>
+            </p:txBody>
+          </p:sp>
+        </mc:Choice>
+        <mc:Fallback>
+          <p:sp>
+            <p:nvSpPr>
+              <p:cNvPr id="31" name="TextBox 30"/>
+              <p:cNvSpPr txBox="1">
+                <a:spLocks noRot="1" noChangeAspect="1" noMove="1" noResize="1" noEditPoints="1" noAdjustHandles="1" noChangeArrowheads="1" noChangeShapeType="1" noTextEdit="1"/>
+              </p:cNvSpPr>
+              <p:nvPr/>
+            </p:nvSpPr>
+            <p:spPr>
+              <a:xfrm>
+                <a:off x="3837576" y="2204337"/>
+                <a:ext cx="380232" cy="461665"/>
+              </a:xfrm>
+              <a:prstGeom prst="rect">
+                <a:avLst/>
+              </a:prstGeom>
+              <a:blipFill>
+                <a:blip r:embed="rId2"/>
+                <a:stretch>
+                  <a:fillRect/>
+                </a:stretch>
+              </a:blipFill>
+            </p:spPr>
+            <p:txBody>
+              <a:bodyPr/>
+              <a:lstStyle/>
+              <a:p>
+                <a:r>
+                  <a:rPr lang="en-US">
+                    <a:noFill/>
+                  </a:rPr>
+                  <a:t> </a:t>
+                </a:r>
+              </a:p>
+            </p:txBody>
+          </p:sp>
+        </mc:Fallback>
+      </mc:AlternateContent>
+      <p:grpSp>
+        <p:nvGrpSpPr>
+          <p:cNvPr id="9" name="Group 8"/>
+          <p:cNvGrpSpPr/>
+          <p:nvPr/>
+        </p:nvGrpSpPr>
+        <p:grpSpPr>
+          <a:xfrm rot="16200000" flipV="1">
+            <a:off x="3298159" y="3900702"/>
+            <a:ext cx="1808748" cy="1400747"/>
+            <a:chOff x="3730335" y="4145973"/>
+            <a:chExt cx="1059026" cy="595121"/>
+          </a:xfrm>
+        </p:grpSpPr>
+        <p:cxnSp>
+          <p:nvCxnSpPr>
+            <p:cNvPr id="16" name="Straight Connector 15"/>
+            <p:cNvCxnSpPr>
+              <a:cxnSpLocks/>
+            </p:cNvCxnSpPr>
+            <p:nvPr/>
+          </p:nvCxnSpPr>
+          <p:spPr>
+            <a:xfrm rot="16200000" flipV="1">
+              <a:off x="4251502" y="4203235"/>
+              <a:ext cx="16693" cy="1059025"/>
+            </a:xfrm>
+            <a:prstGeom prst="line">
+              <a:avLst/>
+            </a:prstGeom>
+          </p:spPr>
+          <p:style>
+            <a:lnRef idx="1">
+              <a:schemeClr val="accent1"/>
+            </a:lnRef>
+            <a:fillRef idx="0">
+              <a:schemeClr val="accent1"/>
+            </a:fillRef>
+            <a:effectRef idx="0">
+              <a:schemeClr val="accent1"/>
+            </a:effectRef>
+            <a:fontRef idx="minor">
+              <a:schemeClr val="tx1"/>
+            </a:fontRef>
+          </p:style>
+        </p:cxnSp>
+        <p:cxnSp>
+          <p:nvCxnSpPr>
+            <p:cNvPr id="17" name="Straight Connector 16"/>
+            <p:cNvCxnSpPr/>
+            <p:nvPr/>
+          </p:nvCxnSpPr>
+          <p:spPr>
+            <a:xfrm flipH="1">
+              <a:off x="3730335" y="4145973"/>
+              <a:ext cx="994066" cy="0"/>
+            </a:xfrm>
+            <a:prstGeom prst="line">
+              <a:avLst/>
+            </a:prstGeom>
+          </p:spPr>
+          <p:style>
+            <a:lnRef idx="1">
+              <a:schemeClr val="accent1"/>
+            </a:lnRef>
+            <a:fillRef idx="0">
+              <a:schemeClr val="accent1"/>
+            </a:fillRef>
+            <a:effectRef idx="0">
+              <a:schemeClr val="accent1"/>
+            </a:effectRef>
+            <a:fontRef idx="minor">
+              <a:schemeClr val="tx1"/>
+            </a:fontRef>
+          </p:style>
+        </p:cxnSp>
+        <p:cxnSp>
+          <p:nvCxnSpPr>
+            <p:cNvPr id="23" name="Straight Connector 22"/>
+            <p:cNvCxnSpPr/>
+            <p:nvPr/>
+          </p:nvCxnSpPr>
+          <p:spPr>
+            <a:xfrm flipV="1">
+              <a:off x="3965863" y="4145973"/>
+              <a:ext cx="0" cy="578428"/>
+            </a:xfrm>
+            <a:prstGeom prst="line">
+              <a:avLst/>
+            </a:prstGeom>
+            <a:ln>
+              <a:headEnd type="stealth"/>
+              <a:tailEnd type="stealth"/>
+            </a:ln>
+          </p:spPr>
+          <p:style>
+            <a:lnRef idx="1">
+              <a:schemeClr val="accent1"/>
+            </a:lnRef>
+            <a:fillRef idx="0">
+              <a:schemeClr val="accent1"/>
+            </a:fillRef>
+            <a:effectRef idx="0">
+              <a:schemeClr val="accent1"/>
+            </a:effectRef>
+            <a:fontRef idx="minor">
+              <a:schemeClr val="tx1"/>
+            </a:fontRef>
+          </p:style>
+        </p:cxnSp>
+      </p:grpSp>
+      <mc:AlternateContent xmlns:mc="http://schemas.openxmlformats.org/markup-compatibility/2006">
+        <mc:Choice xmlns:a14="http://schemas.microsoft.com/office/drawing/2010/main" Requires="a14">
+          <p:sp>
+            <p:nvSpPr>
+              <p:cNvPr id="24" name="TextBox 23"/>
+              <p:cNvSpPr txBox="1"/>
+              <p:nvPr/>
+            </p:nvSpPr>
+            <p:spPr>
+              <a:xfrm>
+                <a:off x="3748492" y="5150293"/>
+                <a:ext cx="951927" cy="789319"/>
+              </a:xfrm>
+              <a:prstGeom prst="rect">
+                <a:avLst/>
+              </a:prstGeom>
+              <a:solidFill>
+                <a:schemeClr val="bg1"/>
+              </a:solidFill>
+            </p:spPr>
+            <p:txBody>
+              <a:bodyPr wrap="none" rtlCol="0">
+                <a:spAutoFit/>
+              </a:bodyPr>
+              <a:lstStyle/>
+              <a:p>
+                <a:pPr/>
+                <a14:m>
+                  <m:oMathPara xmlns:m="http://schemas.openxmlformats.org/officeDocument/2006/math">
+                    <m:oMathParaPr>
+                      <m:jc m:val="centerGroup"/>
+                    </m:oMathParaPr>
+                    <m:oMath xmlns:m="http://schemas.openxmlformats.org/officeDocument/2006/math">
+                      <m:f>
+                        <m:fPr>
+                          <m:ctrlPr>
+                            <a:rPr lang="en-CA" sz="2400" b="0" i="1" smtClean="0">
+                              <a:solidFill>
+                                <a:schemeClr val="accent1"/>
+                              </a:solidFill>
+                              <a:latin typeface="Cambria Math" panose="02040503050406030204" pitchFamily="18" charset="0"/>
+                            </a:rPr>
+                          </m:ctrlPr>
+                        </m:fPr>
+                        <m:num>
+                          <m:r>
+                            <m:rPr>
+                              <m:sty m:val="p"/>
+                            </m:rPr>
+                            <a:rPr lang="en-US" sz="2400">
+                              <a:solidFill>
+                                <a:schemeClr val="accent1"/>
+                              </a:solidFill>
+                              <a:latin typeface="Cambria Math"/>
+                            </a:rPr>
+                            <m:t>r</m:t>
+                          </m:r>
+                          <m:r>
+                            <m:rPr>
+                              <m:sty m:val="p"/>
+                            </m:rPr>
+                            <a:rPr lang="en-CA" sz="2400">
+                              <a:solidFill>
+                                <a:schemeClr val="accent1"/>
+                              </a:solidFill>
+                              <a:latin typeface="Cambria Math" panose="02040503050406030204" pitchFamily="18" charset="0"/>
+                            </a:rPr>
+                            <m:t>sin</m:t>
+                          </m:r>
+                          <m:r>
+                            <a:rPr lang="en-CA" sz="2400" i="1">
+                              <a:solidFill>
+                                <a:schemeClr val="accent1"/>
+                              </a:solidFill>
+                              <a:latin typeface="Cambria Math" panose="02040503050406030204" pitchFamily="18" charset="0"/>
+                            </a:rPr>
+                            <m:t>𝜃</m:t>
+                          </m:r>
+                        </m:num>
+                        <m:den>
+                          <m:r>
+                            <a:rPr lang="en-CA" sz="2400" b="0" i="1" smtClean="0">
+                              <a:solidFill>
+                                <a:schemeClr val="accent1"/>
+                              </a:solidFill>
+                              <a:latin typeface="Cambria Math" panose="02040503050406030204" pitchFamily="18" charset="0"/>
+                            </a:rPr>
+                            <m:t>𝜃</m:t>
+                          </m:r>
+                        </m:den>
+                      </m:f>
+                    </m:oMath>
+                  </m:oMathPara>
+                </a14:m>
+                <a:endParaRPr lang="en-US" sz="2400" dirty="0">
+                  <a:solidFill>
+                    <a:schemeClr val="accent1"/>
+                  </a:solidFill>
+                </a:endParaRPr>
+              </a:p>
+            </p:txBody>
+          </p:sp>
+        </mc:Choice>
+        <mc:Fallback>
+          <p:sp>
+            <p:nvSpPr>
+              <p:cNvPr id="24" name="TextBox 23"/>
+              <p:cNvSpPr txBox="1">
+                <a:spLocks noRot="1" noChangeAspect="1" noMove="1" noResize="1" noEditPoints="1" noAdjustHandles="1" noChangeArrowheads="1" noChangeShapeType="1" noTextEdit="1"/>
+              </p:cNvSpPr>
+              <p:nvPr/>
+            </p:nvSpPr>
+            <p:spPr>
+              <a:xfrm>
+                <a:off x="3748492" y="5150293"/>
+                <a:ext cx="951927" cy="789319"/>
+              </a:xfrm>
+              <a:prstGeom prst="rect">
+                <a:avLst/>
+              </a:prstGeom>
+              <a:blipFill>
+                <a:blip r:embed="rId3"/>
+                <a:stretch>
+                  <a:fillRect b="-6349"/>
+                </a:stretch>
+              </a:blipFill>
+            </p:spPr>
+            <p:txBody>
+              <a:bodyPr/>
+              <a:lstStyle/>
+              <a:p>
+                <a:r>
+                  <a:rPr lang="en-US">
+                    <a:noFill/>
+                  </a:rPr>
+                  <a:t> </a:t>
+                </a:r>
+              </a:p>
+            </p:txBody>
+          </p:sp>
+        </mc:Fallback>
+      </mc:AlternateContent>
+      <p:sp>
+        <p:nvSpPr>
+          <p:cNvPr id="26" name="TextBox 25">
+            <a:extLst>
+              <a:ext uri="{FF2B5EF4-FFF2-40B4-BE49-F238E27FC236}">
+                <a16:creationId xmlns:a16="http://schemas.microsoft.com/office/drawing/2014/main" id="{3F9A2EDF-43F0-4A58-AE98-F00A345BDD35}"/>
+              </a:ext>
+            </a:extLst>
+          </p:cNvPr>
+          <p:cNvSpPr txBox="1"/>
+          <p:nvPr/>
+        </p:nvSpPr>
+        <p:spPr>
+          <a:xfrm>
+            <a:off x="4601528" y="3657381"/>
+            <a:ext cx="308098" cy="369332"/>
+          </a:xfrm>
+          <a:prstGeom prst="rect">
+            <a:avLst/>
+          </a:prstGeom>
+          <a:noFill/>
+        </p:spPr>
+        <p:txBody>
+          <a:bodyPr wrap="none" rtlCol="0">
+            <a:spAutoFit/>
+          </a:bodyPr>
+          <a:lstStyle/>
+          <a:p>
+            <a:r>
+              <a:rPr lang="en-US" dirty="0"/>
+              <a:t>C</a:t>
+            </a:r>
+          </a:p>
+        </p:txBody>
+      </p:sp>
+      <p:sp>
+        <p:nvSpPr>
+          <p:cNvPr id="11" name="Arc 10">
+            <a:extLst>
+              <a:ext uri="{FF2B5EF4-FFF2-40B4-BE49-F238E27FC236}">
+                <a16:creationId xmlns:a16="http://schemas.microsoft.com/office/drawing/2014/main" id="{082E2B1E-885C-DD44-9AAA-2B425CFA038A}"/>
+              </a:ext>
+            </a:extLst>
+          </p:cNvPr>
+          <p:cNvSpPr/>
+          <p:nvPr/>
+        </p:nvSpPr>
+        <p:spPr>
+          <a:xfrm>
+            <a:off x="2981014" y="2922222"/>
+            <a:ext cx="1243720" cy="1311225"/>
+          </a:xfrm>
+          <a:prstGeom prst="arc">
+            <a:avLst>
+              <a:gd name="adj1" fmla="val 18035905"/>
+              <a:gd name="adj2" fmla="val 0"/>
+            </a:avLst>
+          </a:prstGeom>
+          <a:ln>
+            <a:headEnd type="stealth"/>
+            <a:tailEnd type="stealth"/>
+          </a:ln>
+        </p:spPr>
+        <p:style>
+          <a:lnRef idx="1">
+            <a:schemeClr val="accent1"/>
+          </a:lnRef>
+          <a:fillRef idx="0">
+            <a:schemeClr val="accent1"/>
+          </a:fillRef>
+          <a:effectRef idx="0">
+            <a:schemeClr val="accent1"/>
+          </a:effectRef>
+          <a:fontRef idx="minor">
+            <a:schemeClr val="tx1"/>
+          </a:fontRef>
+        </p:style>
+        <p:txBody>
+          <a:bodyPr rtlCol="0" anchor="ctr"/>
+          <a:lstStyle/>
+          <a:p>
+            <a:pPr algn="ctr"/>
+            <a:endParaRPr lang="en-US"/>
+          </a:p>
+        </p:txBody>
+      </p:sp>
+      <p:sp>
+        <p:nvSpPr>
+          <p:cNvPr id="33" name="Arc 32">
+            <a:extLst>
+              <a:ext uri="{FF2B5EF4-FFF2-40B4-BE49-F238E27FC236}">
+                <a16:creationId xmlns:a16="http://schemas.microsoft.com/office/drawing/2014/main" id="{2297C665-8305-094F-9B65-A0DEEB323C28}"/>
+              </a:ext>
+            </a:extLst>
+          </p:cNvPr>
+          <p:cNvSpPr/>
+          <p:nvPr/>
+        </p:nvSpPr>
+        <p:spPr>
+          <a:xfrm flipV="1">
+            <a:off x="2974088" y="2939641"/>
+            <a:ext cx="1243720" cy="1311225"/>
+          </a:xfrm>
+          <a:prstGeom prst="arc">
+            <a:avLst>
+              <a:gd name="adj1" fmla="val 18035905"/>
+              <a:gd name="adj2" fmla="val 0"/>
+            </a:avLst>
+          </a:prstGeom>
+          <a:ln>
+            <a:headEnd type="stealth"/>
+            <a:tailEnd type="stealth"/>
+          </a:ln>
+        </p:spPr>
+        <p:style>
+          <a:lnRef idx="1">
+            <a:schemeClr val="accent1"/>
+          </a:lnRef>
+          <a:fillRef idx="0">
+            <a:schemeClr val="accent1"/>
+          </a:fillRef>
+          <a:effectRef idx="0">
+            <a:schemeClr val="accent1"/>
+          </a:effectRef>
+          <a:fontRef idx="minor">
+            <a:schemeClr val="tx1"/>
+          </a:fontRef>
+        </p:style>
+        <p:txBody>
+          <a:bodyPr rtlCol="0" anchor="ctr"/>
+          <a:lstStyle/>
+          <a:p>
+            <a:pPr algn="ctr"/>
+            <a:endParaRPr lang="en-US"/>
+          </a:p>
+        </p:txBody>
+      </p:sp>
+      <mc:AlternateContent xmlns:mc="http://schemas.openxmlformats.org/markup-compatibility/2006">
+        <mc:Choice xmlns:a14="http://schemas.microsoft.com/office/drawing/2010/main" Requires="a14">
+          <p:sp>
+            <p:nvSpPr>
+              <p:cNvPr id="34" name="TextBox 33">
+                <a:extLst>
+                  <a:ext uri="{FF2B5EF4-FFF2-40B4-BE49-F238E27FC236}">
+                    <a16:creationId xmlns:a16="http://schemas.microsoft.com/office/drawing/2014/main" id="{3A05E3B9-6ED4-D64C-8700-7A92CEFEF1CA}"/>
+                  </a:ext>
+                </a:extLst>
+              </p:cNvPr>
+              <p:cNvSpPr txBox="1"/>
+              <p:nvPr/>
+            </p:nvSpPr>
+            <p:spPr>
+              <a:xfrm>
+                <a:off x="4147926" y="2964151"/>
+                <a:ext cx="421910" cy="461665"/>
+              </a:xfrm>
+              <a:prstGeom prst="rect">
+                <a:avLst/>
+              </a:prstGeom>
+              <a:noFill/>
+            </p:spPr>
+            <p:txBody>
+              <a:bodyPr wrap="none" rtlCol="0">
+                <a:spAutoFit/>
+              </a:bodyPr>
+              <a:lstStyle/>
+              <a:p>
+                <a:pPr/>
+                <a14:m>
+                  <m:oMathPara xmlns:m="http://schemas.openxmlformats.org/officeDocument/2006/math">
+                    <m:oMathParaPr>
+                      <m:jc m:val="centerGroup"/>
+                    </m:oMathParaPr>
+                    <m:oMath xmlns:m="http://schemas.openxmlformats.org/officeDocument/2006/math">
+                      <m:r>
+                        <m:rPr>
+                          <m:sty m:val="p"/>
+                        </m:rPr>
+                        <a:rPr lang="en-CA" sz="2400" b="0" i="1" smtClean="0">
+                          <a:solidFill>
+                            <a:schemeClr val="accent1"/>
+                          </a:solidFill>
+                          <a:latin typeface="Cambria Math" panose="02040503050406030204" pitchFamily="18" charset="0"/>
+                        </a:rPr>
+                        <m:t>θ</m:t>
+                      </m:r>
+                    </m:oMath>
+                  </m:oMathPara>
+                </a14:m>
+                <a:endParaRPr lang="en-CA" sz="2400" b="0" dirty="0">
+                  <a:solidFill>
+                    <a:schemeClr val="accent1"/>
+                  </a:solidFill>
+                </a:endParaRPr>
+              </a:p>
+            </p:txBody>
+          </p:sp>
+        </mc:Choice>
+        <mc:Fallback>
+          <p:sp>
+            <p:nvSpPr>
+              <p:cNvPr id="34" name="TextBox 33">
+                <a:extLst>
+                  <a:ext uri="{FF2B5EF4-FFF2-40B4-BE49-F238E27FC236}">
+                    <a16:creationId xmlns:a16="http://schemas.microsoft.com/office/drawing/2014/main" id="{3A05E3B9-6ED4-D64C-8700-7A92CEFEF1CA}"/>
+                  </a:ext>
+                </a:extLst>
+              </p:cNvPr>
+              <p:cNvSpPr txBox="1">
+                <a:spLocks noRot="1" noChangeAspect="1" noMove="1" noResize="1" noEditPoints="1" noAdjustHandles="1" noChangeArrowheads="1" noChangeShapeType="1" noTextEdit="1"/>
+              </p:cNvSpPr>
+              <p:nvPr/>
+            </p:nvSpPr>
+            <p:spPr>
+              <a:xfrm>
+                <a:off x="4147926" y="2964151"/>
+                <a:ext cx="421910" cy="461665"/>
+              </a:xfrm>
+              <a:prstGeom prst="rect">
+                <a:avLst/>
+              </a:prstGeom>
+              <a:blipFill>
+                <a:blip r:embed="rId4"/>
+                <a:stretch>
+                  <a:fillRect/>
+                </a:stretch>
+              </a:blipFill>
+            </p:spPr>
+            <p:txBody>
+              <a:bodyPr/>
+              <a:lstStyle/>
+              <a:p>
+                <a:r>
+                  <a:rPr lang="en-US">
+                    <a:noFill/>
+                  </a:rPr>
+                  <a:t> </a:t>
+                </a:r>
+              </a:p>
+            </p:txBody>
+          </p:sp>
+        </mc:Fallback>
+      </mc:AlternateContent>
+      <mc:AlternateContent xmlns:mc="http://schemas.openxmlformats.org/markup-compatibility/2006">
+        <mc:Choice xmlns:a14="http://schemas.microsoft.com/office/drawing/2010/main" Requires="a14">
+          <p:sp>
+            <p:nvSpPr>
+              <p:cNvPr id="35" name="TextBox 34">
+                <a:extLst>
+                  <a:ext uri="{FF2B5EF4-FFF2-40B4-BE49-F238E27FC236}">
+                    <a16:creationId xmlns:a16="http://schemas.microsoft.com/office/drawing/2014/main" id="{94DA406E-A932-3B47-8F8A-886ABFB4FC89}"/>
+                  </a:ext>
+                </a:extLst>
+              </p:cNvPr>
+              <p:cNvSpPr txBox="1"/>
+              <p:nvPr/>
+            </p:nvSpPr>
+            <p:spPr>
+              <a:xfrm>
+                <a:off x="4139576" y="3857064"/>
+                <a:ext cx="421910" cy="461665"/>
+              </a:xfrm>
+              <a:prstGeom prst="rect">
+                <a:avLst/>
+              </a:prstGeom>
+              <a:noFill/>
+            </p:spPr>
+            <p:txBody>
+              <a:bodyPr wrap="none" rtlCol="0">
+                <a:spAutoFit/>
+              </a:bodyPr>
+              <a:lstStyle/>
+              <a:p>
+                <a:pPr/>
+                <a14:m>
+                  <m:oMathPara xmlns:m="http://schemas.openxmlformats.org/officeDocument/2006/math">
+                    <m:oMathParaPr>
+                      <m:jc m:val="centerGroup"/>
+                    </m:oMathParaPr>
+                    <m:oMath xmlns:m="http://schemas.openxmlformats.org/officeDocument/2006/math">
+                      <m:r>
+                        <m:rPr>
+                          <m:sty m:val="p"/>
+                        </m:rPr>
+                        <a:rPr lang="en-CA" sz="2400" b="0" i="1" smtClean="0">
+                          <a:solidFill>
+                            <a:schemeClr val="accent1"/>
+                          </a:solidFill>
+                          <a:latin typeface="Cambria Math" panose="02040503050406030204" pitchFamily="18" charset="0"/>
+                        </a:rPr>
+                        <m:t>θ</m:t>
+                      </m:r>
+                    </m:oMath>
+                  </m:oMathPara>
+                </a14:m>
+                <a:endParaRPr lang="en-CA" sz="2400" b="0" dirty="0">
+                  <a:solidFill>
+                    <a:schemeClr val="accent1"/>
+                  </a:solidFill>
+                </a:endParaRPr>
+              </a:p>
+            </p:txBody>
+          </p:sp>
+        </mc:Choice>
+        <mc:Fallback>
+          <p:sp>
+            <p:nvSpPr>
+              <p:cNvPr id="35" name="TextBox 34">
+                <a:extLst>
+                  <a:ext uri="{FF2B5EF4-FFF2-40B4-BE49-F238E27FC236}">
+                    <a16:creationId xmlns:a16="http://schemas.microsoft.com/office/drawing/2014/main" id="{94DA406E-A932-3B47-8F8A-886ABFB4FC89}"/>
+                  </a:ext>
+                </a:extLst>
+              </p:cNvPr>
+              <p:cNvSpPr txBox="1">
+                <a:spLocks noRot="1" noChangeAspect="1" noMove="1" noResize="1" noEditPoints="1" noAdjustHandles="1" noChangeArrowheads="1" noChangeShapeType="1" noTextEdit="1"/>
+              </p:cNvSpPr>
+              <p:nvPr/>
+            </p:nvSpPr>
+            <p:spPr>
+              <a:xfrm>
+                <a:off x="4139576" y="3857064"/>
+                <a:ext cx="421910" cy="461665"/>
+              </a:xfrm>
+              <a:prstGeom prst="rect">
+                <a:avLst/>
+              </a:prstGeom>
+              <a:blipFill>
+                <a:blip r:embed="rId5"/>
+                <a:stretch>
+                  <a:fillRect/>
+                </a:stretch>
+              </a:blipFill>
+            </p:spPr>
+            <p:txBody>
+              <a:bodyPr/>
+              <a:lstStyle/>
+              <a:p>
+                <a:r>
+                  <a:rPr lang="en-US">
+                    <a:noFill/>
+                  </a:rPr>
+                  <a:t> </a:t>
+                </a:r>
+              </a:p>
+            </p:txBody>
+          </p:sp>
+        </mc:Fallback>
+      </mc:AlternateContent>
+      <p:cxnSp>
+        <p:nvCxnSpPr>
+          <p:cNvPr id="36" name="Straight Arrow Connector 35">
+            <a:extLst>
+              <a:ext uri="{FF2B5EF4-FFF2-40B4-BE49-F238E27FC236}">
+                <a16:creationId xmlns:a16="http://schemas.microsoft.com/office/drawing/2014/main" id="{F7B69A6B-749E-2345-9711-8C47C5E78D15}"/>
+              </a:ext>
+            </a:extLst>
+          </p:cNvPr>
+          <p:cNvCxnSpPr>
+            <a:cxnSpLocks/>
+          </p:cNvCxnSpPr>
+          <p:nvPr/>
+        </p:nvCxnSpPr>
+        <p:spPr>
+          <a:xfrm flipV="1">
+            <a:off x="4902907" y="1823326"/>
+            <a:ext cx="6719" cy="1721055"/>
+          </a:xfrm>
+          <a:prstGeom prst="straightConnector1">
+            <a:avLst/>
+          </a:prstGeom>
+          <a:ln w="28575">
+            <a:tailEnd type="arrow"/>
+          </a:ln>
+        </p:spPr>
+        <p:style>
+          <a:lnRef idx="3">
+            <a:schemeClr val="dk1"/>
+          </a:lnRef>
+          <a:fillRef idx="0">
+            <a:schemeClr val="dk1"/>
+          </a:fillRef>
+          <a:effectRef idx="2">
+            <a:schemeClr val="dk1"/>
+          </a:effectRef>
+          <a:fontRef idx="minor">
+            <a:schemeClr val="tx1"/>
+          </a:fontRef>
+        </p:style>
+      </p:cxnSp>
+      <p:sp>
+        <p:nvSpPr>
+          <p:cNvPr id="37" name="TextBox 36">
+            <a:extLst>
+              <a:ext uri="{FF2B5EF4-FFF2-40B4-BE49-F238E27FC236}">
+                <a16:creationId xmlns:a16="http://schemas.microsoft.com/office/drawing/2014/main" id="{3A796E86-3241-A845-B59C-BAA8F3211E21}"/>
+              </a:ext>
+            </a:extLst>
+          </p:cNvPr>
+          <p:cNvSpPr txBox="1"/>
+          <p:nvPr/>
+        </p:nvSpPr>
+        <p:spPr>
+          <a:xfrm>
+            <a:off x="4975777" y="1835005"/>
+            <a:ext cx="304892" cy="369332"/>
+          </a:xfrm>
+          <a:prstGeom prst="rect">
+            <a:avLst/>
+          </a:prstGeom>
+          <a:noFill/>
+          <a:ln w="28575">
+            <a:noFill/>
+          </a:ln>
+        </p:spPr>
+        <p:txBody>
+          <a:bodyPr wrap="none" rtlCol="0">
+            <a:spAutoFit/>
+          </a:bodyPr>
+          <a:lstStyle/>
+          <a:p>
+            <a:r>
+              <a:rPr lang="en-US" b="1" dirty="0"/>
+              <a:t>Y</a:t>
+            </a:r>
+          </a:p>
+        </p:txBody>
+      </p:sp>
+    </p:spTree>
+    <p:extLst>
+      <p:ext uri="{BB962C8B-B14F-4D97-AF65-F5344CB8AC3E}">
+        <p14:creationId xmlns:p14="http://schemas.microsoft.com/office/powerpoint/2010/main" val="3721269177"/>
+      </p:ext>
+    </p:extLst>
+  </p:cSld>
+  <p:clrMapOvr>
+    <a:masterClrMapping/>
+  </p:clrMapOvr>
+</p:sld>
+</file>
+
+<file path=ppt/slides/slide15.xml><?xml version="1.0" encoding="utf-8"?>
+<p:sld xmlns:a="http://schemas.openxmlformats.org/drawingml/2006/main" xmlns:r="http://schemas.openxmlformats.org/officeDocument/2006/relationships" xmlns:p="http://schemas.openxmlformats.org/presentationml/2006/main">
+  <p:cSld>
+    <p:spTree>
+      <p:nvGrpSpPr>
+        <p:cNvPr id="1" name=""/>
+        <p:cNvGrpSpPr/>
+        <p:nvPr/>
+      </p:nvGrpSpPr>
+      <p:grpSpPr>
+        <a:xfrm>
+          <a:off x="0" y="0"/>
+          <a:ext cx="0" cy="0"/>
+          <a:chOff x="0" y="0"/>
+          <a:chExt cx="0" cy="0"/>
+        </a:xfrm>
+      </p:grpSpPr>
+      <p:sp>
+        <p:nvSpPr>
+          <p:cNvPr id="40" name="Freeform 39">
+            <a:extLst>
+              <a:ext uri="{FF2B5EF4-FFF2-40B4-BE49-F238E27FC236}">
+                <a16:creationId xmlns:a16="http://schemas.microsoft.com/office/drawing/2014/main" id="{71CFE95F-2907-0140-BA9F-F023B0B68CEC}"/>
+              </a:ext>
+            </a:extLst>
+          </p:cNvPr>
+          <p:cNvSpPr/>
+          <p:nvPr/>
+        </p:nvSpPr>
+        <p:spPr>
+          <a:xfrm>
+            <a:off x="2418678" y="2038582"/>
+            <a:ext cx="3531636" cy="2517569"/>
+          </a:xfrm>
+          <a:custGeom>
+            <a:avLst/>
+            <a:gdLst>
+              <a:gd name="connsiteX0" fmla="*/ 0 w 3531636"/>
+              <a:gd name="connsiteY0" fmla="*/ 3111759 h 3121089"/>
+              <a:gd name="connsiteX1" fmla="*/ 46653 w 3531636"/>
+              <a:gd name="connsiteY1" fmla="*/ 2981130 h 3121089"/>
+              <a:gd name="connsiteX2" fmla="*/ 74645 w 3531636"/>
+              <a:gd name="connsiteY2" fmla="*/ 2869163 h 3121089"/>
+              <a:gd name="connsiteX3" fmla="*/ 102636 w 3531636"/>
+              <a:gd name="connsiteY3" fmla="*/ 2747865 h 3121089"/>
+              <a:gd name="connsiteX4" fmla="*/ 200608 w 3531636"/>
+              <a:gd name="connsiteY4" fmla="*/ 2486608 h 3121089"/>
+              <a:gd name="connsiteX5" fmla="*/ 340567 w 3531636"/>
+              <a:gd name="connsiteY5" fmla="*/ 2052734 h 3121089"/>
+              <a:gd name="connsiteX6" fmla="*/ 429208 w 3531636"/>
+              <a:gd name="connsiteY6" fmla="*/ 1805473 h 3121089"/>
+              <a:gd name="connsiteX7" fmla="*/ 503853 w 3531636"/>
+              <a:gd name="connsiteY7" fmla="*/ 1614196 h 3121089"/>
+              <a:gd name="connsiteX8" fmla="*/ 573832 w 3531636"/>
+              <a:gd name="connsiteY8" fmla="*/ 1446244 h 3121089"/>
+              <a:gd name="connsiteX9" fmla="*/ 653142 w 3531636"/>
+              <a:gd name="connsiteY9" fmla="*/ 1254967 h 3121089"/>
+              <a:gd name="connsiteX10" fmla="*/ 755779 w 3531636"/>
+              <a:gd name="connsiteY10" fmla="*/ 1040363 h 3121089"/>
+              <a:gd name="connsiteX11" fmla="*/ 825759 w 3531636"/>
+              <a:gd name="connsiteY11" fmla="*/ 881742 h 3121089"/>
+              <a:gd name="connsiteX12" fmla="*/ 895738 w 3531636"/>
+              <a:gd name="connsiteY12" fmla="*/ 779106 h 3121089"/>
+              <a:gd name="connsiteX13" fmla="*/ 937726 w 3531636"/>
+              <a:gd name="connsiteY13" fmla="*/ 690465 h 3121089"/>
+              <a:gd name="connsiteX14" fmla="*/ 1003040 w 3531636"/>
+              <a:gd name="connsiteY14" fmla="*/ 601824 h 3121089"/>
+              <a:gd name="connsiteX15" fmla="*/ 1059024 w 3531636"/>
+              <a:gd name="connsiteY15" fmla="*/ 499187 h 3121089"/>
+              <a:gd name="connsiteX16" fmla="*/ 1119673 w 3531636"/>
+              <a:gd name="connsiteY16" fmla="*/ 433873 h 3121089"/>
+              <a:gd name="connsiteX17" fmla="*/ 1175657 w 3531636"/>
+              <a:gd name="connsiteY17" fmla="*/ 354563 h 3121089"/>
+              <a:gd name="connsiteX18" fmla="*/ 1240971 w 3531636"/>
+              <a:gd name="connsiteY18" fmla="*/ 284583 h 3121089"/>
+              <a:gd name="connsiteX19" fmla="*/ 1296955 w 3531636"/>
+              <a:gd name="connsiteY19" fmla="*/ 223934 h 3121089"/>
+              <a:gd name="connsiteX20" fmla="*/ 1385596 w 3531636"/>
+              <a:gd name="connsiteY20" fmla="*/ 158620 h 3121089"/>
+              <a:gd name="connsiteX21" fmla="*/ 1474236 w 3531636"/>
+              <a:gd name="connsiteY21" fmla="*/ 88640 h 3121089"/>
+              <a:gd name="connsiteX22" fmla="*/ 1558212 w 3531636"/>
+              <a:gd name="connsiteY22" fmla="*/ 46653 h 3121089"/>
+              <a:gd name="connsiteX23" fmla="*/ 1642187 w 3531636"/>
+              <a:gd name="connsiteY23" fmla="*/ 13996 h 3121089"/>
+              <a:gd name="connsiteX24" fmla="*/ 1726163 w 3531636"/>
+              <a:gd name="connsiteY24" fmla="*/ 0 h 3121089"/>
+              <a:gd name="connsiteX25" fmla="*/ 1819469 w 3531636"/>
+              <a:gd name="connsiteY25" fmla="*/ 4665 h 3121089"/>
+              <a:gd name="connsiteX26" fmla="*/ 1903445 w 3531636"/>
+              <a:gd name="connsiteY26" fmla="*/ 23326 h 3121089"/>
+              <a:gd name="connsiteX27" fmla="*/ 2029408 w 3531636"/>
+              <a:gd name="connsiteY27" fmla="*/ 74644 h 3121089"/>
+              <a:gd name="connsiteX28" fmla="*/ 2132045 w 3531636"/>
+              <a:gd name="connsiteY28" fmla="*/ 144624 h 3121089"/>
+              <a:gd name="connsiteX29" fmla="*/ 2220685 w 3531636"/>
+              <a:gd name="connsiteY29" fmla="*/ 214604 h 3121089"/>
+              <a:gd name="connsiteX30" fmla="*/ 2267338 w 3531636"/>
+              <a:gd name="connsiteY30" fmla="*/ 261257 h 3121089"/>
+              <a:gd name="connsiteX31" fmla="*/ 2327987 w 3531636"/>
+              <a:gd name="connsiteY31" fmla="*/ 321906 h 3121089"/>
+              <a:gd name="connsiteX32" fmla="*/ 2388636 w 3531636"/>
+              <a:gd name="connsiteY32" fmla="*/ 387220 h 3121089"/>
+              <a:gd name="connsiteX33" fmla="*/ 2458616 w 3531636"/>
+              <a:gd name="connsiteY33" fmla="*/ 471196 h 3121089"/>
+              <a:gd name="connsiteX34" fmla="*/ 2547257 w 3531636"/>
+              <a:gd name="connsiteY34" fmla="*/ 620485 h 3121089"/>
+              <a:gd name="connsiteX35" fmla="*/ 2626567 w 3531636"/>
+              <a:gd name="connsiteY35" fmla="*/ 760444 h 3121089"/>
+              <a:gd name="connsiteX36" fmla="*/ 2738534 w 3531636"/>
+              <a:gd name="connsiteY36" fmla="*/ 942391 h 3121089"/>
+              <a:gd name="connsiteX37" fmla="*/ 2864498 w 3531636"/>
+              <a:gd name="connsiteY37" fmla="*/ 1212979 h 3121089"/>
+              <a:gd name="connsiteX38" fmla="*/ 2957804 w 3531636"/>
+              <a:gd name="connsiteY38" fmla="*/ 1413587 h 3121089"/>
+              <a:gd name="connsiteX39" fmla="*/ 3032449 w 3531636"/>
+              <a:gd name="connsiteY39" fmla="*/ 1600200 h 3121089"/>
+              <a:gd name="connsiteX40" fmla="*/ 3135085 w 3531636"/>
+              <a:gd name="connsiteY40" fmla="*/ 1880118 h 3121089"/>
+              <a:gd name="connsiteX41" fmla="*/ 3214396 w 3531636"/>
+              <a:gd name="connsiteY41" fmla="*/ 2094722 h 3121089"/>
+              <a:gd name="connsiteX42" fmla="*/ 3279710 w 3531636"/>
+              <a:gd name="connsiteY42" fmla="*/ 2299996 h 3121089"/>
+              <a:gd name="connsiteX43" fmla="*/ 3345024 w 3531636"/>
+              <a:gd name="connsiteY43" fmla="*/ 2486608 h 3121089"/>
+              <a:gd name="connsiteX44" fmla="*/ 3405673 w 3531636"/>
+              <a:gd name="connsiteY44" fmla="*/ 2687216 h 3121089"/>
+              <a:gd name="connsiteX45" fmla="*/ 3456991 w 3531636"/>
+              <a:gd name="connsiteY45" fmla="*/ 2850502 h 3121089"/>
+              <a:gd name="connsiteX46" fmla="*/ 3508310 w 3531636"/>
+              <a:gd name="connsiteY46" fmla="*/ 3037114 h 3121089"/>
+              <a:gd name="connsiteX47" fmla="*/ 3531636 w 3531636"/>
+              <a:gd name="connsiteY47" fmla="*/ 3121089 h 3121089"/>
+              <a:gd name="connsiteX48" fmla="*/ 0 w 3531636"/>
+              <a:gd name="connsiteY48" fmla="*/ 3111759 h 3121089"/>
+            </a:gdLst>
+            <a:ahLst/>
+            <a:cxnLst>
+              <a:cxn ang="0">
+                <a:pos x="connsiteX0" y="connsiteY0"/>
+              </a:cxn>
+              <a:cxn ang="0">
+                <a:pos x="connsiteX1" y="connsiteY1"/>
+              </a:cxn>
+              <a:cxn ang="0">
+                <a:pos x="connsiteX2" y="connsiteY2"/>
+              </a:cxn>
+              <a:cxn ang="0">
+                <a:pos x="connsiteX3" y="connsiteY3"/>
+              </a:cxn>
+              <a:cxn ang="0">
+                <a:pos x="connsiteX4" y="connsiteY4"/>
+              </a:cxn>
+              <a:cxn ang="0">
+                <a:pos x="connsiteX5" y="connsiteY5"/>
+              </a:cxn>
+              <a:cxn ang="0">
+                <a:pos x="connsiteX6" y="connsiteY6"/>
+              </a:cxn>
+              <a:cxn ang="0">
+                <a:pos x="connsiteX7" y="connsiteY7"/>
+              </a:cxn>
+              <a:cxn ang="0">
+                <a:pos x="connsiteX8" y="connsiteY8"/>
+              </a:cxn>
+              <a:cxn ang="0">
+                <a:pos x="connsiteX9" y="connsiteY9"/>
+              </a:cxn>
+              <a:cxn ang="0">
+                <a:pos x="connsiteX10" y="connsiteY10"/>
+              </a:cxn>
+              <a:cxn ang="0">
+                <a:pos x="connsiteX11" y="connsiteY11"/>
+              </a:cxn>
+              <a:cxn ang="0">
+                <a:pos x="connsiteX12" y="connsiteY12"/>
+              </a:cxn>
+              <a:cxn ang="0">
+                <a:pos x="connsiteX13" y="connsiteY13"/>
+              </a:cxn>
+              <a:cxn ang="0">
+                <a:pos x="connsiteX14" y="connsiteY14"/>
+              </a:cxn>
+              <a:cxn ang="0">
+                <a:pos x="connsiteX15" y="connsiteY15"/>
+              </a:cxn>
+              <a:cxn ang="0">
+                <a:pos x="connsiteX16" y="connsiteY16"/>
+              </a:cxn>
+              <a:cxn ang="0">
+                <a:pos x="connsiteX17" y="connsiteY17"/>
+              </a:cxn>
+              <a:cxn ang="0">
+                <a:pos x="connsiteX18" y="connsiteY18"/>
+              </a:cxn>
+              <a:cxn ang="0">
+                <a:pos x="connsiteX19" y="connsiteY19"/>
+              </a:cxn>
+              <a:cxn ang="0">
+                <a:pos x="connsiteX20" y="connsiteY20"/>
+              </a:cxn>
+              <a:cxn ang="0">
+                <a:pos x="connsiteX21" y="connsiteY21"/>
+              </a:cxn>
+              <a:cxn ang="0">
+                <a:pos x="connsiteX22" y="connsiteY22"/>
+              </a:cxn>
+              <a:cxn ang="0">
+                <a:pos x="connsiteX23" y="connsiteY23"/>
+              </a:cxn>
+              <a:cxn ang="0">
+                <a:pos x="connsiteX24" y="connsiteY24"/>
+              </a:cxn>
+              <a:cxn ang="0">
+                <a:pos x="connsiteX25" y="connsiteY25"/>
+              </a:cxn>
+              <a:cxn ang="0">
+                <a:pos x="connsiteX26" y="connsiteY26"/>
+              </a:cxn>
+              <a:cxn ang="0">
+                <a:pos x="connsiteX27" y="connsiteY27"/>
+              </a:cxn>
+              <a:cxn ang="0">
+                <a:pos x="connsiteX28" y="connsiteY28"/>
+              </a:cxn>
+              <a:cxn ang="0">
+                <a:pos x="connsiteX29" y="connsiteY29"/>
+              </a:cxn>
+              <a:cxn ang="0">
+                <a:pos x="connsiteX30" y="connsiteY30"/>
+              </a:cxn>
+              <a:cxn ang="0">
+                <a:pos x="connsiteX31" y="connsiteY31"/>
+              </a:cxn>
+              <a:cxn ang="0">
+                <a:pos x="connsiteX32" y="connsiteY32"/>
+              </a:cxn>
+              <a:cxn ang="0">
+                <a:pos x="connsiteX33" y="connsiteY33"/>
+              </a:cxn>
+              <a:cxn ang="0">
+                <a:pos x="connsiteX34" y="connsiteY34"/>
+              </a:cxn>
+              <a:cxn ang="0">
+                <a:pos x="connsiteX35" y="connsiteY35"/>
+              </a:cxn>
+              <a:cxn ang="0">
+                <a:pos x="connsiteX36" y="connsiteY36"/>
+              </a:cxn>
+              <a:cxn ang="0">
+                <a:pos x="connsiteX37" y="connsiteY37"/>
+              </a:cxn>
+              <a:cxn ang="0">
+                <a:pos x="connsiteX38" y="connsiteY38"/>
+              </a:cxn>
+              <a:cxn ang="0">
+                <a:pos x="connsiteX39" y="connsiteY39"/>
+              </a:cxn>
+              <a:cxn ang="0">
+                <a:pos x="connsiteX40" y="connsiteY40"/>
+              </a:cxn>
+              <a:cxn ang="0">
+                <a:pos x="connsiteX41" y="connsiteY41"/>
+              </a:cxn>
+              <a:cxn ang="0">
+                <a:pos x="connsiteX42" y="connsiteY42"/>
+              </a:cxn>
+              <a:cxn ang="0">
+                <a:pos x="connsiteX43" y="connsiteY43"/>
+              </a:cxn>
+              <a:cxn ang="0">
+                <a:pos x="connsiteX44" y="connsiteY44"/>
+              </a:cxn>
+              <a:cxn ang="0">
+                <a:pos x="connsiteX45" y="connsiteY45"/>
+              </a:cxn>
+              <a:cxn ang="0">
+                <a:pos x="connsiteX46" y="connsiteY46"/>
+              </a:cxn>
+              <a:cxn ang="0">
+                <a:pos x="connsiteX47" y="connsiteY47"/>
+              </a:cxn>
+              <a:cxn ang="0">
+                <a:pos x="connsiteX48" y="connsiteY48"/>
+              </a:cxn>
+            </a:cxnLst>
+            <a:rect l="l" t="t" r="r" b="b"/>
+            <a:pathLst>
+              <a:path w="3531636" h="3121089">
+                <a:moveTo>
+                  <a:pt x="0" y="3111759"/>
+                </a:moveTo>
+                <a:lnTo>
+                  <a:pt x="46653" y="2981130"/>
+                </a:lnTo>
+                <a:lnTo>
+                  <a:pt x="74645" y="2869163"/>
+                </a:lnTo>
+                <a:lnTo>
+                  <a:pt x="102636" y="2747865"/>
+                </a:lnTo>
+                <a:lnTo>
+                  <a:pt x="200608" y="2486608"/>
+                </a:lnTo>
+                <a:lnTo>
+                  <a:pt x="340567" y="2052734"/>
+                </a:lnTo>
+                <a:lnTo>
+                  <a:pt x="429208" y="1805473"/>
+                </a:lnTo>
+                <a:lnTo>
+                  <a:pt x="503853" y="1614196"/>
+                </a:lnTo>
+                <a:lnTo>
+                  <a:pt x="573832" y="1446244"/>
+                </a:lnTo>
+                <a:lnTo>
+                  <a:pt x="653142" y="1254967"/>
+                </a:lnTo>
+                <a:lnTo>
+                  <a:pt x="755779" y="1040363"/>
+                </a:lnTo>
+                <a:lnTo>
+                  <a:pt x="825759" y="881742"/>
+                </a:lnTo>
+                <a:lnTo>
+                  <a:pt x="895738" y="779106"/>
+                </a:lnTo>
+                <a:lnTo>
+                  <a:pt x="937726" y="690465"/>
+                </a:lnTo>
+                <a:lnTo>
+                  <a:pt x="1003040" y="601824"/>
+                </a:lnTo>
+                <a:lnTo>
+                  <a:pt x="1059024" y="499187"/>
+                </a:lnTo>
+                <a:lnTo>
+                  <a:pt x="1119673" y="433873"/>
+                </a:lnTo>
+                <a:lnTo>
+                  <a:pt x="1175657" y="354563"/>
+                </a:lnTo>
+                <a:lnTo>
+                  <a:pt x="1240971" y="284583"/>
+                </a:lnTo>
+                <a:lnTo>
+                  <a:pt x="1296955" y="223934"/>
+                </a:lnTo>
+                <a:lnTo>
+                  <a:pt x="1385596" y="158620"/>
+                </a:lnTo>
+                <a:lnTo>
+                  <a:pt x="1474236" y="88640"/>
+                </a:lnTo>
+                <a:lnTo>
+                  <a:pt x="1558212" y="46653"/>
+                </a:lnTo>
+                <a:lnTo>
+                  <a:pt x="1642187" y="13996"/>
+                </a:lnTo>
+                <a:lnTo>
+                  <a:pt x="1726163" y="0"/>
+                </a:lnTo>
+                <a:lnTo>
+                  <a:pt x="1819469" y="4665"/>
+                </a:lnTo>
+                <a:lnTo>
+                  <a:pt x="1903445" y="23326"/>
+                </a:lnTo>
+                <a:lnTo>
+                  <a:pt x="2029408" y="74644"/>
+                </a:lnTo>
+                <a:lnTo>
+                  <a:pt x="2132045" y="144624"/>
+                </a:lnTo>
+                <a:lnTo>
+                  <a:pt x="2220685" y="214604"/>
+                </a:lnTo>
+                <a:lnTo>
+                  <a:pt x="2267338" y="261257"/>
+                </a:lnTo>
+                <a:lnTo>
+                  <a:pt x="2327987" y="321906"/>
+                </a:lnTo>
+                <a:lnTo>
+                  <a:pt x="2388636" y="387220"/>
+                </a:lnTo>
+                <a:lnTo>
+                  <a:pt x="2458616" y="471196"/>
+                </a:lnTo>
+                <a:lnTo>
+                  <a:pt x="2547257" y="620485"/>
+                </a:lnTo>
+                <a:lnTo>
+                  <a:pt x="2626567" y="760444"/>
+                </a:lnTo>
+                <a:lnTo>
+                  <a:pt x="2738534" y="942391"/>
+                </a:lnTo>
+                <a:lnTo>
+                  <a:pt x="2864498" y="1212979"/>
+                </a:lnTo>
+                <a:lnTo>
+                  <a:pt x="2957804" y="1413587"/>
+                </a:lnTo>
+                <a:lnTo>
+                  <a:pt x="3032449" y="1600200"/>
+                </a:lnTo>
+                <a:lnTo>
+                  <a:pt x="3135085" y="1880118"/>
+                </a:lnTo>
+                <a:lnTo>
+                  <a:pt x="3214396" y="2094722"/>
+                </a:lnTo>
+                <a:lnTo>
+                  <a:pt x="3279710" y="2299996"/>
+                </a:lnTo>
+                <a:lnTo>
+                  <a:pt x="3345024" y="2486608"/>
+                </a:lnTo>
+                <a:lnTo>
+                  <a:pt x="3405673" y="2687216"/>
+                </a:lnTo>
+                <a:lnTo>
+                  <a:pt x="3456991" y="2850502"/>
+                </a:lnTo>
+                <a:lnTo>
+                  <a:pt x="3508310" y="3037114"/>
+                </a:lnTo>
+                <a:lnTo>
+                  <a:pt x="3531636" y="3121089"/>
+                </a:lnTo>
+                <a:lnTo>
+                  <a:pt x="0" y="3111759"/>
+                </a:lnTo>
+                <a:close/>
+              </a:path>
+            </a:pathLst>
+          </a:custGeom>
+          <a:solidFill>
+            <a:schemeClr val="bg1">
+              <a:lumMod val="75000"/>
+            </a:schemeClr>
+          </a:solidFill>
+          <a:ln w="9525">
+            <a:solidFill>
+              <a:schemeClr val="tx1"/>
+            </a:solidFill>
+          </a:ln>
+        </p:spPr>
+        <p:style>
+          <a:lnRef idx="2">
+            <a:schemeClr val="accent1">
+              <a:shade val="50000"/>
+            </a:schemeClr>
+          </a:lnRef>
+          <a:fillRef idx="1">
+            <a:schemeClr val="accent1"/>
+          </a:fillRef>
+          <a:effectRef idx="0">
+            <a:schemeClr val="accent1"/>
+          </a:effectRef>
+          <a:fontRef idx="minor">
+            <a:schemeClr val="lt1"/>
+          </a:fontRef>
+        </p:style>
+        <p:txBody>
+          <a:bodyPr/>
+          <a:lstStyle>
+            <a:lvl1pPr marL="0" indent="0">
+              <a:defRPr sz="1100">
+                <a:solidFill>
+                  <a:schemeClr val="lt1"/>
+                </a:solidFill>
+                <a:latin typeface="+mn-lt"/>
+                <a:ea typeface="+mn-ea"/>
+                <a:cs typeface="+mn-cs"/>
+              </a:defRPr>
+            </a:lvl1pPr>
+            <a:lvl2pPr marL="457200" indent="0">
+              <a:defRPr sz="1100">
+                <a:solidFill>
+                  <a:schemeClr val="lt1"/>
+                </a:solidFill>
+                <a:latin typeface="+mn-lt"/>
+                <a:ea typeface="+mn-ea"/>
+                <a:cs typeface="+mn-cs"/>
+              </a:defRPr>
+            </a:lvl2pPr>
+            <a:lvl3pPr marL="914400" indent="0">
+              <a:defRPr sz="1100">
+                <a:solidFill>
+                  <a:schemeClr val="lt1"/>
+                </a:solidFill>
+                <a:latin typeface="+mn-lt"/>
+                <a:ea typeface="+mn-ea"/>
+                <a:cs typeface="+mn-cs"/>
+              </a:defRPr>
+            </a:lvl3pPr>
+            <a:lvl4pPr marL="1371600" indent="0">
+              <a:defRPr sz="1100">
+                <a:solidFill>
+                  <a:schemeClr val="lt1"/>
+                </a:solidFill>
+                <a:latin typeface="+mn-lt"/>
+                <a:ea typeface="+mn-ea"/>
+                <a:cs typeface="+mn-cs"/>
+              </a:defRPr>
+            </a:lvl4pPr>
+            <a:lvl5pPr marL="1828800" indent="0">
+              <a:defRPr sz="1100">
+                <a:solidFill>
+                  <a:schemeClr val="lt1"/>
+                </a:solidFill>
+                <a:latin typeface="+mn-lt"/>
+                <a:ea typeface="+mn-ea"/>
+                <a:cs typeface="+mn-cs"/>
+              </a:defRPr>
+            </a:lvl5pPr>
+            <a:lvl6pPr marL="2286000" indent="0">
+              <a:defRPr sz="1100">
+                <a:solidFill>
+                  <a:schemeClr val="lt1"/>
+                </a:solidFill>
+                <a:latin typeface="+mn-lt"/>
+                <a:ea typeface="+mn-ea"/>
+                <a:cs typeface="+mn-cs"/>
+              </a:defRPr>
+            </a:lvl6pPr>
+            <a:lvl7pPr marL="2743200" indent="0">
+              <a:defRPr sz="1100">
+                <a:solidFill>
+                  <a:schemeClr val="lt1"/>
+                </a:solidFill>
+                <a:latin typeface="+mn-lt"/>
+                <a:ea typeface="+mn-ea"/>
+                <a:cs typeface="+mn-cs"/>
+              </a:defRPr>
+            </a:lvl7pPr>
+            <a:lvl8pPr marL="3200400" indent="0">
+              <a:defRPr sz="1100">
+                <a:solidFill>
+                  <a:schemeClr val="lt1"/>
+                </a:solidFill>
+                <a:latin typeface="+mn-lt"/>
+                <a:ea typeface="+mn-ea"/>
+                <a:cs typeface="+mn-cs"/>
+              </a:defRPr>
+            </a:lvl8pPr>
+            <a:lvl9pPr marL="3657600" indent="0">
+              <a:defRPr sz="1100">
+                <a:solidFill>
+                  <a:schemeClr val="lt1"/>
+                </a:solidFill>
+                <a:latin typeface="+mn-lt"/>
+                <a:ea typeface="+mn-ea"/>
+                <a:cs typeface="+mn-cs"/>
+              </a:defRPr>
+            </a:lvl9pPr>
+          </a:lstStyle>
+          <a:p>
+            <a:endParaRPr lang="en-US"/>
+          </a:p>
+        </p:txBody>
+      </p:sp>
+      <p:cxnSp>
+        <p:nvCxnSpPr>
+          <p:cNvPr id="3" name="Straight Arrow Connector 2"/>
+          <p:cNvCxnSpPr>
+            <a:cxnSpLocks/>
+          </p:cNvCxnSpPr>
+          <p:nvPr/>
+        </p:nvCxnSpPr>
+        <p:spPr>
+          <a:xfrm flipV="1">
+            <a:off x="4184496" y="1752600"/>
+            <a:ext cx="0" cy="2811472"/>
+          </a:xfrm>
+          <a:prstGeom prst="straightConnector1">
+            <a:avLst/>
+          </a:prstGeom>
+          <a:ln>
+            <a:tailEnd type="arrow"/>
+          </a:ln>
+        </p:spPr>
+        <p:style>
+          <a:lnRef idx="3">
+            <a:schemeClr val="dk1"/>
+          </a:lnRef>
+          <a:fillRef idx="0">
+            <a:schemeClr val="dk1"/>
+          </a:fillRef>
+          <a:effectRef idx="2">
+            <a:schemeClr val="dk1"/>
+          </a:effectRef>
+          <a:fontRef idx="minor">
+            <a:schemeClr val="tx1"/>
+          </a:fontRef>
+        </p:style>
+      </p:cxnSp>
+      <p:cxnSp>
+        <p:nvCxnSpPr>
+          <p:cNvPr id="4" name="Straight Arrow Connector 3"/>
+          <p:cNvCxnSpPr/>
+          <p:nvPr/>
+        </p:nvCxnSpPr>
+        <p:spPr>
+          <a:xfrm>
+            <a:off x="4191423" y="4564072"/>
+            <a:ext cx="2888673" cy="0"/>
+          </a:xfrm>
+          <a:prstGeom prst="straightConnector1">
+            <a:avLst/>
+          </a:prstGeom>
+          <a:ln>
+            <a:tailEnd type="arrow"/>
+          </a:ln>
+        </p:spPr>
+        <p:style>
+          <a:lnRef idx="3">
+            <a:schemeClr val="dk1"/>
+          </a:lnRef>
+          <a:fillRef idx="0">
+            <a:schemeClr val="dk1"/>
+          </a:fillRef>
+          <a:effectRef idx="2">
+            <a:schemeClr val="dk1"/>
+          </a:effectRef>
+          <a:fontRef idx="minor">
+            <a:schemeClr val="tx1"/>
+          </a:fontRef>
+        </p:style>
+      </p:cxnSp>
+      <p:sp>
+        <p:nvSpPr>
+          <p:cNvPr id="5" name="TextBox 4"/>
+          <p:cNvSpPr txBox="1"/>
+          <p:nvPr/>
+        </p:nvSpPr>
+        <p:spPr>
+          <a:xfrm>
+            <a:off x="7080096" y="4387334"/>
+            <a:ext cx="365806" cy="369332"/>
+          </a:xfrm>
+          <a:prstGeom prst="rect">
+            <a:avLst/>
+          </a:prstGeom>
+          <a:noFill/>
+        </p:spPr>
+        <p:txBody>
+          <a:bodyPr wrap="none" rtlCol="0">
+            <a:spAutoFit/>
+          </a:bodyPr>
+          <a:lstStyle/>
+          <a:p>
+            <a:r>
+              <a:rPr lang="en-US" b="1" dirty="0"/>
+              <a:t>X’</a:t>
+            </a:r>
+          </a:p>
+        </p:txBody>
+      </p:sp>
+      <p:sp>
+        <p:nvSpPr>
+          <p:cNvPr id="6" name="TextBox 5"/>
+          <p:cNvSpPr txBox="1"/>
+          <p:nvPr/>
+        </p:nvSpPr>
+        <p:spPr>
+          <a:xfrm>
+            <a:off x="4285490" y="1492512"/>
+            <a:ext cx="304892" cy="369332"/>
+          </a:xfrm>
+          <a:prstGeom prst="rect">
+            <a:avLst/>
+          </a:prstGeom>
+          <a:noFill/>
+        </p:spPr>
+        <p:txBody>
+          <a:bodyPr wrap="none" rtlCol="0">
+            <a:spAutoFit/>
+          </a:bodyPr>
+          <a:lstStyle/>
+          <a:p>
+            <a:r>
+              <a:rPr lang="en-US" b="1" dirty="0"/>
+              <a:t>Y</a:t>
+            </a:r>
+          </a:p>
+        </p:txBody>
+      </p:sp>
+      <p:sp>
+        <p:nvSpPr>
+          <p:cNvPr id="7" name="Oval 6"/>
+          <p:cNvSpPr/>
+          <p:nvPr/>
+        </p:nvSpPr>
+        <p:spPr>
+          <a:xfrm>
+            <a:off x="4099983" y="3886200"/>
+            <a:ext cx="182880" cy="182880"/>
+          </a:xfrm>
+          <a:prstGeom prst="ellipse">
+            <a:avLst/>
+          </a:prstGeom>
+        </p:spPr>
+        <p:style>
+          <a:lnRef idx="2">
+            <a:schemeClr val="dk1">
+              <a:shade val="50000"/>
+            </a:schemeClr>
+          </a:lnRef>
+          <a:fillRef idx="1">
+            <a:schemeClr val="dk1"/>
+          </a:fillRef>
+          <a:effectRef idx="0">
+            <a:schemeClr val="dk1"/>
+          </a:effectRef>
+          <a:fontRef idx="minor">
+            <a:schemeClr val="lt1"/>
+          </a:fontRef>
+        </p:style>
+        <p:txBody>
+          <a:bodyPr rtlCol="0" anchor="ctr"/>
+          <a:lstStyle/>
+          <a:p>
+            <a:pPr algn="ctr"/>
+            <a:endParaRPr lang="en-US"/>
+          </a:p>
+        </p:txBody>
+      </p:sp>
+      <mc:AlternateContent xmlns:mc="http://schemas.openxmlformats.org/markup-compatibility/2006">
+        <mc:Choice xmlns:a14="http://schemas.microsoft.com/office/drawing/2010/main" Requires="a14">
+          <p:sp>
+            <p:nvSpPr>
+              <p:cNvPr id="31" name="TextBox 30"/>
+              <p:cNvSpPr txBox="1"/>
+              <p:nvPr/>
+            </p:nvSpPr>
+            <p:spPr>
+              <a:xfrm>
+                <a:off x="4860336" y="5213817"/>
+                <a:ext cx="432618" cy="461665"/>
+              </a:xfrm>
+              <a:prstGeom prst="rect">
+                <a:avLst/>
+              </a:prstGeom>
+              <a:noFill/>
+            </p:spPr>
+            <p:txBody>
+              <a:bodyPr wrap="none" rtlCol="0">
+                <a:spAutoFit/>
+              </a:bodyPr>
+              <a:lstStyle/>
+              <a:p>
+                <a:pPr/>
+                <a14:m>
+                  <m:oMathPara xmlns:m="http://schemas.openxmlformats.org/officeDocument/2006/math">
+                    <m:oMathParaPr>
+                      <m:jc m:val="centerGroup"/>
+                    </m:oMathParaPr>
+                    <m:oMath xmlns:m="http://schemas.openxmlformats.org/officeDocument/2006/math">
+                      <m:r>
+                        <a:rPr lang="en-CA" sz="2400" b="0" i="1" smtClean="0">
+                          <a:solidFill>
+                            <a:schemeClr val="accent1"/>
+                          </a:solidFill>
+                          <a:latin typeface="Cambria Math" panose="02040503050406030204" pitchFamily="18" charset="0"/>
+                        </a:rPr>
+                        <m:t>𝑏</m:t>
+                      </m:r>
+                    </m:oMath>
+                  </m:oMathPara>
+                </a14:m>
+                <a:endParaRPr lang="en-US" sz="2400" dirty="0">
+                  <a:solidFill>
+                    <a:schemeClr val="accent1"/>
+                  </a:solidFill>
+                </a:endParaRPr>
+              </a:p>
+            </p:txBody>
+          </p:sp>
+        </mc:Choice>
+        <mc:Fallback>
+          <p:sp>
+            <p:nvSpPr>
+              <p:cNvPr id="31" name="TextBox 30"/>
+              <p:cNvSpPr txBox="1">
+                <a:spLocks noRot="1" noChangeAspect="1" noMove="1" noResize="1" noEditPoints="1" noAdjustHandles="1" noChangeArrowheads="1" noChangeShapeType="1" noTextEdit="1"/>
+              </p:cNvSpPr>
+              <p:nvPr/>
+            </p:nvSpPr>
+            <p:spPr>
+              <a:xfrm>
+                <a:off x="4860336" y="5213817"/>
+                <a:ext cx="432618" cy="461665"/>
+              </a:xfrm>
+              <a:prstGeom prst="rect">
+                <a:avLst/>
+              </a:prstGeom>
+              <a:blipFill>
+                <a:blip r:embed="rId2"/>
+                <a:stretch>
+                  <a:fillRect/>
+                </a:stretch>
+              </a:blipFill>
+            </p:spPr>
+            <p:txBody>
+              <a:bodyPr/>
+              <a:lstStyle/>
+              <a:p>
+                <a:r>
+                  <a:rPr lang="en-US">
+                    <a:noFill/>
+                  </a:rPr>
+                  <a:t> </a:t>
+                </a:r>
+              </a:p>
+            </p:txBody>
+          </p:sp>
+        </mc:Fallback>
+      </mc:AlternateContent>
+      <mc:AlternateContent xmlns:mc="http://schemas.openxmlformats.org/markup-compatibility/2006">
+        <mc:Choice xmlns:a14="http://schemas.microsoft.com/office/drawing/2010/main" Requires="a14">
+          <p:sp>
+            <p:nvSpPr>
+              <p:cNvPr id="21" name="TextBox 20"/>
+              <p:cNvSpPr txBox="1"/>
+              <p:nvPr/>
+            </p:nvSpPr>
+            <p:spPr>
+              <a:xfrm>
+                <a:off x="6802178" y="3236883"/>
+                <a:ext cx="432619" cy="461665"/>
+              </a:xfrm>
+              <a:prstGeom prst="rect">
+                <a:avLst/>
+              </a:prstGeom>
+              <a:solidFill>
+                <a:schemeClr val="bg1"/>
+              </a:solidFill>
+            </p:spPr>
+            <p:txBody>
+              <a:bodyPr wrap="none" rtlCol="0">
+                <a:spAutoFit/>
+              </a:bodyPr>
+              <a:lstStyle/>
+              <a:p>
+                <a:pPr/>
+                <a14:m>
+                  <m:oMathPara xmlns:m="http://schemas.openxmlformats.org/officeDocument/2006/math">
+                    <m:oMathParaPr>
+                      <m:jc m:val="centerGroup"/>
+                    </m:oMathParaPr>
+                    <m:oMath xmlns:m="http://schemas.openxmlformats.org/officeDocument/2006/math">
+                      <m:r>
+                        <a:rPr lang="en-CA" sz="2400" b="0" i="1" smtClean="0">
+                          <a:solidFill>
+                            <a:schemeClr val="accent1"/>
+                          </a:solidFill>
+                          <a:latin typeface="Cambria Math" panose="02040503050406030204" pitchFamily="18" charset="0"/>
+                        </a:rPr>
+                        <m:t>𝑎</m:t>
+                      </m:r>
+                    </m:oMath>
+                  </m:oMathPara>
+                </a14:m>
+                <a:endParaRPr lang="en-US" sz="2400" dirty="0">
+                  <a:solidFill>
+                    <a:schemeClr val="accent1"/>
+                  </a:solidFill>
+                </a:endParaRPr>
+              </a:p>
+            </p:txBody>
+          </p:sp>
+        </mc:Choice>
+        <mc:Fallback>
+          <p:sp>
+            <p:nvSpPr>
+              <p:cNvPr id="21" name="TextBox 20"/>
+              <p:cNvSpPr txBox="1">
+                <a:spLocks noRot="1" noChangeAspect="1" noMove="1" noResize="1" noEditPoints="1" noAdjustHandles="1" noChangeArrowheads="1" noChangeShapeType="1" noTextEdit="1"/>
+              </p:cNvSpPr>
+              <p:nvPr/>
+            </p:nvSpPr>
+            <p:spPr>
+              <a:xfrm>
+                <a:off x="6802178" y="3236883"/>
+                <a:ext cx="432619" cy="461665"/>
+              </a:xfrm>
+              <a:prstGeom prst="rect">
+                <a:avLst/>
+              </a:prstGeom>
+              <a:blipFill>
+                <a:blip r:embed="rId3"/>
+                <a:stretch>
+                  <a:fillRect/>
+                </a:stretch>
+              </a:blipFill>
+            </p:spPr>
+            <p:txBody>
+              <a:bodyPr/>
+              <a:lstStyle/>
+              <a:p>
+                <a:r>
+                  <a:rPr lang="en-US">
+                    <a:noFill/>
+                  </a:rPr>
+                  <a:t> </a:t>
+                </a:r>
+              </a:p>
+            </p:txBody>
+          </p:sp>
+        </mc:Fallback>
+      </mc:AlternateContent>
+      <p:cxnSp>
+        <p:nvCxnSpPr>
+          <p:cNvPr id="15" name="Straight Arrow Connector 14"/>
+          <p:cNvCxnSpPr/>
+          <p:nvPr/>
+        </p:nvCxnSpPr>
+        <p:spPr>
+          <a:xfrm flipV="1">
+            <a:off x="4282863" y="3971514"/>
+            <a:ext cx="2133131" cy="0"/>
+          </a:xfrm>
+          <a:prstGeom prst="straightConnector1">
+            <a:avLst/>
+          </a:prstGeom>
+          <a:ln w="28575">
+            <a:tailEnd type="arrow"/>
+          </a:ln>
+        </p:spPr>
+        <p:style>
+          <a:lnRef idx="3">
+            <a:schemeClr val="dk1"/>
+          </a:lnRef>
+          <a:fillRef idx="0">
+            <a:schemeClr val="dk1"/>
+          </a:fillRef>
+          <a:effectRef idx="2">
+            <a:schemeClr val="dk1"/>
+          </a:effectRef>
+          <a:fontRef idx="minor">
+            <a:schemeClr val="tx1"/>
+          </a:fontRef>
+        </p:style>
+      </p:cxnSp>
+      <p:sp>
+        <p:nvSpPr>
+          <p:cNvPr id="16" name="TextBox 15"/>
+          <p:cNvSpPr txBox="1"/>
+          <p:nvPr/>
+        </p:nvSpPr>
+        <p:spPr>
+          <a:xfrm>
+            <a:off x="6415994" y="3786848"/>
+            <a:ext cx="311304" cy="369332"/>
+          </a:xfrm>
+          <a:prstGeom prst="rect">
+            <a:avLst/>
+          </a:prstGeom>
+          <a:noFill/>
+          <a:ln w="28575">
+            <a:noFill/>
+          </a:ln>
+        </p:spPr>
+        <p:txBody>
+          <a:bodyPr wrap="none" rtlCol="0">
+            <a:spAutoFit/>
+          </a:bodyPr>
+          <a:lstStyle/>
+          <a:p>
+            <a:r>
+              <a:rPr lang="en-US" b="1" dirty="0"/>
+              <a:t>X</a:t>
+            </a:r>
+          </a:p>
+        </p:txBody>
+      </p:sp>
+      <p:sp>
+        <p:nvSpPr>
+          <p:cNvPr id="23" name="TextBox 22">
+            <a:extLst>
+              <a:ext uri="{FF2B5EF4-FFF2-40B4-BE49-F238E27FC236}">
+                <a16:creationId xmlns:a16="http://schemas.microsoft.com/office/drawing/2014/main" id="{34ADE92C-BDDA-4988-83AA-3A7E1694D66B}"/>
+              </a:ext>
+            </a:extLst>
+          </p:cNvPr>
+          <p:cNvSpPr txBox="1"/>
+          <p:nvPr/>
+        </p:nvSpPr>
+        <p:spPr>
+          <a:xfrm>
+            <a:off x="3816552" y="3548041"/>
+            <a:ext cx="308098" cy="369332"/>
+          </a:xfrm>
+          <a:prstGeom prst="rect">
+            <a:avLst/>
+          </a:prstGeom>
+          <a:noFill/>
+        </p:spPr>
+        <p:txBody>
+          <a:bodyPr wrap="none" rtlCol="0">
+            <a:spAutoFit/>
+          </a:bodyPr>
+          <a:lstStyle/>
+          <a:p>
+            <a:r>
+              <a:rPr lang="en-US" dirty="0"/>
+              <a:t>C</a:t>
+            </a:r>
+          </a:p>
+        </p:txBody>
+      </p:sp>
+      <p:grpSp>
+        <p:nvGrpSpPr>
+          <p:cNvPr id="22" name="Group 21">
+            <a:extLst>
+              <a:ext uri="{FF2B5EF4-FFF2-40B4-BE49-F238E27FC236}">
+                <a16:creationId xmlns:a16="http://schemas.microsoft.com/office/drawing/2014/main" id="{EF920486-4A84-3E42-A607-402422CE86A4}"/>
+              </a:ext>
+            </a:extLst>
+          </p:cNvPr>
+          <p:cNvGrpSpPr/>
+          <p:nvPr/>
+        </p:nvGrpSpPr>
+        <p:grpSpPr>
+          <a:xfrm rot="16200000" flipV="1">
+            <a:off x="4740060" y="4155233"/>
+            <a:ext cx="661617" cy="1758891"/>
+            <a:chOff x="3730335" y="4145973"/>
+            <a:chExt cx="994069" cy="578428"/>
+          </a:xfrm>
+        </p:grpSpPr>
+        <p:cxnSp>
+          <p:nvCxnSpPr>
+            <p:cNvPr id="24" name="Straight Connector 23">
+              <a:extLst>
+                <a:ext uri="{FF2B5EF4-FFF2-40B4-BE49-F238E27FC236}">
+                  <a16:creationId xmlns:a16="http://schemas.microsoft.com/office/drawing/2014/main" id="{7B8F09C2-17D6-C94A-ACB1-DC295CAA136B}"/>
+                </a:ext>
+              </a:extLst>
+            </p:cNvPr>
+            <p:cNvCxnSpPr>
+              <a:cxnSpLocks/>
+            </p:cNvCxnSpPr>
+            <p:nvPr/>
+          </p:nvCxnSpPr>
+          <p:spPr>
+            <a:xfrm rot="16200000" flipV="1">
+              <a:off x="4227370" y="4227367"/>
+              <a:ext cx="0" cy="994068"/>
+            </a:xfrm>
+            <a:prstGeom prst="line">
+              <a:avLst/>
+            </a:prstGeom>
+          </p:spPr>
+          <p:style>
+            <a:lnRef idx="1">
+              <a:schemeClr val="accent1"/>
+            </a:lnRef>
+            <a:fillRef idx="0">
+              <a:schemeClr val="accent1"/>
+            </a:fillRef>
+            <a:effectRef idx="0">
+              <a:schemeClr val="accent1"/>
+            </a:effectRef>
+            <a:fontRef idx="minor">
+              <a:schemeClr val="tx1"/>
+            </a:fontRef>
+          </p:style>
+        </p:cxnSp>
+        <p:cxnSp>
+          <p:nvCxnSpPr>
+            <p:cNvPr id="25" name="Straight Connector 24">
+              <a:extLst>
+                <a:ext uri="{FF2B5EF4-FFF2-40B4-BE49-F238E27FC236}">
+                  <a16:creationId xmlns:a16="http://schemas.microsoft.com/office/drawing/2014/main" id="{108942C3-DB8D-4140-8A78-0ECEB2A8AB65}"/>
+                </a:ext>
+              </a:extLst>
+            </p:cNvPr>
+            <p:cNvCxnSpPr/>
+            <p:nvPr/>
+          </p:nvCxnSpPr>
+          <p:spPr>
+            <a:xfrm flipH="1">
+              <a:off x="3730335" y="4145973"/>
+              <a:ext cx="994066" cy="0"/>
+            </a:xfrm>
+            <a:prstGeom prst="line">
+              <a:avLst/>
+            </a:prstGeom>
+          </p:spPr>
+          <p:style>
+            <a:lnRef idx="1">
+              <a:schemeClr val="accent1"/>
+            </a:lnRef>
+            <a:fillRef idx="0">
+              <a:schemeClr val="accent1"/>
+            </a:fillRef>
+            <a:effectRef idx="0">
+              <a:schemeClr val="accent1"/>
+            </a:effectRef>
+            <a:fontRef idx="minor">
+              <a:schemeClr val="tx1"/>
+            </a:fontRef>
+          </p:style>
+        </p:cxnSp>
+        <p:cxnSp>
+          <p:nvCxnSpPr>
+            <p:cNvPr id="26" name="Straight Connector 25">
+              <a:extLst>
+                <a:ext uri="{FF2B5EF4-FFF2-40B4-BE49-F238E27FC236}">
+                  <a16:creationId xmlns:a16="http://schemas.microsoft.com/office/drawing/2014/main" id="{DF9881D5-5C29-3541-A840-8F993123CFF2}"/>
+                </a:ext>
+              </a:extLst>
+            </p:cNvPr>
+            <p:cNvCxnSpPr/>
+            <p:nvPr/>
+          </p:nvCxnSpPr>
+          <p:spPr>
+            <a:xfrm flipV="1">
+              <a:off x="3965863" y="4145973"/>
+              <a:ext cx="0" cy="578428"/>
+            </a:xfrm>
+            <a:prstGeom prst="line">
+              <a:avLst/>
+            </a:prstGeom>
+            <a:ln>
+              <a:headEnd type="stealth"/>
+              <a:tailEnd type="stealth"/>
+            </a:ln>
+          </p:spPr>
+          <p:style>
+            <a:lnRef idx="1">
+              <a:schemeClr val="accent1"/>
+            </a:lnRef>
+            <a:fillRef idx="0">
+              <a:schemeClr val="accent1"/>
+            </a:fillRef>
+            <a:effectRef idx="0">
+              <a:schemeClr val="accent1"/>
+            </a:effectRef>
+            <a:fontRef idx="minor">
+              <a:schemeClr val="tx1"/>
+            </a:fontRef>
+          </p:style>
+        </p:cxnSp>
+      </p:grpSp>
+      <p:grpSp>
+        <p:nvGrpSpPr>
+          <p:cNvPr id="27" name="Group 26">
+            <a:extLst>
+              <a:ext uri="{FF2B5EF4-FFF2-40B4-BE49-F238E27FC236}">
+                <a16:creationId xmlns:a16="http://schemas.microsoft.com/office/drawing/2014/main" id="{6DF704AA-73BD-8F4A-B604-75EAA7A6454B}"/>
+              </a:ext>
+            </a:extLst>
+          </p:cNvPr>
+          <p:cNvGrpSpPr/>
+          <p:nvPr/>
+        </p:nvGrpSpPr>
+        <p:grpSpPr>
+          <a:xfrm flipH="1" flipV="1">
+            <a:off x="5034490" y="2054424"/>
+            <a:ext cx="1831835" cy="2517569"/>
+            <a:chOff x="3730335" y="4145973"/>
+            <a:chExt cx="3412313" cy="578428"/>
+          </a:xfrm>
+        </p:grpSpPr>
+        <p:cxnSp>
+          <p:nvCxnSpPr>
+            <p:cNvPr id="29" name="Straight Connector 28">
+              <a:extLst>
+                <a:ext uri="{FF2B5EF4-FFF2-40B4-BE49-F238E27FC236}">
+                  <a16:creationId xmlns:a16="http://schemas.microsoft.com/office/drawing/2014/main" id="{A5E7F1E4-2EC5-A54E-9FF7-345BFED73964}"/>
+                </a:ext>
+              </a:extLst>
+            </p:cNvPr>
+            <p:cNvCxnSpPr>
+              <a:cxnSpLocks/>
+            </p:cNvCxnSpPr>
+            <p:nvPr/>
+          </p:nvCxnSpPr>
+          <p:spPr>
+            <a:xfrm flipH="1" flipV="1">
+              <a:off x="3730337" y="4724401"/>
+              <a:ext cx="3412311" cy="0"/>
+            </a:xfrm>
+            <a:prstGeom prst="line">
+              <a:avLst/>
+            </a:prstGeom>
+          </p:spPr>
+          <p:style>
+            <a:lnRef idx="1">
+              <a:schemeClr val="accent1"/>
+            </a:lnRef>
+            <a:fillRef idx="0">
+              <a:schemeClr val="accent1"/>
+            </a:fillRef>
+            <a:effectRef idx="0">
+              <a:schemeClr val="accent1"/>
+            </a:effectRef>
+            <a:fontRef idx="minor">
+              <a:schemeClr val="tx1"/>
+            </a:fontRef>
+          </p:style>
+        </p:cxnSp>
+        <p:cxnSp>
+          <p:nvCxnSpPr>
+            <p:cNvPr id="30" name="Straight Connector 29">
+              <a:extLst>
+                <a:ext uri="{FF2B5EF4-FFF2-40B4-BE49-F238E27FC236}">
+                  <a16:creationId xmlns:a16="http://schemas.microsoft.com/office/drawing/2014/main" id="{99D8A0A8-F469-4041-B700-9672CC9818F0}"/>
+                </a:ext>
+              </a:extLst>
+            </p:cNvPr>
+            <p:cNvCxnSpPr/>
+            <p:nvPr/>
+          </p:nvCxnSpPr>
+          <p:spPr>
+            <a:xfrm flipH="1">
+              <a:off x="3730335" y="4145973"/>
+              <a:ext cx="994066" cy="0"/>
+            </a:xfrm>
+            <a:prstGeom prst="line">
+              <a:avLst/>
+            </a:prstGeom>
+          </p:spPr>
+          <p:style>
+            <a:lnRef idx="1">
+              <a:schemeClr val="accent1"/>
+            </a:lnRef>
+            <a:fillRef idx="0">
+              <a:schemeClr val="accent1"/>
+            </a:fillRef>
+            <a:effectRef idx="0">
+              <a:schemeClr val="accent1"/>
+            </a:effectRef>
+            <a:fontRef idx="minor">
+              <a:schemeClr val="tx1"/>
+            </a:fontRef>
+          </p:style>
+        </p:cxnSp>
+        <p:cxnSp>
+          <p:nvCxnSpPr>
+            <p:cNvPr id="32" name="Straight Connector 31">
+              <a:extLst>
+                <a:ext uri="{FF2B5EF4-FFF2-40B4-BE49-F238E27FC236}">
+                  <a16:creationId xmlns:a16="http://schemas.microsoft.com/office/drawing/2014/main" id="{F2E62AE7-D4EB-4841-A7FE-4F58C44FA7F7}"/>
+                </a:ext>
+              </a:extLst>
+            </p:cNvPr>
+            <p:cNvCxnSpPr/>
+            <p:nvPr/>
+          </p:nvCxnSpPr>
+          <p:spPr>
+            <a:xfrm flipV="1">
+              <a:off x="3965863" y="4145973"/>
+              <a:ext cx="0" cy="578428"/>
+            </a:xfrm>
+            <a:prstGeom prst="line">
+              <a:avLst/>
+            </a:prstGeom>
+            <a:ln>
+              <a:headEnd type="stealth"/>
+              <a:tailEnd type="stealth"/>
+            </a:ln>
+          </p:spPr>
+          <p:style>
+            <a:lnRef idx="1">
+              <a:schemeClr val="accent1"/>
+            </a:lnRef>
+            <a:fillRef idx="0">
+              <a:schemeClr val="accent1"/>
+            </a:fillRef>
+            <a:effectRef idx="0">
+              <a:schemeClr val="accent1"/>
+            </a:effectRef>
+            <a:fontRef idx="minor">
+              <a:schemeClr val="tx1"/>
+            </a:fontRef>
+          </p:style>
+        </p:cxnSp>
+      </p:grpSp>
+      <p:grpSp>
+        <p:nvGrpSpPr>
+          <p:cNvPr id="33" name="Group 32">
+            <a:extLst>
+              <a:ext uri="{FF2B5EF4-FFF2-40B4-BE49-F238E27FC236}">
+                <a16:creationId xmlns:a16="http://schemas.microsoft.com/office/drawing/2014/main" id="{3E6B0F80-C12E-7447-A679-EEE646797FA6}"/>
+              </a:ext>
+            </a:extLst>
+          </p:cNvPr>
+          <p:cNvGrpSpPr/>
+          <p:nvPr/>
+        </p:nvGrpSpPr>
+        <p:grpSpPr>
+          <a:xfrm flipV="1">
+            <a:off x="1576950" y="3971513"/>
+            <a:ext cx="2066153" cy="592558"/>
+            <a:chOff x="3730335" y="4145973"/>
+            <a:chExt cx="3412313" cy="578428"/>
+          </a:xfrm>
+        </p:grpSpPr>
+        <p:cxnSp>
+          <p:nvCxnSpPr>
+            <p:cNvPr id="34" name="Straight Connector 33">
+              <a:extLst>
+                <a:ext uri="{FF2B5EF4-FFF2-40B4-BE49-F238E27FC236}">
+                  <a16:creationId xmlns:a16="http://schemas.microsoft.com/office/drawing/2014/main" id="{306A34D3-6D5D-4A4A-93A5-E77346354921}"/>
+                </a:ext>
+              </a:extLst>
+            </p:cNvPr>
+            <p:cNvCxnSpPr>
+              <a:cxnSpLocks/>
+            </p:cNvCxnSpPr>
+            <p:nvPr/>
+          </p:nvCxnSpPr>
+          <p:spPr>
+            <a:xfrm flipH="1" flipV="1">
+              <a:off x="3730337" y="4724401"/>
+              <a:ext cx="3412311" cy="0"/>
+            </a:xfrm>
+            <a:prstGeom prst="line">
+              <a:avLst/>
+            </a:prstGeom>
+          </p:spPr>
+          <p:style>
+            <a:lnRef idx="1">
+              <a:schemeClr val="accent1"/>
+            </a:lnRef>
+            <a:fillRef idx="0">
+              <a:schemeClr val="accent1"/>
+            </a:fillRef>
+            <a:effectRef idx="0">
+              <a:schemeClr val="accent1"/>
+            </a:effectRef>
+            <a:fontRef idx="minor">
+              <a:schemeClr val="tx1"/>
+            </a:fontRef>
+          </p:style>
+        </p:cxnSp>
+        <p:cxnSp>
+          <p:nvCxnSpPr>
+            <p:cNvPr id="35" name="Straight Connector 34">
+              <a:extLst>
+                <a:ext uri="{FF2B5EF4-FFF2-40B4-BE49-F238E27FC236}">
+                  <a16:creationId xmlns:a16="http://schemas.microsoft.com/office/drawing/2014/main" id="{DE2917ED-3E93-8140-A1A3-81E95EFFCFD7}"/>
+                </a:ext>
+              </a:extLst>
+            </p:cNvPr>
+            <p:cNvCxnSpPr/>
+            <p:nvPr/>
+          </p:nvCxnSpPr>
+          <p:spPr>
+            <a:xfrm flipH="1">
+              <a:off x="3730335" y="4145973"/>
+              <a:ext cx="994066" cy="0"/>
+            </a:xfrm>
+            <a:prstGeom prst="line">
+              <a:avLst/>
+            </a:prstGeom>
+          </p:spPr>
+          <p:style>
+            <a:lnRef idx="1">
+              <a:schemeClr val="accent1"/>
+            </a:lnRef>
+            <a:fillRef idx="0">
+              <a:schemeClr val="accent1"/>
+            </a:fillRef>
+            <a:effectRef idx="0">
+              <a:schemeClr val="accent1"/>
+            </a:effectRef>
+            <a:fontRef idx="minor">
+              <a:schemeClr val="tx1"/>
+            </a:fontRef>
+          </p:style>
+        </p:cxnSp>
+        <p:cxnSp>
+          <p:nvCxnSpPr>
+            <p:cNvPr id="36" name="Straight Connector 35">
+              <a:extLst>
+                <a:ext uri="{FF2B5EF4-FFF2-40B4-BE49-F238E27FC236}">
+                  <a16:creationId xmlns:a16="http://schemas.microsoft.com/office/drawing/2014/main" id="{6E4124B2-67A0-C940-A2E9-F130DE00E63E}"/>
+                </a:ext>
+              </a:extLst>
+            </p:cNvPr>
+            <p:cNvCxnSpPr/>
+            <p:nvPr/>
+          </p:nvCxnSpPr>
+          <p:spPr>
+            <a:xfrm flipV="1">
+              <a:off x="3965863" y="4145973"/>
+              <a:ext cx="0" cy="578428"/>
+            </a:xfrm>
+            <a:prstGeom prst="line">
+              <a:avLst/>
+            </a:prstGeom>
+            <a:ln>
+              <a:headEnd type="stealth"/>
+              <a:tailEnd type="stealth"/>
+            </a:ln>
+          </p:spPr>
+          <p:style>
+            <a:lnRef idx="1">
+              <a:schemeClr val="accent1"/>
+            </a:lnRef>
+            <a:fillRef idx="0">
+              <a:schemeClr val="accent1"/>
+            </a:fillRef>
+            <a:effectRef idx="0">
+              <a:schemeClr val="accent1"/>
+            </a:effectRef>
+            <a:fontRef idx="minor">
+              <a:schemeClr val="tx1"/>
+            </a:fontRef>
+          </p:style>
+        </p:cxnSp>
+      </p:grpSp>
+      <mc:AlternateContent xmlns:mc="http://schemas.openxmlformats.org/markup-compatibility/2006">
+        <mc:Choice xmlns:a14="http://schemas.microsoft.com/office/drawing/2010/main" Requires="a14">
+          <p:sp>
+            <p:nvSpPr>
+              <p:cNvPr id="37" name="TextBox 36">
+                <a:extLst>
+                  <a:ext uri="{FF2B5EF4-FFF2-40B4-BE49-F238E27FC236}">
+                    <a16:creationId xmlns:a16="http://schemas.microsoft.com/office/drawing/2014/main" id="{B924BAD1-C07E-6244-BC9A-1434B6BAEC23}"/>
+                  </a:ext>
+                </a:extLst>
+              </p:cNvPr>
+              <p:cNvSpPr txBox="1"/>
+              <p:nvPr/>
+            </p:nvSpPr>
+            <p:spPr>
+              <a:xfrm>
+                <a:off x="891721" y="3838242"/>
+                <a:ext cx="653833" cy="786177"/>
+              </a:xfrm>
+              <a:prstGeom prst="rect">
+                <a:avLst/>
+              </a:prstGeom>
+              <a:solidFill>
+                <a:schemeClr val="bg1"/>
+              </a:solidFill>
+            </p:spPr>
+            <p:txBody>
+              <a:bodyPr wrap="none" rtlCol="0">
+                <a:spAutoFit/>
+              </a:bodyPr>
+              <a:lstStyle/>
+              <a:p>
+                <a:pPr/>
+                <a14:m>
+                  <m:oMathPara xmlns:m="http://schemas.openxmlformats.org/officeDocument/2006/math">
+                    <m:oMathParaPr>
+                      <m:jc m:val="centerGroup"/>
+                    </m:oMathParaPr>
+                    <m:oMath xmlns:m="http://schemas.openxmlformats.org/officeDocument/2006/math">
+                      <m:f>
+                        <m:fPr>
+                          <m:ctrlPr>
+                            <a:rPr lang="en-CA" sz="2400" b="0" i="1" smtClean="0">
+                              <a:solidFill>
+                                <a:schemeClr val="accent1"/>
+                              </a:solidFill>
+                              <a:latin typeface="Cambria Math" panose="02040503050406030204" pitchFamily="18" charset="0"/>
+                            </a:rPr>
+                          </m:ctrlPr>
+                        </m:fPr>
+                        <m:num>
+                          <m:r>
+                            <a:rPr lang="en-CA" sz="2400" b="0" i="1" smtClean="0">
+                              <a:solidFill>
+                                <a:schemeClr val="accent1"/>
+                              </a:solidFill>
+                              <a:latin typeface="Cambria Math" panose="02040503050406030204" pitchFamily="18" charset="0"/>
+                            </a:rPr>
+                            <m:t>2</m:t>
+                          </m:r>
+                        </m:num>
+                        <m:den>
+                          <m:r>
+                            <a:rPr lang="en-CA" sz="2400" b="0" i="1" smtClean="0">
+                              <a:solidFill>
+                                <a:schemeClr val="accent1"/>
+                              </a:solidFill>
+                              <a:latin typeface="Cambria Math" panose="02040503050406030204" pitchFamily="18" charset="0"/>
+                            </a:rPr>
+                            <m:t>5</m:t>
+                          </m:r>
+                        </m:den>
+                      </m:f>
+                      <m:r>
+                        <a:rPr lang="en-CA" sz="2400" b="0" i="1" smtClean="0">
+                          <a:solidFill>
+                            <a:schemeClr val="accent1"/>
+                          </a:solidFill>
+                          <a:latin typeface="Cambria Math" panose="02040503050406030204" pitchFamily="18" charset="0"/>
+                        </a:rPr>
+                        <m:t>𝑎</m:t>
+                      </m:r>
+                    </m:oMath>
+                  </m:oMathPara>
+                </a14:m>
+                <a:endParaRPr lang="en-US" sz="2400" dirty="0">
+                  <a:solidFill>
+                    <a:schemeClr val="accent1"/>
+                  </a:solidFill>
+                </a:endParaRPr>
+              </a:p>
+            </p:txBody>
+          </p:sp>
+        </mc:Choice>
+        <mc:Fallback>
+          <p:sp>
+            <p:nvSpPr>
+              <p:cNvPr id="37" name="TextBox 36">
+                <a:extLst>
+                  <a:ext uri="{FF2B5EF4-FFF2-40B4-BE49-F238E27FC236}">
+                    <a16:creationId xmlns:a16="http://schemas.microsoft.com/office/drawing/2014/main" id="{B924BAD1-C07E-6244-BC9A-1434B6BAEC23}"/>
+                  </a:ext>
+                </a:extLst>
+              </p:cNvPr>
+              <p:cNvSpPr txBox="1">
+                <a:spLocks noRot="1" noChangeAspect="1" noMove="1" noResize="1" noEditPoints="1" noAdjustHandles="1" noChangeArrowheads="1" noChangeShapeType="1" noTextEdit="1"/>
+              </p:cNvSpPr>
+              <p:nvPr/>
+            </p:nvSpPr>
+            <p:spPr>
+              <a:xfrm>
+                <a:off x="891721" y="3838242"/>
+                <a:ext cx="653833" cy="786177"/>
+              </a:xfrm>
+              <a:prstGeom prst="rect">
+                <a:avLst/>
+              </a:prstGeom>
+              <a:blipFill>
+                <a:blip r:embed="rId4"/>
+                <a:stretch>
+                  <a:fillRect b="-6349"/>
+                </a:stretch>
+              </a:blipFill>
+            </p:spPr>
+            <p:txBody>
+              <a:bodyPr/>
+              <a:lstStyle/>
+              <a:p>
+                <a:r>
+                  <a:rPr lang="en-US">
+                    <a:noFill/>
+                  </a:rPr>
+                  <a:t> </a:t>
+                </a:r>
+              </a:p>
+            </p:txBody>
+          </p:sp>
+        </mc:Fallback>
+      </mc:AlternateContent>
+    </p:spTree>
+    <p:extLst>
+      <p:ext uri="{BB962C8B-B14F-4D97-AF65-F5344CB8AC3E}">
+        <p14:creationId xmlns:p14="http://schemas.microsoft.com/office/powerpoint/2010/main" val="1601020835"/>
+      </p:ext>
+    </p:extLst>
+  </p:cSld>
+  <p:clrMapOvr>
+    <a:masterClrMapping/>
+  </p:clrMapOvr>
+</p:sld>
+</file>
+
+<file path=ppt/slides/slide16.xml><?xml version="1.0" encoding="utf-8"?>
+<p:sld xmlns:a="http://schemas.openxmlformats.org/drawingml/2006/main" xmlns:r="http://schemas.openxmlformats.org/officeDocument/2006/relationships" xmlns:p="http://schemas.openxmlformats.org/presentationml/2006/main">
+  <p:cSld>
+    <p:spTree>
+      <p:nvGrpSpPr>
+        <p:cNvPr id="1" name=""/>
+        <p:cNvGrpSpPr/>
+        <p:nvPr/>
+      </p:nvGrpSpPr>
+      <p:grpSpPr>
+        <a:xfrm>
+          <a:off x="0" y="0"/>
+          <a:ext cx="0" cy="0"/>
+          <a:chOff x="0" y="0"/>
+          <a:chExt cx="0" cy="0"/>
+        </a:xfrm>
+      </p:grpSpPr>
+    </p:spTree>
+    <p:extLst>
+      <p:ext uri="{BB962C8B-B14F-4D97-AF65-F5344CB8AC3E}">
+        <p14:creationId xmlns:p14="http://schemas.microsoft.com/office/powerpoint/2010/main" val="2075652833"/>
+      </p:ext>
+    </p:extLst>
+  </p:cSld>
+  <p:clrMapOvr>
+    <a:masterClrMapping/>
+  </p:clrMapOvr>
+</p:sld>
+</file>
+
 <file path=ppt/slides/slide2.xml><?xml version="1.0" encoding="utf-8"?>
 <p:sld xmlns:a="http://schemas.openxmlformats.org/drawingml/2006/main" xmlns:r="http://schemas.openxmlformats.org/officeDocument/2006/relationships" xmlns:p="http://schemas.openxmlformats.org/presentationml/2006/main">
   <p:cSld>
@@ -9948,8 +15503,8 @@
           </p:style>
         </p:cxnSp>
       </p:grpSp>
-      <mc:AlternateContent xmlns:mc="http://schemas.openxmlformats.org/markup-compatibility/2006">
-        <mc:Choice xmlns:a14="http://schemas.microsoft.com/office/drawing/2010/main" Requires="a14">
+      <mc:AlternateContent xmlns:mc="http://schemas.openxmlformats.org/markup-compatibility/2006" xmlns:a14="http://schemas.microsoft.com/office/drawing/2010/main">
+        <mc:Choice Requires="a14">
           <p:sp>
             <p:nvSpPr>
               <p:cNvPr id="24" name="TextBox 23"/>
@@ -10052,7 +15607,7 @@
             </p:txBody>
           </p:sp>
         </mc:Choice>
-        <mc:Fallback>
+        <mc:Fallback xmlns="">
           <p:sp>
             <p:nvSpPr>
               <p:cNvPr id="24" name="TextBox 23"/>

--- a/Lecture Slides/2DCentroidDiagrams_diagrams.pptx
+++ b/Lecture Slides/2DCentroidDiagrams_diagrams.pptx
@@ -900,7 +900,7 @@
           <a:p>
             <a:fld id="{EEC40B93-9382-47DD-88EF-EE995B444767}" type="datetimeFigureOut">
               <a:rPr lang="en-US" smtClean="0"/>
-              <a:t>10/5/21</a:t>
+              <a:t>4/7/2022</a:t>
             </a:fld>
             <a:endParaRPr lang="en-US"/>
           </a:p>
@@ -1068,7 +1068,7 @@
           <a:p>
             <a:fld id="{EEC40B93-9382-47DD-88EF-EE995B444767}" type="datetimeFigureOut">
               <a:rPr lang="en-US" smtClean="0"/>
-              <a:t>10/5/21</a:t>
+              <a:t>4/7/2022</a:t>
             </a:fld>
             <a:endParaRPr lang="en-US"/>
           </a:p>
@@ -1246,7 +1246,7 @@
           <a:p>
             <a:fld id="{EEC40B93-9382-47DD-88EF-EE995B444767}" type="datetimeFigureOut">
               <a:rPr lang="en-US" smtClean="0"/>
-              <a:t>10/5/21</a:t>
+              <a:t>4/7/2022</a:t>
             </a:fld>
             <a:endParaRPr lang="en-US"/>
           </a:p>
@@ -1414,7 +1414,7 @@
           <a:p>
             <a:fld id="{EEC40B93-9382-47DD-88EF-EE995B444767}" type="datetimeFigureOut">
               <a:rPr lang="en-US" smtClean="0"/>
-              <a:t>10/5/21</a:t>
+              <a:t>4/7/2022</a:t>
             </a:fld>
             <a:endParaRPr lang="en-US"/>
           </a:p>
@@ -1659,7 +1659,7 @@
           <a:p>
             <a:fld id="{EEC40B93-9382-47DD-88EF-EE995B444767}" type="datetimeFigureOut">
               <a:rPr lang="en-US" smtClean="0"/>
-              <a:t>10/5/21</a:t>
+              <a:t>4/7/2022</a:t>
             </a:fld>
             <a:endParaRPr lang="en-US"/>
           </a:p>
@@ -1944,7 +1944,7 @@
           <a:p>
             <a:fld id="{EEC40B93-9382-47DD-88EF-EE995B444767}" type="datetimeFigureOut">
               <a:rPr lang="en-US" smtClean="0"/>
-              <a:t>10/5/21</a:t>
+              <a:t>4/7/2022</a:t>
             </a:fld>
             <a:endParaRPr lang="en-US"/>
           </a:p>
@@ -2363,7 +2363,7 @@
           <a:p>
             <a:fld id="{EEC40B93-9382-47DD-88EF-EE995B444767}" type="datetimeFigureOut">
               <a:rPr lang="en-US" smtClean="0"/>
-              <a:t>10/5/21</a:t>
+              <a:t>4/7/2022</a:t>
             </a:fld>
             <a:endParaRPr lang="en-US"/>
           </a:p>
@@ -2480,7 +2480,7 @@
           <a:p>
             <a:fld id="{EEC40B93-9382-47DD-88EF-EE995B444767}" type="datetimeFigureOut">
               <a:rPr lang="en-US" smtClean="0"/>
-              <a:t>10/5/21</a:t>
+              <a:t>4/7/2022</a:t>
             </a:fld>
             <a:endParaRPr lang="en-US"/>
           </a:p>
@@ -2575,7 +2575,7 @@
           <a:p>
             <a:fld id="{EEC40B93-9382-47DD-88EF-EE995B444767}" type="datetimeFigureOut">
               <a:rPr lang="en-US" smtClean="0"/>
-              <a:t>10/5/21</a:t>
+              <a:t>4/7/2022</a:t>
             </a:fld>
             <a:endParaRPr lang="en-US"/>
           </a:p>
@@ -2850,7 +2850,7 @@
           <a:p>
             <a:fld id="{EEC40B93-9382-47DD-88EF-EE995B444767}" type="datetimeFigureOut">
               <a:rPr lang="en-US" smtClean="0"/>
-              <a:t>10/5/21</a:t>
+              <a:t>4/7/2022</a:t>
             </a:fld>
             <a:endParaRPr lang="en-US"/>
           </a:p>
@@ -3102,7 +3102,7 @@
           <a:p>
             <a:fld id="{EEC40B93-9382-47DD-88EF-EE995B444767}" type="datetimeFigureOut">
               <a:rPr lang="en-US" smtClean="0"/>
-              <a:t>10/5/21</a:t>
+              <a:t>4/7/2022</a:t>
             </a:fld>
             <a:endParaRPr lang="en-US"/>
           </a:p>
@@ -3313,7 +3313,7 @@
           <a:p>
             <a:fld id="{EEC40B93-9382-47DD-88EF-EE995B444767}" type="datetimeFigureOut">
               <a:rPr lang="en-US" smtClean="0"/>
-              <a:t>10/5/21</a:t>
+              <a:t>4/7/2022</a:t>
             </a:fld>
             <a:endParaRPr lang="en-US"/>
           </a:p>
@@ -4268,7 +4268,7 @@
         <p:spPr>
           <a:xfrm>
             <a:off x="6390833" y="3410588"/>
-            <a:ext cx="365806" cy="369332"/>
+            <a:ext cx="311304" cy="369332"/>
           </a:xfrm>
           <a:prstGeom prst="rect">
             <a:avLst/>
@@ -4283,7 +4283,7 @@
           <a:p>
             <a:r>
               <a:rPr lang="en-US" b="1" dirty="0"/>
-              <a:t>X’</a:t>
+              <a:t>X</a:t>
             </a:r>
           </a:p>
         </p:txBody>
@@ -4357,8 +4357,8 @@
           </a:p>
         </p:txBody>
       </p:sp>
-      <mc:AlternateContent xmlns:mc="http://schemas.openxmlformats.org/markup-compatibility/2006">
-        <mc:Choice xmlns:a14="http://schemas.microsoft.com/office/drawing/2010/main" Requires="a14">
+      <mc:AlternateContent xmlns:mc="http://schemas.openxmlformats.org/markup-compatibility/2006" xmlns:a14="http://schemas.microsoft.com/office/drawing/2010/main">
+        <mc:Choice Requires="a14">
           <p:sp>
             <p:nvSpPr>
               <p:cNvPr id="31" name="TextBox 30"/>
@@ -4412,7 +4412,7 @@
             </p:txBody>
           </p:sp>
         </mc:Choice>
-        <mc:Fallback>
+        <mc:Fallback xmlns="">
           <p:sp>
             <p:nvSpPr>
               <p:cNvPr id="31" name="TextBox 30"/>
@@ -4562,8 +4562,8 @@
           </p:style>
         </p:cxnSp>
       </p:grpSp>
-      <mc:AlternateContent xmlns:mc="http://schemas.openxmlformats.org/markup-compatibility/2006">
-        <mc:Choice xmlns:a14="http://schemas.microsoft.com/office/drawing/2010/main" Requires="a14">
+      <mc:AlternateContent xmlns:mc="http://schemas.openxmlformats.org/markup-compatibility/2006" xmlns:a14="http://schemas.microsoft.com/office/drawing/2010/main">
+        <mc:Choice Requires="a14">
           <p:sp>
             <p:nvSpPr>
               <p:cNvPr id="24" name="TextBox 23"/>
@@ -4699,7 +4699,7 @@
             </p:txBody>
           </p:sp>
         </mc:Choice>
-        <mc:Fallback>
+        <mc:Fallback xmlns="">
           <p:sp>
             <p:nvSpPr>
               <p:cNvPr id="24" name="TextBox 23"/>
@@ -4875,8 +4875,8 @@
           </a:p>
         </p:txBody>
       </p:sp>
-      <mc:AlternateContent xmlns:mc="http://schemas.openxmlformats.org/markup-compatibility/2006">
-        <mc:Choice xmlns:a14="http://schemas.microsoft.com/office/drawing/2010/main" Requires="a14">
+      <mc:AlternateContent xmlns:mc="http://schemas.openxmlformats.org/markup-compatibility/2006" xmlns:a14="http://schemas.microsoft.com/office/drawing/2010/main">
+        <mc:Choice Requires="a14">
           <p:sp>
             <p:nvSpPr>
               <p:cNvPr id="34" name="TextBox 33">
@@ -4936,7 +4936,7 @@
             </p:txBody>
           </p:sp>
         </mc:Choice>
-        <mc:Fallback>
+        <mc:Fallback xmlns="">
           <p:sp>
             <p:nvSpPr>
               <p:cNvPr id="34" name="TextBox 33">
@@ -4981,8 +4981,8 @@
           </p:sp>
         </mc:Fallback>
       </mc:AlternateContent>
-      <mc:AlternateContent xmlns:mc="http://schemas.openxmlformats.org/markup-compatibility/2006">
-        <mc:Choice xmlns:a14="http://schemas.microsoft.com/office/drawing/2010/main" Requires="a14">
+      <mc:AlternateContent xmlns:mc="http://schemas.openxmlformats.org/markup-compatibility/2006" xmlns:a14="http://schemas.microsoft.com/office/drawing/2010/main">
+        <mc:Choice Requires="a14">
           <p:sp>
             <p:nvSpPr>
               <p:cNvPr id="35" name="TextBox 34">
@@ -5042,7 +5042,7 @@
             </p:txBody>
           </p:sp>
         </mc:Choice>
-        <mc:Fallback>
+        <mc:Fallback xmlns="">
           <p:sp>
             <p:nvSpPr>
               <p:cNvPr id="35" name="TextBox 34">
@@ -5684,8 +5684,8 @@
           </a:fontRef>
         </p:style>
       </p:cxnSp>
-      <mc:AlternateContent xmlns:mc="http://schemas.openxmlformats.org/markup-compatibility/2006">
-        <mc:Choice xmlns:a14="http://schemas.microsoft.com/office/drawing/2010/main" Requires="a14">
+      <mc:AlternateContent xmlns:mc="http://schemas.openxmlformats.org/markup-compatibility/2006" xmlns:a14="http://schemas.microsoft.com/office/drawing/2010/main">
+        <mc:Choice Requires="a14">
           <p:sp>
             <p:nvSpPr>
               <p:cNvPr id="21" name="TextBox 20"/>
@@ -5779,7 +5779,7 @@
             </p:txBody>
           </p:sp>
         </mc:Choice>
-        <mc:Fallback>
+        <mc:Fallback xmlns="">
           <p:sp>
             <p:nvSpPr>
               <p:cNvPr id="21" name="TextBox 20"/>
@@ -6246,8 +6246,8 @@
           </a:fontRef>
         </p:style>
       </p:cxnSp>
-      <mc:AlternateContent xmlns:mc="http://schemas.openxmlformats.org/markup-compatibility/2006">
-        <mc:Choice xmlns:a14="http://schemas.microsoft.com/office/drawing/2010/main" Requires="a14">
+      <mc:AlternateContent xmlns:mc="http://schemas.openxmlformats.org/markup-compatibility/2006" xmlns:a14="http://schemas.microsoft.com/office/drawing/2010/main">
+        <mc:Choice Requires="a14">
           <p:sp>
             <p:nvSpPr>
               <p:cNvPr id="31" name="TextBox 30"/>
@@ -6301,7 +6301,7 @@
             </p:txBody>
           </p:sp>
         </mc:Choice>
-        <mc:Fallback>
+        <mc:Fallback xmlns="">
           <p:sp>
             <p:nvSpPr>
               <p:cNvPr id="31" name="TextBox 30"/>
@@ -6549,8 +6549,8 @@
           </p:style>
         </p:cxnSp>
       </p:grpSp>
-      <mc:AlternateContent xmlns:mc="http://schemas.openxmlformats.org/markup-compatibility/2006">
-        <mc:Choice xmlns:a14="http://schemas.microsoft.com/office/drawing/2010/main" Requires="a14">
+      <mc:AlternateContent xmlns:mc="http://schemas.openxmlformats.org/markup-compatibility/2006" xmlns:a14="http://schemas.microsoft.com/office/drawing/2010/main">
+        <mc:Choice Requires="a14">
           <p:sp>
             <p:nvSpPr>
               <p:cNvPr id="24" name="TextBox 23"/>
@@ -6644,7 +6644,7 @@
             </p:txBody>
           </p:sp>
         </mc:Choice>
-        <mc:Fallback>
+        <mc:Fallback xmlns="">
           <p:sp>
             <p:nvSpPr>
               <p:cNvPr id="24" name="TextBox 23"/>
@@ -6848,8 +6848,8 @@
           </a:p>
         </p:txBody>
       </p:sp>
-      <mc:AlternateContent xmlns:mc="http://schemas.openxmlformats.org/markup-compatibility/2006">
-        <mc:Choice xmlns:a14="http://schemas.microsoft.com/office/drawing/2010/main" Requires="a14">
+      <mc:AlternateContent xmlns:mc="http://schemas.openxmlformats.org/markup-compatibility/2006" xmlns:a14="http://schemas.microsoft.com/office/drawing/2010/main">
+        <mc:Choice Requires="a14">
           <p:sp>
             <p:nvSpPr>
               <p:cNvPr id="33" name="TextBox 32">
@@ -6949,7 +6949,7 @@
             </p:txBody>
           </p:sp>
         </mc:Choice>
-        <mc:Fallback>
+        <mc:Fallback xmlns="">
           <p:sp>
             <p:nvSpPr>
               <p:cNvPr id="33" name="TextBox 32">
@@ -7289,8 +7289,8 @@
           </a:p>
         </p:txBody>
       </p:sp>
-      <mc:AlternateContent xmlns:mc="http://schemas.openxmlformats.org/markup-compatibility/2006">
-        <mc:Choice xmlns:a14="http://schemas.microsoft.com/office/drawing/2010/main" Requires="a14">
+      <mc:AlternateContent xmlns:mc="http://schemas.openxmlformats.org/markup-compatibility/2006" xmlns:a14="http://schemas.microsoft.com/office/drawing/2010/main">
+        <mc:Choice Requires="a14">
           <p:sp>
             <p:nvSpPr>
               <p:cNvPr id="31" name="TextBox 30"/>
@@ -7344,7 +7344,7 @@
             </p:txBody>
           </p:sp>
         </mc:Choice>
-        <mc:Fallback>
+        <mc:Fallback xmlns="">
           <p:sp>
             <p:nvSpPr>
               <p:cNvPr id="31" name="TextBox 30"/>
@@ -7494,8 +7494,8 @@
           </p:style>
         </p:cxnSp>
       </p:grpSp>
-      <mc:AlternateContent xmlns:mc="http://schemas.openxmlformats.org/markup-compatibility/2006">
-        <mc:Choice xmlns:a14="http://schemas.microsoft.com/office/drawing/2010/main" Requires="a14">
+      <mc:AlternateContent xmlns:mc="http://schemas.openxmlformats.org/markup-compatibility/2006" xmlns:a14="http://schemas.microsoft.com/office/drawing/2010/main">
+        <mc:Choice Requires="a14">
           <p:sp>
             <p:nvSpPr>
               <p:cNvPr id="24" name="TextBox 23"/>
@@ -7597,7 +7597,7 @@
             </p:txBody>
           </p:sp>
         </mc:Choice>
-        <mc:Fallback>
+        <mc:Fallback xmlns="">
           <p:sp>
             <p:nvSpPr>
               <p:cNvPr id="24" name="TextBox 23"/>
@@ -7773,8 +7773,8 @@
           </a:p>
         </p:txBody>
       </p:sp>
-      <mc:AlternateContent xmlns:mc="http://schemas.openxmlformats.org/markup-compatibility/2006">
-        <mc:Choice xmlns:a14="http://schemas.microsoft.com/office/drawing/2010/main" Requires="a14">
+      <mc:AlternateContent xmlns:mc="http://schemas.openxmlformats.org/markup-compatibility/2006" xmlns:a14="http://schemas.microsoft.com/office/drawing/2010/main">
+        <mc:Choice Requires="a14">
           <p:sp>
             <p:nvSpPr>
               <p:cNvPr id="34" name="TextBox 33">
@@ -7834,7 +7834,7 @@
             </p:txBody>
           </p:sp>
         </mc:Choice>
-        <mc:Fallback>
+        <mc:Fallback xmlns="">
           <p:sp>
             <p:nvSpPr>
               <p:cNvPr id="34" name="TextBox 33">
@@ -7879,8 +7879,8 @@
           </p:sp>
         </mc:Fallback>
       </mc:AlternateContent>
-      <mc:AlternateContent xmlns:mc="http://schemas.openxmlformats.org/markup-compatibility/2006">
-        <mc:Choice xmlns:a14="http://schemas.microsoft.com/office/drawing/2010/main" Requires="a14">
+      <mc:AlternateContent xmlns:mc="http://schemas.openxmlformats.org/markup-compatibility/2006" xmlns:a14="http://schemas.microsoft.com/office/drawing/2010/main">
+        <mc:Choice Requires="a14">
           <p:sp>
             <p:nvSpPr>
               <p:cNvPr id="35" name="TextBox 34">
@@ -7940,7 +7940,7 @@
             </p:txBody>
           </p:sp>
         </mc:Choice>
-        <mc:Fallback>
+        <mc:Fallback xmlns="">
           <p:sp>
             <p:nvSpPr>
               <p:cNvPr id="35" name="TextBox 34">
@@ -8809,8 +8809,8 @@
           </a:p>
         </p:txBody>
       </p:sp>
-      <mc:AlternateContent xmlns:mc="http://schemas.openxmlformats.org/markup-compatibility/2006">
-        <mc:Choice xmlns:a14="http://schemas.microsoft.com/office/drawing/2010/main" Requires="a14">
+      <mc:AlternateContent xmlns:mc="http://schemas.openxmlformats.org/markup-compatibility/2006" xmlns:a14="http://schemas.microsoft.com/office/drawing/2010/main">
+        <mc:Choice Requires="a14">
           <p:sp>
             <p:nvSpPr>
               <p:cNvPr id="31" name="TextBox 30"/>
@@ -8861,7 +8861,7 @@
             </p:txBody>
           </p:sp>
         </mc:Choice>
-        <mc:Fallback>
+        <mc:Fallback xmlns="">
           <p:sp>
             <p:nvSpPr>
               <p:cNvPr id="31" name="TextBox 30"/>
@@ -8900,8 +8900,8 @@
           </p:sp>
         </mc:Fallback>
       </mc:AlternateContent>
-      <mc:AlternateContent xmlns:mc="http://schemas.openxmlformats.org/markup-compatibility/2006">
-        <mc:Choice xmlns:a14="http://schemas.microsoft.com/office/drawing/2010/main" Requires="a14">
+      <mc:AlternateContent xmlns:mc="http://schemas.openxmlformats.org/markup-compatibility/2006" xmlns:a14="http://schemas.microsoft.com/office/drawing/2010/main">
+        <mc:Choice Requires="a14">
           <p:sp>
             <p:nvSpPr>
               <p:cNvPr id="21" name="TextBox 20"/>
@@ -8954,7 +8954,7 @@
             </p:txBody>
           </p:sp>
         </mc:Choice>
-        <mc:Fallback>
+        <mc:Fallback xmlns="">
           <p:sp>
             <p:nvSpPr>
               <p:cNvPr id="21" name="TextBox 20"/>
@@ -9498,8 +9498,8 @@
           </p:style>
         </p:cxnSp>
       </p:grpSp>
-      <mc:AlternateContent xmlns:mc="http://schemas.openxmlformats.org/markup-compatibility/2006">
-        <mc:Choice xmlns:a14="http://schemas.microsoft.com/office/drawing/2010/main" Requires="a14">
+      <mc:AlternateContent xmlns:mc="http://schemas.openxmlformats.org/markup-compatibility/2006" xmlns:a14="http://schemas.microsoft.com/office/drawing/2010/main">
+        <mc:Choice Requires="a14">
           <p:sp>
             <p:nvSpPr>
               <p:cNvPr id="37" name="TextBox 36">
@@ -9592,7 +9592,7 @@
             </p:txBody>
           </p:sp>
         </mc:Choice>
-        <mc:Fallback>
+        <mc:Fallback xmlns="">
           <p:sp>
             <p:nvSpPr>
               <p:cNvPr id="37" name="TextBox 36">
@@ -12988,7 +12988,7 @@
         <p:spPr>
           <a:xfrm>
             <a:off x="5750976" y="3723225"/>
-            <a:ext cx="304892" cy="369332"/>
+            <a:ext cx="311304" cy="369332"/>
           </a:xfrm>
           <a:prstGeom prst="rect">
             <a:avLst/>
@@ -13006,7 +13006,7 @@
           <a:p>
             <a:r>
               <a:rPr lang="en-US" b="1" dirty="0"/>
-              <a:t>Y</a:t>
+              <a:t>X</a:t>
             </a:r>
           </a:p>
         </p:txBody>
